--- a/CSE111W04_FunctionDetails.pptx
+++ b/CSE111W04_FunctionDetails.pptx
@@ -5,7 +5,7 @@
     <p:sldMasterId id="2147483660" r:id="rId1"/>
   </p:sldMasterIdLst>
   <p:notesMasterIdLst>
-    <p:notesMasterId r:id="rId50"/>
+    <p:notesMasterId r:id="rId51"/>
   </p:notesMasterIdLst>
   <p:sldIdLst>
     <p:sldId id="256" r:id="rId2"/>
@@ -56,6 +56,7 @@
     <p:sldId id="315" r:id="rId47"/>
     <p:sldId id="431" r:id="rId48"/>
     <p:sldId id="432" r:id="rId49"/>
+    <p:sldId id="433" r:id="rId50"/>
   </p:sldIdLst>
   <p:sldSz cx="12192000" cy="6858000"/>
   <p:notesSz cx="6858000" cy="9144000"/>
@@ -165,13 +166,37 @@
 <file path=ppt/revisionInfo.xml><?xml version="1.0" encoding="utf-8"?>
 <p1510:revInfo xmlns:a="http://schemas.openxmlformats.org/drawingml/2006/main" xmlns:r="http://schemas.openxmlformats.org/officeDocument/2006/relationships" xmlns:p1510="http://schemas.microsoft.com/office/powerpoint/2015/10/main">
   <p1510:revLst>
-    <p1510:client id="{0B1466AB-A065-9E49-B842-7E8B6CE84A05}" v="18" dt="2023-05-02T16:12:59.310"/>
+    <p1510:client id="{5D9CE8EC-AAE6-4E0C-8125-66ED3D2E6841}" v="11" dt="2024-01-18T18:11:19.004"/>
   </p1510:revLst>
 </p1510:revInfo>
 </file>
 
 <file path=ppt/changesInfos/changesInfo1.xml><?xml version="1.0" encoding="utf-8"?>
 <pc:chgInfo xmlns:a="http://schemas.openxmlformats.org/drawingml/2006/main" xmlns:r="http://schemas.openxmlformats.org/officeDocument/2006/relationships" xmlns:ac="http://schemas.microsoft.com/office/drawing/2013/main/command" xmlns:pc="http://schemas.microsoft.com/office/powerpoint/2013/main/command">
+  <pc:docChgLst>
+    <pc:chgData name="Clements, William" userId="cbdb0636-a496-422a-8d40-98c53d494d26" providerId="ADAL" clId="{959072E2-1D96-234F-ABF6-BD774E87C793}"/>
+    <pc:docChg chg="modSld">
+      <pc:chgData name="Clements, William" userId="cbdb0636-a496-422a-8d40-98c53d494d26" providerId="ADAL" clId="{959072E2-1D96-234F-ABF6-BD774E87C793}" dt="2024-01-17T17:05:04.968" v="2" actId="1076"/>
+      <pc:docMkLst>
+        <pc:docMk/>
+      </pc:docMkLst>
+      <pc:sldChg chg="addSp modSp mod">
+        <pc:chgData name="Clements, William" userId="cbdb0636-a496-422a-8d40-98c53d494d26" providerId="ADAL" clId="{959072E2-1D96-234F-ABF6-BD774E87C793}" dt="2024-01-17T17:05:04.968" v="2" actId="1076"/>
+        <pc:sldMkLst>
+          <pc:docMk/>
+          <pc:sldMk cId="3300388778" sldId="340"/>
+        </pc:sldMkLst>
+        <pc:spChg chg="add mod">
+          <ac:chgData name="Clements, William" userId="cbdb0636-a496-422a-8d40-98c53d494d26" providerId="ADAL" clId="{959072E2-1D96-234F-ABF6-BD774E87C793}" dt="2024-01-17T17:05:04.968" v="2" actId="1076"/>
+          <ac:spMkLst>
+            <pc:docMk/>
+            <pc:sldMk cId="3300388778" sldId="340"/>
+            <ac:spMk id="17" creationId="{606B42D1-DF0E-345B-1C88-63732D8F0A5F}"/>
+          </ac:spMkLst>
+        </pc:spChg>
+      </pc:sldChg>
+    </pc:docChg>
+  </pc:docChgLst>
   <pc:docChgLst>
     <pc:chgData name="Clements, William" userId="cbdb0636-a496-422a-8d40-98c53d494d26" providerId="ADAL" clId="{9C6541B5-785A-2043-B741-F51FEB6EEED1}"/>
     <pc:docChg chg="custSel addSld modSld">
@@ -323,6 +348,576 @@
           <pc:docMk/>
           <pc:sldMk cId="517045509" sldId="348"/>
         </pc:sldMkLst>
+      </pc:sldChg>
+    </pc:docChg>
+  </pc:docChgLst>
+  <pc:docChgLst>
+    <pc:chgData name="Clements, William" userId="cbdb0636-a496-422a-8d40-98c53d494d26" providerId="ADAL" clId="{5D9CE8EC-AAE6-4E0C-8125-66ED3D2E6841}"/>
+    <pc:docChg chg="undo redo custSel addSld modSld">
+      <pc:chgData name="Clements, William" userId="cbdb0636-a496-422a-8d40-98c53d494d26" providerId="ADAL" clId="{5D9CE8EC-AAE6-4E0C-8125-66ED3D2E6841}" dt="2024-01-18T18:11:19.004" v="871"/>
+      <pc:docMkLst>
+        <pc:docMk/>
+      </pc:docMkLst>
+      <pc:sldChg chg="addSp modSp mod modAnim">
+        <pc:chgData name="Clements, William" userId="cbdb0636-a496-422a-8d40-98c53d494d26" providerId="ADAL" clId="{5D9CE8EC-AAE6-4E0C-8125-66ED3D2E6841}" dt="2024-01-18T18:07:10.744" v="726"/>
+        <pc:sldMkLst>
+          <pc:docMk/>
+          <pc:sldMk cId="601039544" sldId="267"/>
+        </pc:sldMkLst>
+        <pc:spChg chg="add mod">
+          <ac:chgData name="Clements, William" userId="cbdb0636-a496-422a-8d40-98c53d494d26" providerId="ADAL" clId="{5D9CE8EC-AAE6-4E0C-8125-66ED3D2E6841}" dt="2024-01-18T18:06:57.582" v="725" actId="20577"/>
+          <ac:spMkLst>
+            <pc:docMk/>
+            <pc:sldMk cId="601039544" sldId="267"/>
+            <ac:spMk id="3" creationId="{E3B22B27-BCA7-9EA7-E63D-16D7C2A11797}"/>
+          </ac:spMkLst>
+        </pc:spChg>
+      </pc:sldChg>
+      <pc:sldChg chg="modSp mod">
+        <pc:chgData name="Clements, William" userId="cbdb0636-a496-422a-8d40-98c53d494d26" providerId="ADAL" clId="{5D9CE8EC-AAE6-4E0C-8125-66ED3D2E6841}" dt="2024-01-18T18:03:03.096" v="634"/>
+        <pc:sldMkLst>
+          <pc:docMk/>
+          <pc:sldMk cId="2851106356" sldId="327"/>
+        </pc:sldMkLst>
+        <pc:spChg chg="mod">
+          <ac:chgData name="Clements, William" userId="cbdb0636-a496-422a-8d40-98c53d494d26" providerId="ADAL" clId="{5D9CE8EC-AAE6-4E0C-8125-66ED3D2E6841}" dt="2024-01-18T18:03:03.096" v="634"/>
+          <ac:spMkLst>
+            <pc:docMk/>
+            <pc:sldMk cId="2851106356" sldId="327"/>
+            <ac:spMk id="4" creationId="{BC3B3642-DB7D-7777-6DAF-B6394960F502}"/>
+          </ac:spMkLst>
+        </pc:spChg>
+      </pc:sldChg>
+      <pc:sldChg chg="modSp mod">
+        <pc:chgData name="Clements, William" userId="cbdb0636-a496-422a-8d40-98c53d494d26" providerId="ADAL" clId="{5D9CE8EC-AAE6-4E0C-8125-66ED3D2E6841}" dt="2024-01-18T18:03:48.493" v="664" actId="20577"/>
+        <pc:sldMkLst>
+          <pc:docMk/>
+          <pc:sldMk cId="2958137110" sldId="330"/>
+        </pc:sldMkLst>
+        <pc:spChg chg="mod">
+          <ac:chgData name="Clements, William" userId="cbdb0636-a496-422a-8d40-98c53d494d26" providerId="ADAL" clId="{5D9CE8EC-AAE6-4E0C-8125-66ED3D2E6841}" dt="2024-01-18T18:03:48.493" v="664" actId="20577"/>
+          <ac:spMkLst>
+            <pc:docMk/>
+            <pc:sldMk cId="2958137110" sldId="330"/>
+            <ac:spMk id="4" creationId="{BB3243D7-6821-DCB5-6F4E-0853497B59A3}"/>
+          </ac:spMkLst>
+        </pc:spChg>
+      </pc:sldChg>
+      <pc:sldChg chg="modSp mod">
+        <pc:chgData name="Clements, William" userId="cbdb0636-a496-422a-8d40-98c53d494d26" providerId="ADAL" clId="{5D9CE8EC-AAE6-4E0C-8125-66ED3D2E6841}" dt="2024-01-18T18:05:33.928" v="675" actId="13822"/>
+        <pc:sldMkLst>
+          <pc:docMk/>
+          <pc:sldMk cId="2886487461" sldId="331"/>
+        </pc:sldMkLst>
+        <pc:spChg chg="mod">
+          <ac:chgData name="Clements, William" userId="cbdb0636-a496-422a-8d40-98c53d494d26" providerId="ADAL" clId="{5D9CE8EC-AAE6-4E0C-8125-66ED3D2E6841}" dt="2024-01-18T18:04:02.988" v="671" actId="20577"/>
+          <ac:spMkLst>
+            <pc:docMk/>
+            <pc:sldMk cId="2886487461" sldId="331"/>
+            <ac:spMk id="6" creationId="{DDF7D18B-4E40-523B-772B-0AFA9D565F27}"/>
+          </ac:spMkLst>
+        </pc:spChg>
+        <pc:spChg chg="mod">
+          <ac:chgData name="Clements, William" userId="cbdb0636-a496-422a-8d40-98c53d494d26" providerId="ADAL" clId="{5D9CE8EC-AAE6-4E0C-8125-66ED3D2E6841}" dt="2024-01-18T18:05:33.928" v="675" actId="13822"/>
+          <ac:spMkLst>
+            <pc:docMk/>
+            <pc:sldMk cId="2886487461" sldId="331"/>
+            <ac:spMk id="7" creationId="{328469E7-BCEF-B06B-8A28-CE7C18301636}"/>
+          </ac:spMkLst>
+        </pc:spChg>
+        <pc:spChg chg="mod">
+          <ac:chgData name="Clements, William" userId="cbdb0636-a496-422a-8d40-98c53d494d26" providerId="ADAL" clId="{5D9CE8EC-AAE6-4E0C-8125-66ED3D2E6841}" dt="2024-01-18T18:05:33.928" v="675" actId="13822"/>
+          <ac:spMkLst>
+            <pc:docMk/>
+            <pc:sldMk cId="2886487461" sldId="331"/>
+            <ac:spMk id="8" creationId="{FBE0533A-CF98-AF95-195E-2A79748BEC97}"/>
+          </ac:spMkLst>
+        </pc:spChg>
+        <pc:spChg chg="mod">
+          <ac:chgData name="Clements, William" userId="cbdb0636-a496-422a-8d40-98c53d494d26" providerId="ADAL" clId="{5D9CE8EC-AAE6-4E0C-8125-66ED3D2E6841}" dt="2024-01-18T18:05:33.928" v="675" actId="13822"/>
+          <ac:spMkLst>
+            <pc:docMk/>
+            <pc:sldMk cId="2886487461" sldId="331"/>
+            <ac:spMk id="9" creationId="{CC71ED98-B225-5031-FF6D-EDDBC51BD13B}"/>
+          </ac:spMkLst>
+        </pc:spChg>
+        <pc:spChg chg="mod">
+          <ac:chgData name="Clements, William" userId="cbdb0636-a496-422a-8d40-98c53d494d26" providerId="ADAL" clId="{5D9CE8EC-AAE6-4E0C-8125-66ED3D2E6841}" dt="2024-01-18T18:05:33.928" v="675" actId="13822"/>
+          <ac:spMkLst>
+            <pc:docMk/>
+            <pc:sldMk cId="2886487461" sldId="331"/>
+            <ac:spMk id="10" creationId="{329C94B6-7EA7-F6B1-E689-5FA78093B4C4}"/>
+          </ac:spMkLst>
+        </pc:spChg>
+      </pc:sldChg>
+      <pc:sldChg chg="modSp mod">
+        <pc:chgData name="Clements, William" userId="cbdb0636-a496-422a-8d40-98c53d494d26" providerId="ADAL" clId="{5D9CE8EC-AAE6-4E0C-8125-66ED3D2E6841}" dt="2024-01-18T18:10:56.193" v="867" actId="20577"/>
+        <pc:sldMkLst>
+          <pc:docMk/>
+          <pc:sldMk cId="1214004508" sldId="337"/>
+        </pc:sldMkLst>
+        <pc:spChg chg="mod">
+          <ac:chgData name="Clements, William" userId="cbdb0636-a496-422a-8d40-98c53d494d26" providerId="ADAL" clId="{5D9CE8EC-AAE6-4E0C-8125-66ED3D2E6841}" dt="2024-01-18T18:08:32.043" v="746" actId="1037"/>
+          <ac:spMkLst>
+            <pc:docMk/>
+            <pc:sldMk cId="1214004508" sldId="337"/>
+            <ac:spMk id="26" creationId="{4B6B223B-5D05-6587-36F4-21592AFDD03D}"/>
+          </ac:spMkLst>
+        </pc:spChg>
+        <pc:spChg chg="mod">
+          <ac:chgData name="Clements, William" userId="cbdb0636-a496-422a-8d40-98c53d494d26" providerId="ADAL" clId="{5D9CE8EC-AAE6-4E0C-8125-66ED3D2E6841}" dt="2024-01-18T18:08:32.043" v="746" actId="1037"/>
+          <ac:spMkLst>
+            <pc:docMk/>
+            <pc:sldMk cId="1214004508" sldId="337"/>
+            <ac:spMk id="27" creationId="{537E6B24-0BA9-44AB-1A62-03DC8C5F4D13}"/>
+          </ac:spMkLst>
+        </pc:spChg>
+        <pc:spChg chg="mod">
+          <ac:chgData name="Clements, William" userId="cbdb0636-a496-422a-8d40-98c53d494d26" providerId="ADAL" clId="{5D9CE8EC-AAE6-4E0C-8125-66ED3D2E6841}" dt="2024-01-18T18:08:32.043" v="746" actId="1037"/>
+          <ac:spMkLst>
+            <pc:docMk/>
+            <pc:sldMk cId="1214004508" sldId="337"/>
+            <ac:spMk id="28" creationId="{EEF5F8D5-8010-1B3A-9B14-B8AC36AE02FC}"/>
+          </ac:spMkLst>
+        </pc:spChg>
+        <pc:spChg chg="mod">
+          <ac:chgData name="Clements, William" userId="cbdb0636-a496-422a-8d40-98c53d494d26" providerId="ADAL" clId="{5D9CE8EC-AAE6-4E0C-8125-66ED3D2E6841}" dt="2024-01-18T18:08:21.992" v="731" actId="20577"/>
+          <ac:spMkLst>
+            <pc:docMk/>
+            <pc:sldMk cId="1214004508" sldId="337"/>
+            <ac:spMk id="29" creationId="{E0339BC4-36A1-0EE7-B853-3C3588B085EA}"/>
+          </ac:spMkLst>
+        </pc:spChg>
+        <pc:spChg chg="mod">
+          <ac:chgData name="Clements, William" userId="cbdb0636-a496-422a-8d40-98c53d494d26" providerId="ADAL" clId="{5D9CE8EC-AAE6-4E0C-8125-66ED3D2E6841}" dt="2024-01-18T18:10:14.199" v="844" actId="5793"/>
+          <ac:spMkLst>
+            <pc:docMk/>
+            <pc:sldMk cId="1214004508" sldId="337"/>
+            <ac:spMk id="30" creationId="{C8982216-09BC-6B3C-AE1D-3B32DBCB0A4A}"/>
+          </ac:spMkLst>
+        </pc:spChg>
+        <pc:spChg chg="mod">
+          <ac:chgData name="Clements, William" userId="cbdb0636-a496-422a-8d40-98c53d494d26" providerId="ADAL" clId="{5D9CE8EC-AAE6-4E0C-8125-66ED3D2E6841}" dt="2024-01-18T18:09:40.220" v="817" actId="20577"/>
+          <ac:spMkLst>
+            <pc:docMk/>
+            <pc:sldMk cId="1214004508" sldId="337"/>
+            <ac:spMk id="31" creationId="{CE141520-BE94-EF3A-4320-A4E2EEA8F8EA}"/>
+          </ac:spMkLst>
+        </pc:spChg>
+        <pc:spChg chg="mod">
+          <ac:chgData name="Clements, William" userId="cbdb0636-a496-422a-8d40-98c53d494d26" providerId="ADAL" clId="{5D9CE8EC-AAE6-4E0C-8125-66ED3D2E6841}" dt="2024-01-18T18:10:56.193" v="867" actId="20577"/>
+          <ac:spMkLst>
+            <pc:docMk/>
+            <pc:sldMk cId="1214004508" sldId="337"/>
+            <ac:spMk id="32" creationId="{9D6E3BC7-4193-0E5A-2165-DB02724885CF}"/>
+          </ac:spMkLst>
+        </pc:spChg>
+      </pc:sldChg>
+      <pc:sldChg chg="addSp delSp modSp mod">
+        <pc:chgData name="Clements, William" userId="cbdb0636-a496-422a-8d40-98c53d494d26" providerId="ADAL" clId="{5D9CE8EC-AAE6-4E0C-8125-66ED3D2E6841}" dt="2024-01-18T18:11:19.004" v="871"/>
+        <pc:sldMkLst>
+          <pc:docMk/>
+          <pc:sldMk cId="3445782044" sldId="341"/>
+        </pc:sldMkLst>
+        <pc:spChg chg="del">
+          <ac:chgData name="Clements, William" userId="cbdb0636-a496-422a-8d40-98c53d494d26" providerId="ADAL" clId="{5D9CE8EC-AAE6-4E0C-8125-66ED3D2E6841}" dt="2024-01-18T18:11:18.241" v="870" actId="478"/>
+          <ac:spMkLst>
+            <pc:docMk/>
+            <pc:sldMk cId="3445782044" sldId="341"/>
+            <ac:spMk id="25" creationId="{0F14858C-0B0E-7CA6-C6DF-7C318BAB7F5C}"/>
+          </ac:spMkLst>
+        </pc:spChg>
+        <pc:spChg chg="del">
+          <ac:chgData name="Clements, William" userId="cbdb0636-a496-422a-8d40-98c53d494d26" providerId="ADAL" clId="{5D9CE8EC-AAE6-4E0C-8125-66ED3D2E6841}" dt="2024-01-18T18:11:18.241" v="870" actId="478"/>
+          <ac:spMkLst>
+            <pc:docMk/>
+            <pc:sldMk cId="3445782044" sldId="341"/>
+            <ac:spMk id="26" creationId="{4B6B223B-5D05-6587-36F4-21592AFDD03D}"/>
+          </ac:spMkLst>
+        </pc:spChg>
+        <pc:spChg chg="del">
+          <ac:chgData name="Clements, William" userId="cbdb0636-a496-422a-8d40-98c53d494d26" providerId="ADAL" clId="{5D9CE8EC-AAE6-4E0C-8125-66ED3D2E6841}" dt="2024-01-18T18:11:18.241" v="870" actId="478"/>
+          <ac:spMkLst>
+            <pc:docMk/>
+            <pc:sldMk cId="3445782044" sldId="341"/>
+            <ac:spMk id="27" creationId="{537E6B24-0BA9-44AB-1A62-03DC8C5F4D13}"/>
+          </ac:spMkLst>
+        </pc:spChg>
+        <pc:spChg chg="del">
+          <ac:chgData name="Clements, William" userId="cbdb0636-a496-422a-8d40-98c53d494d26" providerId="ADAL" clId="{5D9CE8EC-AAE6-4E0C-8125-66ED3D2E6841}" dt="2024-01-18T18:11:18.241" v="870" actId="478"/>
+          <ac:spMkLst>
+            <pc:docMk/>
+            <pc:sldMk cId="3445782044" sldId="341"/>
+            <ac:spMk id="28" creationId="{EEF5F8D5-8010-1B3A-9B14-B8AC36AE02FC}"/>
+          </ac:spMkLst>
+        </pc:spChg>
+        <pc:spChg chg="del">
+          <ac:chgData name="Clements, William" userId="cbdb0636-a496-422a-8d40-98c53d494d26" providerId="ADAL" clId="{5D9CE8EC-AAE6-4E0C-8125-66ED3D2E6841}" dt="2024-01-18T18:11:18.241" v="870" actId="478"/>
+          <ac:spMkLst>
+            <pc:docMk/>
+            <pc:sldMk cId="3445782044" sldId="341"/>
+            <ac:spMk id="29" creationId="{E0339BC4-36A1-0EE7-B853-3C3588B085EA}"/>
+          </ac:spMkLst>
+        </pc:spChg>
+        <pc:spChg chg="del">
+          <ac:chgData name="Clements, William" userId="cbdb0636-a496-422a-8d40-98c53d494d26" providerId="ADAL" clId="{5D9CE8EC-AAE6-4E0C-8125-66ED3D2E6841}" dt="2024-01-18T18:11:18.241" v="870" actId="478"/>
+          <ac:spMkLst>
+            <pc:docMk/>
+            <pc:sldMk cId="3445782044" sldId="341"/>
+            <ac:spMk id="30" creationId="{C8982216-09BC-6B3C-AE1D-3B32DBCB0A4A}"/>
+          </ac:spMkLst>
+        </pc:spChg>
+        <pc:spChg chg="del">
+          <ac:chgData name="Clements, William" userId="cbdb0636-a496-422a-8d40-98c53d494d26" providerId="ADAL" clId="{5D9CE8EC-AAE6-4E0C-8125-66ED3D2E6841}" dt="2024-01-18T18:11:18.241" v="870" actId="478"/>
+          <ac:spMkLst>
+            <pc:docMk/>
+            <pc:sldMk cId="3445782044" sldId="341"/>
+            <ac:spMk id="31" creationId="{CE141520-BE94-EF3A-4320-A4E2EEA8F8EA}"/>
+          </ac:spMkLst>
+        </pc:spChg>
+        <pc:spChg chg="del">
+          <ac:chgData name="Clements, William" userId="cbdb0636-a496-422a-8d40-98c53d494d26" providerId="ADAL" clId="{5D9CE8EC-AAE6-4E0C-8125-66ED3D2E6841}" dt="2024-01-18T18:11:18.241" v="870" actId="478"/>
+          <ac:spMkLst>
+            <pc:docMk/>
+            <pc:sldMk cId="3445782044" sldId="341"/>
+            <ac:spMk id="32" creationId="{9D6E3BC7-4193-0E5A-2165-DB02724885CF}"/>
+          </ac:spMkLst>
+        </pc:spChg>
+        <pc:spChg chg="add del mod">
+          <ac:chgData name="Clements, William" userId="cbdb0636-a496-422a-8d40-98c53d494d26" providerId="ADAL" clId="{5D9CE8EC-AAE6-4E0C-8125-66ED3D2E6841}" dt="2024-01-18T18:11:13.080" v="869" actId="478"/>
+          <ac:spMkLst>
+            <pc:docMk/>
+            <pc:sldMk cId="3445782044" sldId="341"/>
+            <ac:spMk id="37" creationId="{47DB180F-49DA-201C-0C90-CA688C4DA433}"/>
+          </ac:spMkLst>
+        </pc:spChg>
+        <pc:spChg chg="add del mod">
+          <ac:chgData name="Clements, William" userId="cbdb0636-a496-422a-8d40-98c53d494d26" providerId="ADAL" clId="{5D9CE8EC-AAE6-4E0C-8125-66ED3D2E6841}" dt="2024-01-18T18:11:13.080" v="869" actId="478"/>
+          <ac:spMkLst>
+            <pc:docMk/>
+            <pc:sldMk cId="3445782044" sldId="341"/>
+            <ac:spMk id="39" creationId="{99DFC4A4-B9F7-1B26-78FE-88EDA1F91AA2}"/>
+          </ac:spMkLst>
+        </pc:spChg>
+        <pc:spChg chg="add del mod">
+          <ac:chgData name="Clements, William" userId="cbdb0636-a496-422a-8d40-98c53d494d26" providerId="ADAL" clId="{5D9CE8EC-AAE6-4E0C-8125-66ED3D2E6841}" dt="2024-01-18T18:11:13.080" v="869" actId="478"/>
+          <ac:spMkLst>
+            <pc:docMk/>
+            <pc:sldMk cId="3445782044" sldId="341"/>
+            <ac:spMk id="40" creationId="{F2343F70-B450-80AA-48A4-EEA303628F14}"/>
+          </ac:spMkLst>
+        </pc:spChg>
+        <pc:spChg chg="add del mod">
+          <ac:chgData name="Clements, William" userId="cbdb0636-a496-422a-8d40-98c53d494d26" providerId="ADAL" clId="{5D9CE8EC-AAE6-4E0C-8125-66ED3D2E6841}" dt="2024-01-18T18:11:13.080" v="869" actId="478"/>
+          <ac:spMkLst>
+            <pc:docMk/>
+            <pc:sldMk cId="3445782044" sldId="341"/>
+            <ac:spMk id="41" creationId="{53E62C49-47A8-CF39-0F0A-54EFD1E7F012}"/>
+          </ac:spMkLst>
+        </pc:spChg>
+        <pc:spChg chg="add del mod">
+          <ac:chgData name="Clements, William" userId="cbdb0636-a496-422a-8d40-98c53d494d26" providerId="ADAL" clId="{5D9CE8EC-AAE6-4E0C-8125-66ED3D2E6841}" dt="2024-01-18T18:11:13.080" v="869" actId="478"/>
+          <ac:spMkLst>
+            <pc:docMk/>
+            <pc:sldMk cId="3445782044" sldId="341"/>
+            <ac:spMk id="42" creationId="{9B4FDA04-29FC-3F56-49E1-95F8CA89B72B}"/>
+          </ac:spMkLst>
+        </pc:spChg>
+        <pc:spChg chg="add del mod">
+          <ac:chgData name="Clements, William" userId="cbdb0636-a496-422a-8d40-98c53d494d26" providerId="ADAL" clId="{5D9CE8EC-AAE6-4E0C-8125-66ED3D2E6841}" dt="2024-01-18T18:11:13.080" v="869" actId="478"/>
+          <ac:spMkLst>
+            <pc:docMk/>
+            <pc:sldMk cId="3445782044" sldId="341"/>
+            <ac:spMk id="43" creationId="{0AEA8E05-C82F-D08F-F12A-F14776C3F983}"/>
+          </ac:spMkLst>
+        </pc:spChg>
+        <pc:spChg chg="add del mod">
+          <ac:chgData name="Clements, William" userId="cbdb0636-a496-422a-8d40-98c53d494d26" providerId="ADAL" clId="{5D9CE8EC-AAE6-4E0C-8125-66ED3D2E6841}" dt="2024-01-18T18:11:13.080" v="869" actId="478"/>
+          <ac:spMkLst>
+            <pc:docMk/>
+            <pc:sldMk cId="3445782044" sldId="341"/>
+            <ac:spMk id="44" creationId="{74AC023D-CD84-2A9E-C9C4-434943DE8748}"/>
+          </ac:spMkLst>
+        </pc:spChg>
+        <pc:spChg chg="add del mod">
+          <ac:chgData name="Clements, William" userId="cbdb0636-a496-422a-8d40-98c53d494d26" providerId="ADAL" clId="{5D9CE8EC-AAE6-4E0C-8125-66ED3D2E6841}" dt="2024-01-18T18:11:13.080" v="869" actId="478"/>
+          <ac:spMkLst>
+            <pc:docMk/>
+            <pc:sldMk cId="3445782044" sldId="341"/>
+            <ac:spMk id="45" creationId="{39324CA6-88D7-F329-A373-3EDD0F45AF9E}"/>
+          </ac:spMkLst>
+        </pc:spChg>
+        <pc:spChg chg="add mod">
+          <ac:chgData name="Clements, William" userId="cbdb0636-a496-422a-8d40-98c53d494d26" providerId="ADAL" clId="{5D9CE8EC-AAE6-4E0C-8125-66ED3D2E6841}" dt="2024-01-18T18:11:19.004" v="871"/>
+          <ac:spMkLst>
+            <pc:docMk/>
+            <pc:sldMk cId="3445782044" sldId="341"/>
+            <ac:spMk id="46" creationId="{6BE7B8D5-19E3-41C8-7E7B-80477BDB2121}"/>
+          </ac:spMkLst>
+        </pc:spChg>
+        <pc:spChg chg="add mod">
+          <ac:chgData name="Clements, William" userId="cbdb0636-a496-422a-8d40-98c53d494d26" providerId="ADAL" clId="{5D9CE8EC-AAE6-4E0C-8125-66ED3D2E6841}" dt="2024-01-18T18:11:19.004" v="871"/>
+          <ac:spMkLst>
+            <pc:docMk/>
+            <pc:sldMk cId="3445782044" sldId="341"/>
+            <ac:spMk id="47" creationId="{A45EA930-0350-2ACB-3B20-E8CB35D423C6}"/>
+          </ac:spMkLst>
+        </pc:spChg>
+        <pc:spChg chg="add mod">
+          <ac:chgData name="Clements, William" userId="cbdb0636-a496-422a-8d40-98c53d494d26" providerId="ADAL" clId="{5D9CE8EC-AAE6-4E0C-8125-66ED3D2E6841}" dt="2024-01-18T18:11:19.004" v="871"/>
+          <ac:spMkLst>
+            <pc:docMk/>
+            <pc:sldMk cId="3445782044" sldId="341"/>
+            <ac:spMk id="48" creationId="{190C78DF-78C3-6B6D-1456-2F5C253C31EB}"/>
+          </ac:spMkLst>
+        </pc:spChg>
+        <pc:spChg chg="add mod">
+          <ac:chgData name="Clements, William" userId="cbdb0636-a496-422a-8d40-98c53d494d26" providerId="ADAL" clId="{5D9CE8EC-AAE6-4E0C-8125-66ED3D2E6841}" dt="2024-01-18T18:11:19.004" v="871"/>
+          <ac:spMkLst>
+            <pc:docMk/>
+            <pc:sldMk cId="3445782044" sldId="341"/>
+            <ac:spMk id="49" creationId="{44E371FA-BFB0-8EBE-6180-CF49A85EC0BD}"/>
+          </ac:spMkLst>
+        </pc:spChg>
+        <pc:spChg chg="add mod">
+          <ac:chgData name="Clements, William" userId="cbdb0636-a496-422a-8d40-98c53d494d26" providerId="ADAL" clId="{5D9CE8EC-AAE6-4E0C-8125-66ED3D2E6841}" dt="2024-01-18T18:11:19.004" v="871"/>
+          <ac:spMkLst>
+            <pc:docMk/>
+            <pc:sldMk cId="3445782044" sldId="341"/>
+            <ac:spMk id="50" creationId="{535E6C6C-878F-A9B1-254D-A565F6A2FE29}"/>
+          </ac:spMkLst>
+        </pc:spChg>
+        <pc:spChg chg="add mod">
+          <ac:chgData name="Clements, William" userId="cbdb0636-a496-422a-8d40-98c53d494d26" providerId="ADAL" clId="{5D9CE8EC-AAE6-4E0C-8125-66ED3D2E6841}" dt="2024-01-18T18:11:19.004" v="871"/>
+          <ac:spMkLst>
+            <pc:docMk/>
+            <pc:sldMk cId="3445782044" sldId="341"/>
+            <ac:spMk id="51" creationId="{853FAD3B-A848-5E15-9A87-57B10CB1CF60}"/>
+          </ac:spMkLst>
+        </pc:spChg>
+        <pc:spChg chg="add mod">
+          <ac:chgData name="Clements, William" userId="cbdb0636-a496-422a-8d40-98c53d494d26" providerId="ADAL" clId="{5D9CE8EC-AAE6-4E0C-8125-66ED3D2E6841}" dt="2024-01-18T18:11:19.004" v="871"/>
+          <ac:spMkLst>
+            <pc:docMk/>
+            <pc:sldMk cId="3445782044" sldId="341"/>
+            <ac:spMk id="52" creationId="{212D8A2C-37F2-132E-E37A-4FF02713D0F3}"/>
+          </ac:spMkLst>
+        </pc:spChg>
+        <pc:spChg chg="add mod">
+          <ac:chgData name="Clements, William" userId="cbdb0636-a496-422a-8d40-98c53d494d26" providerId="ADAL" clId="{5D9CE8EC-AAE6-4E0C-8125-66ED3D2E6841}" dt="2024-01-18T18:11:19.004" v="871"/>
+          <ac:spMkLst>
+            <pc:docMk/>
+            <pc:sldMk cId="3445782044" sldId="341"/>
+            <ac:spMk id="53" creationId="{991D4D87-A71D-20F4-E0AE-106093D2C60B}"/>
+          </ac:spMkLst>
+        </pc:spChg>
+      </pc:sldChg>
+      <pc:sldChg chg="addSp delSp modSp add mod">
+        <pc:chgData name="Clements, William" userId="cbdb0636-a496-422a-8d40-98c53d494d26" providerId="ADAL" clId="{5D9CE8EC-AAE6-4E0C-8125-66ED3D2E6841}" dt="2024-01-18T18:01:55.770" v="625" actId="14100"/>
+        <pc:sldMkLst>
+          <pc:docMk/>
+          <pc:sldMk cId="1594325153" sldId="433"/>
+        </pc:sldMkLst>
+        <pc:spChg chg="mod">
+          <ac:chgData name="Clements, William" userId="cbdb0636-a496-422a-8d40-98c53d494d26" providerId="ADAL" clId="{5D9CE8EC-AAE6-4E0C-8125-66ED3D2E6841}" dt="2024-01-18T17:53:25.139" v="28" actId="1076"/>
+          <ac:spMkLst>
+            <pc:docMk/>
+            <pc:sldMk cId="1594325153" sldId="433"/>
+            <ac:spMk id="2" creationId="{196C0127-1F4F-3A97-40F5-0274492095DC}"/>
+          </ac:spMkLst>
+        </pc:spChg>
+        <pc:spChg chg="mod">
+          <ac:chgData name="Clements, William" userId="cbdb0636-a496-422a-8d40-98c53d494d26" providerId="ADAL" clId="{5D9CE8EC-AAE6-4E0C-8125-66ED3D2E6841}" dt="2024-01-18T17:56:54.968" v="331" actId="1076"/>
+          <ac:spMkLst>
+            <pc:docMk/>
+            <pc:sldMk cId="1594325153" sldId="433"/>
+            <ac:spMk id="3" creationId="{10D11129-82CA-4E8B-D617-6FB19F24B9FE}"/>
+          </ac:spMkLst>
+        </pc:spChg>
+        <pc:spChg chg="mod">
+          <ac:chgData name="Clements, William" userId="cbdb0636-a496-422a-8d40-98c53d494d26" providerId="ADAL" clId="{5D9CE8EC-AAE6-4E0C-8125-66ED3D2E6841}" dt="2024-01-18T17:53:25.139" v="28" actId="1076"/>
+          <ac:spMkLst>
+            <pc:docMk/>
+            <pc:sldMk cId="1594325153" sldId="433"/>
+            <ac:spMk id="4" creationId="{A018AA7D-94B7-FEAE-A0EA-F70EEC17E84F}"/>
+          </ac:spMkLst>
+        </pc:spChg>
+        <pc:spChg chg="mod">
+          <ac:chgData name="Clements, William" userId="cbdb0636-a496-422a-8d40-98c53d494d26" providerId="ADAL" clId="{5D9CE8EC-AAE6-4E0C-8125-66ED3D2E6841}" dt="2024-01-18T18:00:35.089" v="607" actId="1076"/>
+          <ac:spMkLst>
+            <pc:docMk/>
+            <pc:sldMk cId="1594325153" sldId="433"/>
+            <ac:spMk id="5" creationId="{2DA49CE2-782E-DDE5-3E5F-E2E3056B5B57}"/>
+          </ac:spMkLst>
+        </pc:spChg>
+        <pc:spChg chg="mod">
+          <ac:chgData name="Clements, William" userId="cbdb0636-a496-422a-8d40-98c53d494d26" providerId="ADAL" clId="{5D9CE8EC-AAE6-4E0C-8125-66ED3D2E6841}" dt="2024-01-18T18:00:35.089" v="607" actId="1076"/>
+          <ac:spMkLst>
+            <pc:docMk/>
+            <pc:sldMk cId="1594325153" sldId="433"/>
+            <ac:spMk id="13" creationId="{8C9C6A32-2584-CCE5-2D79-97D7D3173E88}"/>
+          </ac:spMkLst>
+        </pc:spChg>
+        <pc:spChg chg="del mod">
+          <ac:chgData name="Clements, William" userId="cbdb0636-a496-422a-8d40-98c53d494d26" providerId="ADAL" clId="{5D9CE8EC-AAE6-4E0C-8125-66ED3D2E6841}" dt="2024-01-18T18:01:05.714" v="613" actId="478"/>
+          <ac:spMkLst>
+            <pc:docMk/>
+            <pc:sldMk cId="1594325153" sldId="433"/>
+            <ac:spMk id="14" creationId="{262872F5-582E-AAEE-65CE-9AF8BE8E29A3}"/>
+          </ac:spMkLst>
+        </pc:spChg>
+        <pc:spChg chg="del mod">
+          <ac:chgData name="Clements, William" userId="cbdb0636-a496-422a-8d40-98c53d494d26" providerId="ADAL" clId="{5D9CE8EC-AAE6-4E0C-8125-66ED3D2E6841}" dt="2024-01-18T18:01:05.714" v="613" actId="478"/>
+          <ac:spMkLst>
+            <pc:docMk/>
+            <pc:sldMk cId="1594325153" sldId="433"/>
+            <ac:spMk id="15" creationId="{6EB6740C-2478-B166-16F5-77945C6E6665}"/>
+          </ac:spMkLst>
+        </pc:spChg>
+        <pc:spChg chg="del mod">
+          <ac:chgData name="Clements, William" userId="cbdb0636-a496-422a-8d40-98c53d494d26" providerId="ADAL" clId="{5D9CE8EC-AAE6-4E0C-8125-66ED3D2E6841}" dt="2024-01-18T18:01:05.714" v="613" actId="478"/>
+          <ac:spMkLst>
+            <pc:docMk/>
+            <pc:sldMk cId="1594325153" sldId="433"/>
+            <ac:spMk id="28" creationId="{56E58ADC-190A-B055-AE24-903079151CA1}"/>
+          </ac:spMkLst>
+        </pc:spChg>
+        <pc:spChg chg="del mod">
+          <ac:chgData name="Clements, William" userId="cbdb0636-a496-422a-8d40-98c53d494d26" providerId="ADAL" clId="{5D9CE8EC-AAE6-4E0C-8125-66ED3D2E6841}" dt="2024-01-18T18:01:05.714" v="613" actId="478"/>
+          <ac:spMkLst>
+            <pc:docMk/>
+            <pc:sldMk cId="1594325153" sldId="433"/>
+            <ac:spMk id="29" creationId="{D0159F49-A405-77E4-00B3-8B458A5B4121}"/>
+          </ac:spMkLst>
+        </pc:spChg>
+        <pc:spChg chg="mod">
+          <ac:chgData name="Clements, William" userId="cbdb0636-a496-422a-8d40-98c53d494d26" providerId="ADAL" clId="{5D9CE8EC-AAE6-4E0C-8125-66ED3D2E6841}" dt="2024-01-18T18:01:20.390" v="616" actId="1076"/>
+          <ac:spMkLst>
+            <pc:docMk/>
+            <pc:sldMk cId="1594325153" sldId="433"/>
+            <ac:spMk id="35" creationId="{FFE35258-5C94-DC09-5AAB-957C968734D9}"/>
+          </ac:spMkLst>
+        </pc:spChg>
+        <pc:spChg chg="mod">
+          <ac:chgData name="Clements, William" userId="cbdb0636-a496-422a-8d40-98c53d494d26" providerId="ADAL" clId="{5D9CE8EC-AAE6-4E0C-8125-66ED3D2E6841}" dt="2024-01-18T18:01:20.390" v="616" actId="1076"/>
+          <ac:spMkLst>
+            <pc:docMk/>
+            <pc:sldMk cId="1594325153" sldId="433"/>
+            <ac:spMk id="36" creationId="{2C9FB1F5-AA74-0687-0274-8930BACC9D80}"/>
+          </ac:spMkLst>
+        </pc:spChg>
+        <pc:spChg chg="add mod">
+          <ac:chgData name="Clements, William" userId="cbdb0636-a496-422a-8d40-98c53d494d26" providerId="ADAL" clId="{5D9CE8EC-AAE6-4E0C-8125-66ED3D2E6841}" dt="2024-01-18T17:53:03.548" v="27" actId="1076"/>
+          <ac:spMkLst>
+            <pc:docMk/>
+            <pc:sldMk cId="1594325153" sldId="433"/>
+            <ac:spMk id="55" creationId="{5D1EF1A9-5B23-CDAD-26CC-BF761A269A07}"/>
+          </ac:spMkLst>
+        </pc:spChg>
+        <pc:spChg chg="add mod">
+          <ac:chgData name="Clements, William" userId="cbdb0636-a496-422a-8d40-98c53d494d26" providerId="ADAL" clId="{5D9CE8EC-AAE6-4E0C-8125-66ED3D2E6841}" dt="2024-01-18T17:59:47.318" v="589" actId="14100"/>
+          <ac:spMkLst>
+            <pc:docMk/>
+            <pc:sldMk cId="1594325153" sldId="433"/>
+            <ac:spMk id="65" creationId="{ABAEE088-23D8-57AC-238E-4B6E1B366899}"/>
+          </ac:spMkLst>
+        </pc:spChg>
+        <pc:spChg chg="mod">
+          <ac:chgData name="Clements, William" userId="cbdb0636-a496-422a-8d40-98c53d494d26" providerId="ADAL" clId="{5D9CE8EC-AAE6-4E0C-8125-66ED3D2E6841}" dt="2024-01-18T18:01:20.390" v="616" actId="1076"/>
+          <ac:spMkLst>
+            <pc:docMk/>
+            <pc:sldMk cId="1594325153" sldId="433"/>
+            <ac:spMk id="66" creationId="{30CF6954-9819-412C-BE54-0E3CF1F6DBB9}"/>
+          </ac:spMkLst>
+        </pc:spChg>
+        <pc:spChg chg="mod">
+          <ac:chgData name="Clements, William" userId="cbdb0636-a496-422a-8d40-98c53d494d26" providerId="ADAL" clId="{5D9CE8EC-AAE6-4E0C-8125-66ED3D2E6841}" dt="2024-01-18T18:01:20.390" v="616" actId="1076"/>
+          <ac:spMkLst>
+            <pc:docMk/>
+            <pc:sldMk cId="1594325153" sldId="433"/>
+            <ac:spMk id="67" creationId="{9A567295-8011-E2ED-DD12-C4BECEF075F8}"/>
+          </ac:spMkLst>
+        </pc:spChg>
+        <pc:spChg chg="add del mod">
+          <ac:chgData name="Clements, William" userId="cbdb0636-a496-422a-8d40-98c53d494d26" providerId="ADAL" clId="{5D9CE8EC-AAE6-4E0C-8125-66ED3D2E6841}" dt="2024-01-18T17:56:45.666" v="327"/>
+          <ac:spMkLst>
+            <pc:docMk/>
+            <pc:sldMk cId="1594325153" sldId="433"/>
+            <ac:spMk id="69" creationId="{18158B51-66FA-F81A-F32B-6E5CD5631897}"/>
+          </ac:spMkLst>
+        </pc:spChg>
+        <pc:spChg chg="add mod">
+          <ac:chgData name="Clements, William" userId="cbdb0636-a496-422a-8d40-98c53d494d26" providerId="ADAL" clId="{5D9CE8EC-AAE6-4E0C-8125-66ED3D2E6841}" dt="2024-01-18T18:01:26.112" v="618" actId="1076"/>
+          <ac:spMkLst>
+            <pc:docMk/>
+            <pc:sldMk cId="1594325153" sldId="433"/>
+            <ac:spMk id="73" creationId="{1D23AFDF-3CBF-560E-215C-7E3292DC7963}"/>
+          </ac:spMkLst>
+        </pc:spChg>
+        <pc:spChg chg="add del mod">
+          <ac:chgData name="Clements, William" userId="cbdb0636-a496-422a-8d40-98c53d494d26" providerId="ADAL" clId="{5D9CE8EC-AAE6-4E0C-8125-66ED3D2E6841}" dt="2024-01-18T18:01:35.474" v="619" actId="478"/>
+          <ac:spMkLst>
+            <pc:docMk/>
+            <pc:sldMk cId="1594325153" sldId="433"/>
+            <ac:spMk id="93" creationId="{549F1E8B-8CF9-7479-FDBA-BAA9F58157BC}"/>
+          </ac:spMkLst>
+        </pc:spChg>
+        <pc:cxnChg chg="del mod">
+          <ac:chgData name="Clements, William" userId="cbdb0636-a496-422a-8d40-98c53d494d26" providerId="ADAL" clId="{5D9CE8EC-AAE6-4E0C-8125-66ED3D2E6841}" dt="2024-01-18T18:01:07.672" v="614" actId="478"/>
+          <ac:cxnSpMkLst>
+            <pc:docMk/>
+            <pc:sldMk cId="1594325153" sldId="433"/>
+            <ac:cxnSpMk id="30" creationId="{AB564C2F-3FBA-E9E8-2EAC-8A521D88D01C}"/>
+          </ac:cxnSpMkLst>
+        </pc:cxnChg>
+        <pc:cxnChg chg="del mod">
+          <ac:chgData name="Clements, William" userId="cbdb0636-a496-422a-8d40-98c53d494d26" providerId="ADAL" clId="{5D9CE8EC-AAE6-4E0C-8125-66ED3D2E6841}" dt="2024-01-18T18:01:09.210" v="615" actId="478"/>
+          <ac:cxnSpMkLst>
+            <pc:docMk/>
+            <pc:sldMk cId="1594325153" sldId="433"/>
+            <ac:cxnSpMk id="34" creationId="{295036F8-16A6-62EB-F93F-6547027BD3AB}"/>
+          </ac:cxnSpMkLst>
+        </pc:cxnChg>
+        <pc:cxnChg chg="add mod">
+          <ac:chgData name="Clements, William" userId="cbdb0636-a496-422a-8d40-98c53d494d26" providerId="ADAL" clId="{5D9CE8EC-AAE6-4E0C-8125-66ED3D2E6841}" dt="2024-01-18T18:00:47.307" v="610" actId="14100"/>
+          <ac:cxnSpMkLst>
+            <pc:docMk/>
+            <pc:sldMk cId="1594325153" sldId="433"/>
+            <ac:cxnSpMk id="90" creationId="{53539E38-900F-2185-3FE8-171836E32597}"/>
+          </ac:cxnSpMkLst>
+        </pc:cxnChg>
+        <pc:cxnChg chg="add mod">
+          <ac:chgData name="Clements, William" userId="cbdb0636-a496-422a-8d40-98c53d494d26" providerId="ADAL" clId="{5D9CE8EC-AAE6-4E0C-8125-66ED3D2E6841}" dt="2024-01-18T18:01:49.845" v="622" actId="14100"/>
+          <ac:cxnSpMkLst>
+            <pc:docMk/>
+            <pc:sldMk cId="1594325153" sldId="433"/>
+            <ac:cxnSpMk id="96" creationId="{8EFD0292-EEC2-0739-BF06-3F60422D0BCE}"/>
+          </ac:cxnSpMkLst>
+        </pc:cxnChg>
+        <pc:cxnChg chg="add mod">
+          <ac:chgData name="Clements, William" userId="cbdb0636-a496-422a-8d40-98c53d494d26" providerId="ADAL" clId="{5D9CE8EC-AAE6-4E0C-8125-66ED3D2E6841}" dt="2024-01-18T18:01:55.770" v="625" actId="14100"/>
+          <ac:cxnSpMkLst>
+            <pc:docMk/>
+            <pc:sldMk cId="1594325153" sldId="433"/>
+            <ac:cxnSpMk id="99" creationId="{0E1F774C-5948-FD22-91FF-B6F99590B9B6}"/>
+          </ac:cxnSpMkLst>
+        </pc:cxnChg>
+        <pc:cxnChg chg="mod">
+          <ac:chgData name="Clements, William" userId="cbdb0636-a496-422a-8d40-98c53d494d26" providerId="ADAL" clId="{5D9CE8EC-AAE6-4E0C-8125-66ED3D2E6841}" dt="2024-01-18T18:01:20.390" v="616" actId="1076"/>
+          <ac:cxnSpMkLst>
+            <pc:docMk/>
+            <pc:sldMk cId="1594325153" sldId="433"/>
+            <ac:cxnSpMk id="115" creationId="{5B0A0F96-B553-EAA8-DB69-3675168FD034}"/>
+          </ac:cxnSpMkLst>
+        </pc:cxnChg>
+        <pc:cxnChg chg="mod">
+          <ac:chgData name="Clements, William" userId="cbdb0636-a496-422a-8d40-98c53d494d26" providerId="ADAL" clId="{5D9CE8EC-AAE6-4E0C-8125-66ED3D2E6841}" dt="2024-01-18T18:01:20.390" v="616" actId="1076"/>
+          <ac:cxnSpMkLst>
+            <pc:docMk/>
+            <pc:sldMk cId="1594325153" sldId="433"/>
+            <ac:cxnSpMk id="118" creationId="{8596FE49-1D41-E662-B781-6784C2006D9C}"/>
+          </ac:cxnSpMkLst>
+        </pc:cxnChg>
       </pc:sldChg>
     </pc:docChg>
   </pc:docChgLst>
@@ -4181,7 +4776,7 @@
           <a:p>
             <a:fld id="{C4E23314-90B8-2C4D-90D6-A2E2CD005C98}" type="datetimeFigureOut">
               <a:rPr lang="en-US" smtClean="0"/>
-              <a:t>5/2/23</a:t>
+              <a:t>1/18/2024</a:t>
             </a:fld>
             <a:endParaRPr lang="en-US"/>
           </a:p>
@@ -4700,6 +5295,90 @@
 </p:notes>
 </file>
 
+<file path=ppt/notesSlides/notesSlide12.xml><?xml version="1.0" encoding="utf-8"?>
+<p:notes xmlns:a="http://schemas.openxmlformats.org/drawingml/2006/main" xmlns:r="http://schemas.openxmlformats.org/officeDocument/2006/relationships" xmlns:p="http://schemas.openxmlformats.org/presentationml/2006/main">
+  <p:cSld>
+    <p:spTree>
+      <p:nvGrpSpPr>
+        <p:cNvPr id="1" name=""/>
+        <p:cNvGrpSpPr/>
+        <p:nvPr/>
+      </p:nvGrpSpPr>
+      <p:grpSpPr>
+        <a:xfrm>
+          <a:off x="0" y="0"/>
+          <a:ext cx="0" cy="0"/>
+          <a:chOff x="0" y="0"/>
+          <a:chExt cx="0" cy="0"/>
+        </a:xfrm>
+      </p:grpSpPr>
+      <p:sp>
+        <p:nvSpPr>
+          <p:cNvPr id="2" name="Slide Image Placeholder 1"/>
+          <p:cNvSpPr>
+            <a:spLocks noGrp="1" noRot="1" noChangeAspect="1"/>
+          </p:cNvSpPr>
+          <p:nvPr>
+            <p:ph type="sldImg"/>
+          </p:nvPr>
+        </p:nvSpPr>
+        <p:spPr/>
+      </p:sp>
+      <p:sp>
+        <p:nvSpPr>
+          <p:cNvPr id="3" name="Notes Placeholder 2"/>
+          <p:cNvSpPr>
+            <a:spLocks noGrp="1"/>
+          </p:cNvSpPr>
+          <p:nvPr>
+            <p:ph type="body" idx="1"/>
+          </p:nvPr>
+        </p:nvSpPr>
+        <p:spPr/>
+        <p:txBody>
+          <a:bodyPr/>
+          <a:lstStyle/>
+          <a:p>
+            <a:endParaRPr lang="en-US" dirty="0"/>
+          </a:p>
+        </p:txBody>
+      </p:sp>
+      <p:sp>
+        <p:nvSpPr>
+          <p:cNvPr id="4" name="Slide Number Placeholder 3"/>
+          <p:cNvSpPr>
+            <a:spLocks noGrp="1"/>
+          </p:cNvSpPr>
+          <p:nvPr>
+            <p:ph type="sldNum" sz="quarter" idx="5"/>
+          </p:nvPr>
+        </p:nvSpPr>
+        <p:spPr/>
+        <p:txBody>
+          <a:bodyPr/>
+          <a:lstStyle/>
+          <a:p>
+            <a:fld id="{9F32330E-FF90-E44E-82CF-7A3EFCA05409}" type="slidenum">
+              <a:rPr lang="en-US" smtClean="0"/>
+              <a:t>49</a:t>
+            </a:fld>
+            <a:endParaRPr lang="en-US"/>
+          </a:p>
+        </p:txBody>
+      </p:sp>
+    </p:spTree>
+    <p:extLst>
+      <p:ext uri="{BB962C8B-B14F-4D97-AF65-F5344CB8AC3E}">
+        <p14:creationId xmlns:p14="http://schemas.microsoft.com/office/powerpoint/2010/main" val="3762647941"/>
+      </p:ext>
+    </p:extLst>
+  </p:cSld>
+  <p:clrMapOvr>
+    <a:masterClrMapping/>
+  </p:clrMapOvr>
+</p:notes>
+</file>
+
 <file path=ppt/notesSlides/notesSlide2.xml><?xml version="1.0" encoding="utf-8"?>
 <p:notes xmlns:a="http://schemas.openxmlformats.org/drawingml/2006/main" xmlns:r="http://schemas.openxmlformats.org/officeDocument/2006/relationships" xmlns:p="http://schemas.openxmlformats.org/presentationml/2006/main">
   <p:cSld>
@@ -5503,7 +6182,7 @@
           <a:p>
             <a:fld id="{591A3259-0241-9F43-A86F-A8E7F90800E5}" type="datetimeFigureOut">
               <a:rPr lang="en-US" smtClean="0"/>
-              <a:t>5/2/23</a:t>
+              <a:t>1/18/2024</a:t>
             </a:fld>
             <a:endParaRPr lang="en-US"/>
           </a:p>
@@ -5673,7 +6352,7 @@
           <a:p>
             <a:fld id="{591A3259-0241-9F43-A86F-A8E7F90800E5}" type="datetimeFigureOut">
               <a:rPr lang="en-US" smtClean="0"/>
-              <a:t>5/2/23</a:t>
+              <a:t>1/18/2024</a:t>
             </a:fld>
             <a:endParaRPr lang="en-US"/>
           </a:p>
@@ -5853,7 +6532,7 @@
           <a:p>
             <a:fld id="{591A3259-0241-9F43-A86F-A8E7F90800E5}" type="datetimeFigureOut">
               <a:rPr lang="en-US" smtClean="0"/>
-              <a:t>5/2/23</a:t>
+              <a:t>1/18/2024</a:t>
             </a:fld>
             <a:endParaRPr lang="en-US"/>
           </a:p>
@@ -6023,7 +6702,7 @@
           <a:p>
             <a:fld id="{591A3259-0241-9F43-A86F-A8E7F90800E5}" type="datetimeFigureOut">
               <a:rPr lang="en-US" smtClean="0"/>
-              <a:t>5/2/23</a:t>
+              <a:t>1/18/2024</a:t>
             </a:fld>
             <a:endParaRPr lang="en-US"/>
           </a:p>
@@ -6269,7 +6948,7 @@
           <a:p>
             <a:fld id="{591A3259-0241-9F43-A86F-A8E7F90800E5}" type="datetimeFigureOut">
               <a:rPr lang="en-US" smtClean="0"/>
-              <a:t>5/2/23</a:t>
+              <a:t>1/18/2024</a:t>
             </a:fld>
             <a:endParaRPr lang="en-US"/>
           </a:p>
@@ -6501,7 +7180,7 @@
           <a:p>
             <a:fld id="{591A3259-0241-9F43-A86F-A8E7F90800E5}" type="datetimeFigureOut">
               <a:rPr lang="en-US" smtClean="0"/>
-              <a:t>5/2/23</a:t>
+              <a:t>1/18/2024</a:t>
             </a:fld>
             <a:endParaRPr lang="en-US"/>
           </a:p>
@@ -6868,7 +7547,7 @@
           <a:p>
             <a:fld id="{591A3259-0241-9F43-A86F-A8E7F90800E5}" type="datetimeFigureOut">
               <a:rPr lang="en-US" smtClean="0"/>
-              <a:t>5/2/23</a:t>
+              <a:t>1/18/2024</a:t>
             </a:fld>
             <a:endParaRPr lang="en-US"/>
           </a:p>
@@ -6986,7 +7665,7 @@
           <a:p>
             <a:fld id="{591A3259-0241-9F43-A86F-A8E7F90800E5}" type="datetimeFigureOut">
               <a:rPr lang="en-US" smtClean="0"/>
-              <a:t>5/2/23</a:t>
+              <a:t>1/18/2024</a:t>
             </a:fld>
             <a:endParaRPr lang="en-US"/>
           </a:p>
@@ -7081,7 +7760,7 @@
           <a:p>
             <a:fld id="{591A3259-0241-9F43-A86F-A8E7F90800E5}" type="datetimeFigureOut">
               <a:rPr lang="en-US" smtClean="0"/>
-              <a:t>5/2/23</a:t>
+              <a:t>1/18/2024</a:t>
             </a:fld>
             <a:endParaRPr lang="en-US"/>
           </a:p>
@@ -7358,7 +8037,7 @@
           <a:p>
             <a:fld id="{591A3259-0241-9F43-A86F-A8E7F90800E5}" type="datetimeFigureOut">
               <a:rPr lang="en-US" smtClean="0"/>
-              <a:t>5/2/23</a:t>
+              <a:t>1/18/2024</a:t>
             </a:fld>
             <a:endParaRPr lang="en-US"/>
           </a:p>
@@ -7615,7 +8294,7 @@
           <a:p>
             <a:fld id="{591A3259-0241-9F43-A86F-A8E7F90800E5}" type="datetimeFigureOut">
               <a:rPr lang="en-US" smtClean="0"/>
-              <a:t>5/2/23</a:t>
+              <a:t>1/18/2024</a:t>
             </a:fld>
             <a:endParaRPr lang="en-US"/>
           </a:p>
@@ -7828,7 +8507,7 @@
           <a:p>
             <a:fld id="{591A3259-0241-9F43-A86F-A8E7F90800E5}" type="datetimeFigureOut">
               <a:rPr lang="en-US" smtClean="0"/>
-              <a:t>5/2/23</a:t>
+              <a:t>1/18/2024</a:t>
             </a:fld>
             <a:endParaRPr lang="en-US"/>
           </a:p>
@@ -8467,7 +9146,7 @@
           <a:p>
             <a:r>
               <a:rPr lang="en-US" dirty="0"/>
-              <a:t>CRUD</a:t>
+              <a:t>Scope: CRUD</a:t>
             </a:r>
           </a:p>
           <a:p>
@@ -8516,13 +9195,13 @@
         </p:spPr>
         <p:style>
           <a:lnRef idx="1">
-            <a:schemeClr val="accent2"/>
+            <a:schemeClr val="accent4"/>
           </a:lnRef>
           <a:fillRef idx="2">
-            <a:schemeClr val="accent2"/>
+            <a:schemeClr val="accent4"/>
           </a:fillRef>
           <a:effectRef idx="1">
-            <a:schemeClr val="accent2"/>
+            <a:schemeClr val="accent4"/>
           </a:effectRef>
           <a:fontRef idx="minor">
             <a:schemeClr val="dk1"/>
@@ -8621,13 +9300,13 @@
         </p:spPr>
         <p:style>
           <a:lnRef idx="1">
-            <a:schemeClr val="accent2"/>
+            <a:schemeClr val="accent4"/>
           </a:lnRef>
           <a:fillRef idx="2">
-            <a:schemeClr val="accent2"/>
+            <a:schemeClr val="accent4"/>
           </a:fillRef>
           <a:effectRef idx="1">
-            <a:schemeClr val="accent2"/>
+            <a:schemeClr val="accent4"/>
           </a:effectRef>
           <a:fontRef idx="minor">
             <a:schemeClr val="dk1"/>
@@ -8705,13 +9384,13 @@
         </p:spPr>
         <p:style>
           <a:lnRef idx="1">
-            <a:schemeClr val="accent2"/>
+            <a:schemeClr val="accent4"/>
           </a:lnRef>
           <a:fillRef idx="2">
-            <a:schemeClr val="accent2"/>
+            <a:schemeClr val="accent4"/>
           </a:fillRef>
           <a:effectRef idx="1">
-            <a:schemeClr val="accent2"/>
+            <a:schemeClr val="accent4"/>
           </a:effectRef>
           <a:fontRef idx="minor">
             <a:schemeClr val="dk1"/>
@@ -8761,13 +9440,13 @@
         </p:spPr>
         <p:style>
           <a:lnRef idx="1">
-            <a:schemeClr val="accent2"/>
+            <a:schemeClr val="accent4"/>
           </a:lnRef>
           <a:fillRef idx="2">
-            <a:schemeClr val="accent2"/>
+            <a:schemeClr val="accent4"/>
           </a:fillRef>
           <a:effectRef idx="1">
-            <a:schemeClr val="accent2"/>
+            <a:schemeClr val="accent4"/>
           </a:effectRef>
           <a:fontRef idx="minor">
             <a:schemeClr val="dk1"/>
@@ -9094,6 +9773,67 @@
           </a:p>
         </p:txBody>
       </p:sp>
+      <p:sp>
+        <p:nvSpPr>
+          <p:cNvPr id="3" name="Rectangle 2">
+            <a:extLst>
+              <a:ext uri="{FF2B5EF4-FFF2-40B4-BE49-F238E27FC236}">
+                <a16:creationId xmlns:a16="http://schemas.microsoft.com/office/drawing/2014/main" id="{E3B22B27-BCA7-9EA7-E63D-16D7C2A11797}"/>
+              </a:ext>
+            </a:extLst>
+          </p:cNvPr>
+          <p:cNvSpPr/>
+          <p:nvPr/>
+        </p:nvSpPr>
+        <p:spPr>
+          <a:xfrm>
+            <a:off x="6643868" y="5382230"/>
+            <a:ext cx="3573422" cy="196768"/>
+          </a:xfrm>
+          <a:prstGeom prst="rect">
+            <a:avLst/>
+          </a:prstGeom>
+        </p:spPr>
+        <p:style>
+          <a:lnRef idx="2">
+            <a:schemeClr val="accent1">
+              <a:shade val="15000"/>
+            </a:schemeClr>
+          </a:lnRef>
+          <a:fillRef idx="1">
+            <a:schemeClr val="accent1"/>
+          </a:fillRef>
+          <a:effectRef idx="0">
+            <a:schemeClr val="accent1"/>
+          </a:effectRef>
+          <a:fontRef idx="minor">
+            <a:schemeClr val="lt1"/>
+          </a:fontRef>
+        </p:style>
+        <p:txBody>
+          <a:bodyPr rtlCol="0" anchor="ctr"/>
+          <a:lstStyle/>
+          <a:p>
+            <a:pPr algn="ctr"/>
+            <a:r>
+              <a:rPr lang="en-US" dirty="0" err="1"/>
+              <a:t>Cone_volume</a:t>
+            </a:r>
+            <a:r>
+              <a:rPr lang="en-US" dirty="0"/>
+              <a:t>(</a:t>
+            </a:r>
+            <a:r>
+              <a:rPr lang="en-US" dirty="0" err="1"/>
+              <a:t>wradius</a:t>
+            </a:r>
+            <a:r>
+              <a:rPr lang="en-US" dirty="0"/>
+              <a:t>, height)</a:t>
+            </a:r>
+          </a:p>
+        </p:txBody>
+      </p:sp>
     </p:spTree>
     <p:extLst>
       <p:ext uri="{BB962C8B-B14F-4D97-AF65-F5344CB8AC3E}">
@@ -9104,6 +9844,92 @@
   <p:clrMapOvr>
     <a:masterClrMapping/>
   </p:clrMapOvr>
+  <p:timing>
+    <p:tnLst>
+      <p:par>
+        <p:cTn id="1" dur="indefinite" restart="never" nodeType="tmRoot">
+          <p:childTnLst>
+            <p:seq concurrent="1" nextAc="seek">
+              <p:cTn id="2" dur="indefinite" nodeType="mainSeq">
+                <p:childTnLst>
+                  <p:par>
+                    <p:cTn id="3" fill="hold">
+                      <p:stCondLst>
+                        <p:cond delay="indefinite"/>
+                      </p:stCondLst>
+                      <p:childTnLst>
+                        <p:par>
+                          <p:cTn id="4" fill="hold">
+                            <p:stCondLst>
+                              <p:cond delay="0"/>
+                            </p:stCondLst>
+                            <p:childTnLst>
+                              <p:par>
+                                <p:cTn id="5" presetID="10" presetClass="entr" presetSubtype="0" fill="hold" grpId="0" nodeType="clickEffect">
+                                  <p:stCondLst>
+                                    <p:cond delay="0"/>
+                                  </p:stCondLst>
+                                  <p:childTnLst>
+                                    <p:set>
+                                      <p:cBhvr>
+                                        <p:cTn id="6" dur="1" fill="hold">
+                                          <p:stCondLst>
+                                            <p:cond delay="0"/>
+                                          </p:stCondLst>
+                                        </p:cTn>
+                                        <p:tgtEl>
+                                          <p:spTgt spid="3"/>
+                                        </p:tgtEl>
+                                        <p:attrNameLst>
+                                          <p:attrName>style.visibility</p:attrName>
+                                        </p:attrNameLst>
+                                      </p:cBhvr>
+                                      <p:to>
+                                        <p:strVal val="visible"/>
+                                      </p:to>
+                                    </p:set>
+                                    <p:animEffect transition="in" filter="fade">
+                                      <p:cBhvr>
+                                        <p:cTn id="7" dur="500"/>
+                                        <p:tgtEl>
+                                          <p:spTgt spid="3"/>
+                                        </p:tgtEl>
+                                      </p:cBhvr>
+                                    </p:animEffect>
+                                  </p:childTnLst>
+                                </p:cTn>
+                              </p:par>
+                            </p:childTnLst>
+                          </p:cTn>
+                        </p:par>
+                      </p:childTnLst>
+                    </p:cTn>
+                  </p:par>
+                </p:childTnLst>
+              </p:cTn>
+              <p:prevCondLst>
+                <p:cond evt="onPrev" delay="0">
+                  <p:tgtEl>
+                    <p:sldTgt/>
+                  </p:tgtEl>
+                </p:cond>
+              </p:prevCondLst>
+              <p:nextCondLst>
+                <p:cond evt="onNext" delay="0">
+                  <p:tgtEl>
+                    <p:sldTgt/>
+                  </p:tgtEl>
+                </p:cond>
+              </p:nextCondLst>
+            </p:seq>
+          </p:childTnLst>
+        </p:cTn>
+      </p:par>
+    </p:tnLst>
+    <p:bldLst>
+      <p:bldP spid="3" grpId="0" animBg="1"/>
+    </p:bldLst>
+  </p:timing>
 </p:sld>
 </file>
 
@@ -13751,6 +14577,220 @@
           </a:p>
         </p:txBody>
       </p:sp>
+      <p:sp>
+        <p:nvSpPr>
+          <p:cNvPr id="17" name="TextBox 16">
+            <a:extLst>
+              <a:ext uri="{FF2B5EF4-FFF2-40B4-BE49-F238E27FC236}">
+                <a16:creationId xmlns:a16="http://schemas.microsoft.com/office/drawing/2014/main" id="{606B42D1-DF0E-345B-1C88-63732D8F0A5F}"/>
+              </a:ext>
+            </a:extLst>
+          </p:cNvPr>
+          <p:cNvSpPr txBox="1"/>
+          <p:nvPr/>
+        </p:nvSpPr>
+        <p:spPr>
+          <a:xfrm>
+            <a:off x="8263339" y="445085"/>
+            <a:ext cx="5557756" cy="3785652"/>
+          </a:xfrm>
+          <a:prstGeom prst="rect">
+            <a:avLst/>
+          </a:prstGeom>
+        </p:spPr>
+        <p:style>
+          <a:lnRef idx="2">
+            <a:schemeClr val="accent2"/>
+          </a:lnRef>
+          <a:fillRef idx="1">
+            <a:schemeClr val="lt1"/>
+          </a:fillRef>
+          <a:effectRef idx="0">
+            <a:schemeClr val="accent2"/>
+          </a:effectRef>
+          <a:fontRef idx="minor">
+            <a:schemeClr val="dk1"/>
+          </a:fontRef>
+        </p:style>
+        <p:txBody>
+          <a:bodyPr wrap="square" rtlCol="0">
+            <a:spAutoFit/>
+          </a:bodyPr>
+          <a:lstStyle/>
+          <a:p>
+            <a:r>
+              <a:rPr lang="en-US" sz="1200" dirty="0"/>
+              <a:t>def </a:t>
+            </a:r>
+            <a:r>
+              <a:rPr lang="en-US" sz="1200" dirty="0" err="1"/>
+              <a:t>get_cans</a:t>
+            </a:r>
+            <a:r>
+              <a:rPr lang="en-US" sz="1200" dirty="0"/>
+              <a:t>():</a:t>
+            </a:r>
+          </a:p>
+          <a:p>
+            <a:r>
+              <a:rPr lang="en-US" sz="1200" dirty="0"/>
+              <a:t>	cans = [</a:t>
+            </a:r>
+          </a:p>
+          <a:p>
+            <a:r>
+              <a:rPr lang="en-US" sz="1200" dirty="0"/>
+              <a:t>	 	[“#1 Picnic”, 6.83, 10.16],</a:t>
+            </a:r>
+          </a:p>
+          <a:p>
+            <a:r>
+              <a:rPr lang="en-US" sz="1200" dirty="0"/>
+              <a:t>		[“#1 Tall”, 7.78, 11.91]</a:t>
+            </a:r>
+          </a:p>
+          <a:p>
+            <a:r>
+              <a:rPr lang="en-US" sz="1200" dirty="0"/>
+              <a:t>		…</a:t>
+            </a:r>
+          </a:p>
+          <a:p>
+            <a:r>
+              <a:rPr lang="en-US" sz="1200" dirty="0"/>
+              <a:t>	return cans</a:t>
+            </a:r>
+          </a:p>
+          <a:p>
+            <a:endParaRPr lang="en-US" sz="1200" dirty="0"/>
+          </a:p>
+          <a:p>
+            <a:r>
+              <a:rPr lang="en-US" sz="1200" dirty="0"/>
+              <a:t>def main():</a:t>
+            </a:r>
+          </a:p>
+          <a:p>
+            <a:r>
+              <a:rPr lang="en-US" sz="1200" dirty="0"/>
+              <a:t>    cans = </a:t>
+            </a:r>
+            <a:r>
+              <a:rPr lang="en-US" sz="1200" dirty="0" err="1"/>
+              <a:t>get_cans</a:t>
+            </a:r>
+            <a:r>
+              <a:rPr lang="en-US" sz="1200" dirty="0"/>
+              <a:t>()</a:t>
+            </a:r>
+          </a:p>
+          <a:p>
+            <a:r>
+              <a:rPr lang="en-US" sz="1200" dirty="0"/>
+              <a:t>    for each can in cans</a:t>
+            </a:r>
+          </a:p>
+          <a:p>
+            <a:r>
+              <a:rPr lang="en-US" sz="1200" dirty="0"/>
+              <a:t>        name = can[0]</a:t>
+            </a:r>
+          </a:p>
+          <a:p>
+            <a:r>
+              <a:rPr lang="en-US" sz="1200" dirty="0"/>
+              <a:t>         radius = can[1]</a:t>
+            </a:r>
+          </a:p>
+          <a:p>
+            <a:r>
+              <a:rPr lang="en-US" sz="1200" dirty="0"/>
+              <a:t>         height = can[2]	</a:t>
+            </a:r>
+          </a:p>
+          <a:p>
+            <a:endParaRPr lang="en-US" sz="1200" dirty="0"/>
+          </a:p>
+          <a:p>
+            <a:r>
+              <a:rPr lang="en-US" sz="1200" dirty="0"/>
+              <a:t>         volume= 	</a:t>
+            </a:r>
+            <a:r>
+              <a:rPr lang="en-US" sz="1200" dirty="0" err="1"/>
+              <a:t>compute_volume</a:t>
+            </a:r>
+            <a:r>
+              <a:rPr lang="en-US" sz="1200" dirty="0"/>
+              <a:t>(radius, height)</a:t>
+            </a:r>
+          </a:p>
+          <a:p>
+            <a:r>
+              <a:rPr lang="en-US" sz="1200" dirty="0"/>
+              <a:t>         </a:t>
+            </a:r>
+            <a:r>
+              <a:rPr lang="en-US" sz="1200" dirty="0" err="1"/>
+              <a:t>surface_area</a:t>
+            </a:r>
+            <a:r>
+              <a:rPr lang="en-US" sz="1200" dirty="0"/>
+              <a:t> = </a:t>
+            </a:r>
+            <a:r>
+              <a:rPr lang="en-US" sz="1200" dirty="0" err="1"/>
+              <a:t>compute_surface_area</a:t>
+            </a:r>
+            <a:r>
+              <a:rPr lang="en-US" sz="1200" dirty="0"/>
+              <a:t>(radius, height)</a:t>
+            </a:r>
+          </a:p>
+          <a:p>
+            <a:endParaRPr lang="en-US" sz="1200" dirty="0"/>
+          </a:p>
+          <a:p>
+            <a:r>
+              <a:rPr lang="en-US" sz="1200" dirty="0"/>
+              <a:t>         </a:t>
+            </a:r>
+            <a:r>
+              <a:rPr lang="en-US" sz="1200" dirty="0" err="1"/>
+              <a:t>storage_effiency</a:t>
+            </a:r>
+            <a:r>
+              <a:rPr lang="en-US" sz="1200" dirty="0"/>
+              <a:t> = volume/</a:t>
+            </a:r>
+            <a:r>
+              <a:rPr lang="en-US" sz="1200" dirty="0" err="1"/>
+              <a:t>surface_area</a:t>
+            </a:r>
+            <a:endParaRPr lang="en-US" sz="1200" dirty="0"/>
+          </a:p>
+          <a:p>
+            <a:r>
+              <a:rPr lang="en-US" sz="1200" dirty="0"/>
+              <a:t>		</a:t>
+            </a:r>
+          </a:p>
+          <a:p>
+            <a:r>
+              <a:rPr lang="en-US" sz="1200" dirty="0"/>
+              <a:t>         print(name, </a:t>
+            </a:r>
+            <a:r>
+              <a:rPr lang="en-US" sz="1200" dirty="0" err="1"/>
+              <a:t>storage_effiency</a:t>
+            </a:r>
+            <a:r>
+              <a:rPr lang="en-US" sz="1200" dirty="0"/>
+              <a:t>)</a:t>
+            </a:r>
+          </a:p>
+        </p:txBody>
+      </p:sp>
     </p:spTree>
     <p:extLst>
       <p:ext uri="{BB962C8B-B14F-4D97-AF65-F5344CB8AC3E}">
@@ -14780,7 +15820,7 @@
         </p:nvSpPr>
         <p:spPr>
           <a:xfrm>
-            <a:off x="932171" y="3641432"/>
+            <a:off x="1256263" y="3641432"/>
             <a:ext cx="255861" cy="274320"/>
           </a:xfrm>
           <a:prstGeom prst="flowChartMagneticDisk">
@@ -14826,7 +15866,7 @@
         </p:nvSpPr>
         <p:spPr>
           <a:xfrm>
-            <a:off x="932170" y="3915752"/>
+            <a:off x="1256262" y="3915752"/>
             <a:ext cx="255861" cy="274320"/>
           </a:xfrm>
           <a:prstGeom prst="flowChartMagneticDisk">
@@ -14872,7 +15912,7 @@
         </p:nvSpPr>
         <p:spPr>
           <a:xfrm>
-            <a:off x="932170" y="4166268"/>
+            <a:off x="1256262" y="4166268"/>
             <a:ext cx="255861" cy="274320"/>
           </a:xfrm>
           <a:prstGeom prst="flowChartMagneticDisk">
@@ -14934,7 +15974,7 @@
           <a:p>
             <a:r>
               <a:rPr lang="en-US" dirty="0"/>
-              <a:t>Name</a:t>
+              <a:t>Row</a:t>
             </a:r>
           </a:p>
         </p:txBody>
@@ -14953,8 +15993,8 @@
         </p:nvSpPr>
         <p:spPr>
           <a:xfrm>
-            <a:off x="1149783" y="3593926"/>
-            <a:ext cx="1159401" cy="369332"/>
+            <a:off x="1473875" y="3593926"/>
+            <a:ext cx="3901686" cy="369332"/>
           </a:xfrm>
           <a:prstGeom prst="rect">
             <a:avLst/>
@@ -14969,7 +16009,7 @@
           <a:p>
             <a:r>
               <a:rPr lang="en-US" dirty="0"/>
-              <a:t>Radius</a:t>
+              <a:t>Row 0: [Col:0, Col:1, Col:2, …]</a:t>
             </a:r>
           </a:p>
         </p:txBody>
@@ -14988,8 +16028,8 @@
         </p:nvSpPr>
         <p:spPr>
           <a:xfrm>
-            <a:off x="1168907" y="3861405"/>
-            <a:ext cx="1159401" cy="369332"/>
+            <a:off x="1492999" y="3861405"/>
+            <a:ext cx="3624130" cy="646331"/>
           </a:xfrm>
           <a:prstGeom prst="rect">
             <a:avLst/>
@@ -15004,8 +16044,11 @@
           <a:p>
             <a:r>
               <a:rPr lang="en-US" dirty="0"/>
-              <a:t>Height</a:t>
-            </a:r>
+              <a:t>Row 1: [Name, Radius, Height, Cost]</a:t>
+            </a:r>
+          </a:p>
+          <a:p>
+            <a:endParaRPr lang="en-US" dirty="0"/>
           </a:p>
         </p:txBody>
       </p:sp>
@@ -15023,8 +16066,8 @@
         </p:nvSpPr>
         <p:spPr>
           <a:xfrm>
-            <a:off x="1161012" y="4118762"/>
-            <a:ext cx="1411293" cy="369332"/>
+            <a:off x="1485104" y="4118762"/>
+            <a:ext cx="4059169" cy="646331"/>
           </a:xfrm>
           <a:prstGeom prst="rect">
             <a:avLst/>
@@ -15038,9 +16081,11 @@
           <a:lstStyle/>
           <a:p>
             <a:r>
-              <a:rPr lang="en-US" dirty="0" err="1"/>
-              <a:t>CostperCan</a:t>
-            </a:r>
+              <a:rPr lang="en-US" dirty="0"/>
+              <a:t>Row 2: [#2, 8.73, 11.59, 0.45]</a:t>
+            </a:r>
+          </a:p>
+          <a:p>
             <a:endParaRPr lang="en-US" dirty="0"/>
           </a:p>
         </p:txBody>
@@ -16270,331 +17315,6 @@
           </a:p>
         </p:txBody>
       </p:sp>
-      <p:sp>
-        <p:nvSpPr>
-          <p:cNvPr id="25" name="Magnetic Disk 24">
-            <a:extLst>
-              <a:ext uri="{FF2B5EF4-FFF2-40B4-BE49-F238E27FC236}">
-                <a16:creationId xmlns:a16="http://schemas.microsoft.com/office/drawing/2014/main" id="{0F14858C-0B0E-7CA6-C6DF-7C318BAB7F5C}"/>
-              </a:ext>
-            </a:extLst>
-          </p:cNvPr>
-          <p:cNvSpPr/>
-          <p:nvPr/>
-        </p:nvSpPr>
-        <p:spPr>
-          <a:xfrm>
-            <a:off x="932172" y="3367112"/>
-            <a:ext cx="255861" cy="274320"/>
-          </a:xfrm>
-          <a:prstGeom prst="flowChartMagneticDisk">
-            <a:avLst/>
-          </a:prstGeom>
-        </p:spPr>
-        <p:style>
-          <a:lnRef idx="2">
-            <a:schemeClr val="accent1">
-              <a:shade val="50000"/>
-            </a:schemeClr>
-          </a:lnRef>
-          <a:fillRef idx="1">
-            <a:schemeClr val="accent1"/>
-          </a:fillRef>
-          <a:effectRef idx="0">
-            <a:schemeClr val="accent1"/>
-          </a:effectRef>
-          <a:fontRef idx="minor">
-            <a:schemeClr val="lt1"/>
-          </a:fontRef>
-        </p:style>
-        <p:txBody>
-          <a:bodyPr rtlCol="0" anchor="ctr"/>
-          <a:lstStyle/>
-          <a:p>
-            <a:pPr algn="ctr"/>
-            <a:endParaRPr lang="en-US"/>
-          </a:p>
-        </p:txBody>
-      </p:sp>
-      <p:sp>
-        <p:nvSpPr>
-          <p:cNvPr id="26" name="Magnetic Disk 25">
-            <a:extLst>
-              <a:ext uri="{FF2B5EF4-FFF2-40B4-BE49-F238E27FC236}">
-                <a16:creationId xmlns:a16="http://schemas.microsoft.com/office/drawing/2014/main" id="{4B6B223B-5D05-6587-36F4-21592AFDD03D}"/>
-              </a:ext>
-            </a:extLst>
-          </p:cNvPr>
-          <p:cNvSpPr/>
-          <p:nvPr/>
-        </p:nvSpPr>
-        <p:spPr>
-          <a:xfrm>
-            <a:off x="932171" y="3641432"/>
-            <a:ext cx="255861" cy="274320"/>
-          </a:xfrm>
-          <a:prstGeom prst="flowChartMagneticDisk">
-            <a:avLst/>
-          </a:prstGeom>
-        </p:spPr>
-        <p:style>
-          <a:lnRef idx="2">
-            <a:schemeClr val="accent1">
-              <a:shade val="50000"/>
-            </a:schemeClr>
-          </a:lnRef>
-          <a:fillRef idx="1">
-            <a:schemeClr val="accent1"/>
-          </a:fillRef>
-          <a:effectRef idx="0">
-            <a:schemeClr val="accent1"/>
-          </a:effectRef>
-          <a:fontRef idx="minor">
-            <a:schemeClr val="lt1"/>
-          </a:fontRef>
-        </p:style>
-        <p:txBody>
-          <a:bodyPr rtlCol="0" anchor="ctr"/>
-          <a:lstStyle/>
-          <a:p>
-            <a:pPr algn="ctr"/>
-            <a:endParaRPr lang="en-US"/>
-          </a:p>
-        </p:txBody>
-      </p:sp>
-      <p:sp>
-        <p:nvSpPr>
-          <p:cNvPr id="27" name="Magnetic Disk 26">
-            <a:extLst>
-              <a:ext uri="{FF2B5EF4-FFF2-40B4-BE49-F238E27FC236}">
-                <a16:creationId xmlns:a16="http://schemas.microsoft.com/office/drawing/2014/main" id="{537E6B24-0BA9-44AB-1A62-03DC8C5F4D13}"/>
-              </a:ext>
-            </a:extLst>
-          </p:cNvPr>
-          <p:cNvSpPr/>
-          <p:nvPr/>
-        </p:nvSpPr>
-        <p:spPr>
-          <a:xfrm>
-            <a:off x="932170" y="3915752"/>
-            <a:ext cx="255861" cy="274320"/>
-          </a:xfrm>
-          <a:prstGeom prst="flowChartMagneticDisk">
-            <a:avLst/>
-          </a:prstGeom>
-        </p:spPr>
-        <p:style>
-          <a:lnRef idx="2">
-            <a:schemeClr val="accent1">
-              <a:shade val="50000"/>
-            </a:schemeClr>
-          </a:lnRef>
-          <a:fillRef idx="1">
-            <a:schemeClr val="accent1"/>
-          </a:fillRef>
-          <a:effectRef idx="0">
-            <a:schemeClr val="accent1"/>
-          </a:effectRef>
-          <a:fontRef idx="minor">
-            <a:schemeClr val="lt1"/>
-          </a:fontRef>
-        </p:style>
-        <p:txBody>
-          <a:bodyPr rtlCol="0" anchor="ctr"/>
-          <a:lstStyle/>
-          <a:p>
-            <a:pPr algn="ctr"/>
-            <a:endParaRPr lang="en-US"/>
-          </a:p>
-        </p:txBody>
-      </p:sp>
-      <p:sp>
-        <p:nvSpPr>
-          <p:cNvPr id="28" name="Magnetic Disk 27">
-            <a:extLst>
-              <a:ext uri="{FF2B5EF4-FFF2-40B4-BE49-F238E27FC236}">
-                <a16:creationId xmlns:a16="http://schemas.microsoft.com/office/drawing/2014/main" id="{EEF5F8D5-8010-1B3A-9B14-B8AC36AE02FC}"/>
-              </a:ext>
-            </a:extLst>
-          </p:cNvPr>
-          <p:cNvSpPr/>
-          <p:nvPr/>
-        </p:nvSpPr>
-        <p:spPr>
-          <a:xfrm>
-            <a:off x="932170" y="4166268"/>
-            <a:ext cx="255861" cy="274320"/>
-          </a:xfrm>
-          <a:prstGeom prst="flowChartMagneticDisk">
-            <a:avLst/>
-          </a:prstGeom>
-        </p:spPr>
-        <p:style>
-          <a:lnRef idx="2">
-            <a:schemeClr val="accent1">
-              <a:shade val="50000"/>
-            </a:schemeClr>
-          </a:lnRef>
-          <a:fillRef idx="1">
-            <a:schemeClr val="accent1"/>
-          </a:fillRef>
-          <a:effectRef idx="0">
-            <a:schemeClr val="accent1"/>
-          </a:effectRef>
-          <a:fontRef idx="minor">
-            <a:schemeClr val="lt1"/>
-          </a:fontRef>
-        </p:style>
-        <p:txBody>
-          <a:bodyPr rtlCol="0" anchor="ctr"/>
-          <a:lstStyle/>
-          <a:p>
-            <a:pPr algn="ctr"/>
-            <a:endParaRPr lang="en-US"/>
-          </a:p>
-        </p:txBody>
-      </p:sp>
-      <p:sp>
-        <p:nvSpPr>
-          <p:cNvPr id="29" name="TextBox 28">
-            <a:extLst>
-              <a:ext uri="{FF2B5EF4-FFF2-40B4-BE49-F238E27FC236}">
-                <a16:creationId xmlns:a16="http://schemas.microsoft.com/office/drawing/2014/main" id="{E0339BC4-36A1-0EE7-B853-3C3588B085EA}"/>
-              </a:ext>
-            </a:extLst>
-          </p:cNvPr>
-          <p:cNvSpPr txBox="1"/>
-          <p:nvPr/>
-        </p:nvSpPr>
-        <p:spPr>
-          <a:xfrm>
-            <a:off x="1149783" y="3332248"/>
-            <a:ext cx="1159401" cy="369332"/>
-          </a:xfrm>
-          <a:prstGeom prst="rect">
-            <a:avLst/>
-          </a:prstGeom>
-          <a:noFill/>
-        </p:spPr>
-        <p:txBody>
-          <a:bodyPr wrap="square">
-            <a:spAutoFit/>
-          </a:bodyPr>
-          <a:lstStyle/>
-          <a:p>
-            <a:r>
-              <a:rPr lang="en-US" dirty="0"/>
-              <a:t>Name</a:t>
-            </a:r>
-          </a:p>
-        </p:txBody>
-      </p:sp>
-      <p:sp>
-        <p:nvSpPr>
-          <p:cNvPr id="30" name="TextBox 29">
-            <a:extLst>
-              <a:ext uri="{FF2B5EF4-FFF2-40B4-BE49-F238E27FC236}">
-                <a16:creationId xmlns:a16="http://schemas.microsoft.com/office/drawing/2014/main" id="{C8982216-09BC-6B3C-AE1D-3B32DBCB0A4A}"/>
-              </a:ext>
-            </a:extLst>
-          </p:cNvPr>
-          <p:cNvSpPr txBox="1"/>
-          <p:nvPr/>
-        </p:nvSpPr>
-        <p:spPr>
-          <a:xfrm>
-            <a:off x="1149783" y="3593926"/>
-            <a:ext cx="1159401" cy="369332"/>
-          </a:xfrm>
-          <a:prstGeom prst="rect">
-            <a:avLst/>
-          </a:prstGeom>
-          <a:noFill/>
-        </p:spPr>
-        <p:txBody>
-          <a:bodyPr wrap="square">
-            <a:spAutoFit/>
-          </a:bodyPr>
-          <a:lstStyle/>
-          <a:p>
-            <a:r>
-              <a:rPr lang="en-US" dirty="0"/>
-              <a:t>Radius</a:t>
-            </a:r>
-          </a:p>
-        </p:txBody>
-      </p:sp>
-      <p:sp>
-        <p:nvSpPr>
-          <p:cNvPr id="31" name="TextBox 30">
-            <a:extLst>
-              <a:ext uri="{FF2B5EF4-FFF2-40B4-BE49-F238E27FC236}">
-                <a16:creationId xmlns:a16="http://schemas.microsoft.com/office/drawing/2014/main" id="{CE141520-BE94-EF3A-4320-A4E2EEA8F8EA}"/>
-              </a:ext>
-            </a:extLst>
-          </p:cNvPr>
-          <p:cNvSpPr txBox="1"/>
-          <p:nvPr/>
-        </p:nvSpPr>
-        <p:spPr>
-          <a:xfrm>
-            <a:off x="1168907" y="3861405"/>
-            <a:ext cx="1159401" cy="369332"/>
-          </a:xfrm>
-          <a:prstGeom prst="rect">
-            <a:avLst/>
-          </a:prstGeom>
-          <a:noFill/>
-        </p:spPr>
-        <p:txBody>
-          <a:bodyPr wrap="square">
-            <a:spAutoFit/>
-          </a:bodyPr>
-          <a:lstStyle/>
-          <a:p>
-            <a:r>
-              <a:rPr lang="en-US" dirty="0"/>
-              <a:t>Height</a:t>
-            </a:r>
-          </a:p>
-        </p:txBody>
-      </p:sp>
-      <p:sp>
-        <p:nvSpPr>
-          <p:cNvPr id="32" name="TextBox 31">
-            <a:extLst>
-              <a:ext uri="{FF2B5EF4-FFF2-40B4-BE49-F238E27FC236}">
-                <a16:creationId xmlns:a16="http://schemas.microsoft.com/office/drawing/2014/main" id="{9D6E3BC7-4193-0E5A-2165-DB02724885CF}"/>
-              </a:ext>
-            </a:extLst>
-          </p:cNvPr>
-          <p:cNvSpPr txBox="1"/>
-          <p:nvPr/>
-        </p:nvSpPr>
-        <p:spPr>
-          <a:xfrm>
-            <a:off x="1161012" y="4118762"/>
-            <a:ext cx="1411293" cy="369332"/>
-          </a:xfrm>
-          <a:prstGeom prst="rect">
-            <a:avLst/>
-          </a:prstGeom>
-          <a:noFill/>
-        </p:spPr>
-        <p:txBody>
-          <a:bodyPr wrap="square">
-            <a:spAutoFit/>
-          </a:bodyPr>
-          <a:lstStyle/>
-          <a:p>
-            <a:r>
-              <a:rPr lang="en-US" dirty="0" err="1"/>
-              <a:t>CostperCan</a:t>
-            </a:r>
-            <a:endParaRPr lang="en-US" dirty="0"/>
-          </a:p>
-        </p:txBody>
-      </p:sp>
       <p:pic>
         <p:nvPicPr>
           <p:cNvPr id="33" name="Picture 32">
@@ -16878,6 +17598,336 @@
           <a:p>
             <a:pPr algn="ctr"/>
             <a:endParaRPr lang="en-US"/>
+          </a:p>
+        </p:txBody>
+      </p:sp>
+      <p:sp>
+        <p:nvSpPr>
+          <p:cNvPr id="46" name="Magnetic Disk 24">
+            <a:extLst>
+              <a:ext uri="{FF2B5EF4-FFF2-40B4-BE49-F238E27FC236}">
+                <a16:creationId xmlns:a16="http://schemas.microsoft.com/office/drawing/2014/main" id="{6BE7B8D5-19E3-41C8-7E7B-80477BDB2121}"/>
+              </a:ext>
+            </a:extLst>
+          </p:cNvPr>
+          <p:cNvSpPr/>
+          <p:nvPr/>
+        </p:nvSpPr>
+        <p:spPr>
+          <a:xfrm>
+            <a:off x="932172" y="3367112"/>
+            <a:ext cx="255861" cy="274320"/>
+          </a:xfrm>
+          <a:prstGeom prst="flowChartMagneticDisk">
+            <a:avLst/>
+          </a:prstGeom>
+        </p:spPr>
+        <p:style>
+          <a:lnRef idx="2">
+            <a:schemeClr val="accent1">
+              <a:shade val="50000"/>
+            </a:schemeClr>
+          </a:lnRef>
+          <a:fillRef idx="1">
+            <a:schemeClr val="accent1"/>
+          </a:fillRef>
+          <a:effectRef idx="0">
+            <a:schemeClr val="accent1"/>
+          </a:effectRef>
+          <a:fontRef idx="minor">
+            <a:schemeClr val="lt1"/>
+          </a:fontRef>
+        </p:style>
+        <p:txBody>
+          <a:bodyPr rtlCol="0" anchor="ctr"/>
+          <a:lstStyle/>
+          <a:p>
+            <a:pPr algn="ctr"/>
+            <a:endParaRPr lang="en-US"/>
+          </a:p>
+        </p:txBody>
+      </p:sp>
+      <p:sp>
+        <p:nvSpPr>
+          <p:cNvPr id="47" name="Magnetic Disk 25">
+            <a:extLst>
+              <a:ext uri="{FF2B5EF4-FFF2-40B4-BE49-F238E27FC236}">
+                <a16:creationId xmlns:a16="http://schemas.microsoft.com/office/drawing/2014/main" id="{A45EA930-0350-2ACB-3B20-E8CB35D423C6}"/>
+              </a:ext>
+            </a:extLst>
+          </p:cNvPr>
+          <p:cNvSpPr/>
+          <p:nvPr/>
+        </p:nvSpPr>
+        <p:spPr>
+          <a:xfrm>
+            <a:off x="1256263" y="3641432"/>
+            <a:ext cx="255861" cy="274320"/>
+          </a:xfrm>
+          <a:prstGeom prst="flowChartMagneticDisk">
+            <a:avLst/>
+          </a:prstGeom>
+        </p:spPr>
+        <p:style>
+          <a:lnRef idx="2">
+            <a:schemeClr val="accent1">
+              <a:shade val="50000"/>
+            </a:schemeClr>
+          </a:lnRef>
+          <a:fillRef idx="1">
+            <a:schemeClr val="accent1"/>
+          </a:fillRef>
+          <a:effectRef idx="0">
+            <a:schemeClr val="accent1"/>
+          </a:effectRef>
+          <a:fontRef idx="minor">
+            <a:schemeClr val="lt1"/>
+          </a:fontRef>
+        </p:style>
+        <p:txBody>
+          <a:bodyPr rtlCol="0" anchor="ctr"/>
+          <a:lstStyle/>
+          <a:p>
+            <a:pPr algn="ctr"/>
+            <a:endParaRPr lang="en-US"/>
+          </a:p>
+        </p:txBody>
+      </p:sp>
+      <p:sp>
+        <p:nvSpPr>
+          <p:cNvPr id="48" name="Magnetic Disk 26">
+            <a:extLst>
+              <a:ext uri="{FF2B5EF4-FFF2-40B4-BE49-F238E27FC236}">
+                <a16:creationId xmlns:a16="http://schemas.microsoft.com/office/drawing/2014/main" id="{190C78DF-78C3-6B6D-1456-2F5C253C31EB}"/>
+              </a:ext>
+            </a:extLst>
+          </p:cNvPr>
+          <p:cNvSpPr/>
+          <p:nvPr/>
+        </p:nvSpPr>
+        <p:spPr>
+          <a:xfrm>
+            <a:off x="1256262" y="3915752"/>
+            <a:ext cx="255861" cy="274320"/>
+          </a:xfrm>
+          <a:prstGeom prst="flowChartMagneticDisk">
+            <a:avLst/>
+          </a:prstGeom>
+        </p:spPr>
+        <p:style>
+          <a:lnRef idx="2">
+            <a:schemeClr val="accent1">
+              <a:shade val="50000"/>
+            </a:schemeClr>
+          </a:lnRef>
+          <a:fillRef idx="1">
+            <a:schemeClr val="accent1"/>
+          </a:fillRef>
+          <a:effectRef idx="0">
+            <a:schemeClr val="accent1"/>
+          </a:effectRef>
+          <a:fontRef idx="minor">
+            <a:schemeClr val="lt1"/>
+          </a:fontRef>
+        </p:style>
+        <p:txBody>
+          <a:bodyPr rtlCol="0" anchor="ctr"/>
+          <a:lstStyle/>
+          <a:p>
+            <a:pPr algn="ctr"/>
+            <a:endParaRPr lang="en-US"/>
+          </a:p>
+        </p:txBody>
+      </p:sp>
+      <p:sp>
+        <p:nvSpPr>
+          <p:cNvPr id="49" name="Magnetic Disk 27">
+            <a:extLst>
+              <a:ext uri="{FF2B5EF4-FFF2-40B4-BE49-F238E27FC236}">
+                <a16:creationId xmlns:a16="http://schemas.microsoft.com/office/drawing/2014/main" id="{44E371FA-BFB0-8EBE-6180-CF49A85EC0BD}"/>
+              </a:ext>
+            </a:extLst>
+          </p:cNvPr>
+          <p:cNvSpPr/>
+          <p:nvPr/>
+        </p:nvSpPr>
+        <p:spPr>
+          <a:xfrm>
+            <a:off x="1256262" y="4166268"/>
+            <a:ext cx="255861" cy="274320"/>
+          </a:xfrm>
+          <a:prstGeom prst="flowChartMagneticDisk">
+            <a:avLst/>
+          </a:prstGeom>
+        </p:spPr>
+        <p:style>
+          <a:lnRef idx="2">
+            <a:schemeClr val="accent1">
+              <a:shade val="50000"/>
+            </a:schemeClr>
+          </a:lnRef>
+          <a:fillRef idx="1">
+            <a:schemeClr val="accent1"/>
+          </a:fillRef>
+          <a:effectRef idx="0">
+            <a:schemeClr val="accent1"/>
+          </a:effectRef>
+          <a:fontRef idx="minor">
+            <a:schemeClr val="lt1"/>
+          </a:fontRef>
+        </p:style>
+        <p:txBody>
+          <a:bodyPr rtlCol="0" anchor="ctr"/>
+          <a:lstStyle/>
+          <a:p>
+            <a:pPr algn="ctr"/>
+            <a:endParaRPr lang="en-US"/>
+          </a:p>
+        </p:txBody>
+      </p:sp>
+      <p:sp>
+        <p:nvSpPr>
+          <p:cNvPr id="50" name="TextBox 49">
+            <a:extLst>
+              <a:ext uri="{FF2B5EF4-FFF2-40B4-BE49-F238E27FC236}">
+                <a16:creationId xmlns:a16="http://schemas.microsoft.com/office/drawing/2014/main" id="{535E6C6C-878F-A9B1-254D-A565F6A2FE29}"/>
+              </a:ext>
+            </a:extLst>
+          </p:cNvPr>
+          <p:cNvSpPr txBox="1"/>
+          <p:nvPr/>
+        </p:nvSpPr>
+        <p:spPr>
+          <a:xfrm>
+            <a:off x="1149783" y="3332248"/>
+            <a:ext cx="1159401" cy="369332"/>
+          </a:xfrm>
+          <a:prstGeom prst="rect">
+            <a:avLst/>
+          </a:prstGeom>
+          <a:noFill/>
+        </p:spPr>
+        <p:txBody>
+          <a:bodyPr wrap="square">
+            <a:spAutoFit/>
+          </a:bodyPr>
+          <a:lstStyle/>
+          <a:p>
+            <a:r>
+              <a:rPr lang="en-US" dirty="0"/>
+              <a:t>Row</a:t>
+            </a:r>
+          </a:p>
+        </p:txBody>
+      </p:sp>
+      <p:sp>
+        <p:nvSpPr>
+          <p:cNvPr id="51" name="TextBox 50">
+            <a:extLst>
+              <a:ext uri="{FF2B5EF4-FFF2-40B4-BE49-F238E27FC236}">
+                <a16:creationId xmlns:a16="http://schemas.microsoft.com/office/drawing/2014/main" id="{853FAD3B-A848-5E15-9A87-57B10CB1CF60}"/>
+              </a:ext>
+            </a:extLst>
+          </p:cNvPr>
+          <p:cNvSpPr txBox="1"/>
+          <p:nvPr/>
+        </p:nvSpPr>
+        <p:spPr>
+          <a:xfrm>
+            <a:off x="1473875" y="3593926"/>
+            <a:ext cx="3901686" cy="369332"/>
+          </a:xfrm>
+          <a:prstGeom prst="rect">
+            <a:avLst/>
+          </a:prstGeom>
+          <a:noFill/>
+        </p:spPr>
+        <p:txBody>
+          <a:bodyPr wrap="square">
+            <a:spAutoFit/>
+          </a:bodyPr>
+          <a:lstStyle/>
+          <a:p>
+            <a:r>
+              <a:rPr lang="en-US" dirty="0"/>
+              <a:t>Row 0: [Col:0, Col:1, Col:2, …]</a:t>
+            </a:r>
+          </a:p>
+        </p:txBody>
+      </p:sp>
+      <p:sp>
+        <p:nvSpPr>
+          <p:cNvPr id="52" name="TextBox 51">
+            <a:extLst>
+              <a:ext uri="{FF2B5EF4-FFF2-40B4-BE49-F238E27FC236}">
+                <a16:creationId xmlns:a16="http://schemas.microsoft.com/office/drawing/2014/main" id="{212D8A2C-37F2-132E-E37A-4FF02713D0F3}"/>
+              </a:ext>
+            </a:extLst>
+          </p:cNvPr>
+          <p:cNvSpPr txBox="1"/>
+          <p:nvPr/>
+        </p:nvSpPr>
+        <p:spPr>
+          <a:xfrm>
+            <a:off x="1492999" y="3861405"/>
+            <a:ext cx="3624130" cy="646331"/>
+          </a:xfrm>
+          <a:prstGeom prst="rect">
+            <a:avLst/>
+          </a:prstGeom>
+          <a:noFill/>
+        </p:spPr>
+        <p:txBody>
+          <a:bodyPr wrap="square">
+            <a:spAutoFit/>
+          </a:bodyPr>
+          <a:lstStyle/>
+          <a:p>
+            <a:r>
+              <a:rPr lang="en-US" dirty="0"/>
+              <a:t>Row 1: [Name, Radius, Height, Cost]</a:t>
+            </a:r>
+          </a:p>
+          <a:p>
+            <a:endParaRPr lang="en-US" dirty="0"/>
+          </a:p>
+        </p:txBody>
+      </p:sp>
+      <p:sp>
+        <p:nvSpPr>
+          <p:cNvPr id="53" name="TextBox 52">
+            <a:extLst>
+              <a:ext uri="{FF2B5EF4-FFF2-40B4-BE49-F238E27FC236}">
+                <a16:creationId xmlns:a16="http://schemas.microsoft.com/office/drawing/2014/main" id="{991D4D87-A71D-20F4-E0AE-106093D2C60B}"/>
+              </a:ext>
+            </a:extLst>
+          </p:cNvPr>
+          <p:cNvSpPr txBox="1"/>
+          <p:nvPr/>
+        </p:nvSpPr>
+        <p:spPr>
+          <a:xfrm>
+            <a:off x="1485104" y="4118762"/>
+            <a:ext cx="4059169" cy="646331"/>
+          </a:xfrm>
+          <a:prstGeom prst="rect">
+            <a:avLst/>
+          </a:prstGeom>
+          <a:noFill/>
+        </p:spPr>
+        <p:txBody>
+          <a:bodyPr wrap="square">
+            <a:spAutoFit/>
+          </a:bodyPr>
+          <a:lstStyle/>
+          <a:p>
+            <a:r>
+              <a:rPr lang="en-US" dirty="0"/>
+              <a:t>Row 2: [#2, 8.73, 11.59, 0.45]</a:t>
+            </a:r>
+          </a:p>
+          <a:p>
+            <a:endParaRPr lang="en-US" dirty="0"/>
           </a:p>
         </p:txBody>
       </p:sp>
@@ -42855,6 +43905,4003 @@
 </p:sld>
 </file>
 
+<file path=ppt/slides/slide49.xml><?xml version="1.0" encoding="utf-8"?>
+<p:sld xmlns:a="http://schemas.openxmlformats.org/drawingml/2006/main" xmlns:r="http://schemas.openxmlformats.org/officeDocument/2006/relationships" xmlns:p="http://schemas.openxmlformats.org/presentationml/2006/main">
+  <p:cSld>
+    <p:spTree>
+      <p:nvGrpSpPr>
+        <p:cNvPr id="1" name=""/>
+        <p:cNvGrpSpPr/>
+        <p:nvPr/>
+      </p:nvGrpSpPr>
+      <p:grpSpPr>
+        <a:xfrm>
+          <a:off x="0" y="0"/>
+          <a:ext cx="0" cy="0"/>
+          <a:chOff x="0" y="0"/>
+          <a:chExt cx="0" cy="0"/>
+        </a:xfrm>
+      </p:grpSpPr>
+      <p:sp>
+        <p:nvSpPr>
+          <p:cNvPr id="6" name="Rectangle 5">
+            <a:extLst>
+              <a:ext uri="{FF2B5EF4-FFF2-40B4-BE49-F238E27FC236}">
+                <a16:creationId xmlns:a16="http://schemas.microsoft.com/office/drawing/2014/main" id="{82E818A7-B36A-454E-65AD-4D047F2425D0}"/>
+              </a:ext>
+            </a:extLst>
+          </p:cNvPr>
+          <p:cNvSpPr/>
+          <p:nvPr/>
+        </p:nvSpPr>
+        <p:spPr>
+          <a:xfrm>
+            <a:off x="2604858" y="1992342"/>
+            <a:ext cx="6404568" cy="274320"/>
+          </a:xfrm>
+          <a:prstGeom prst="rect">
+            <a:avLst/>
+          </a:prstGeom>
+        </p:spPr>
+        <p:style>
+          <a:lnRef idx="2">
+            <a:schemeClr val="accent1">
+              <a:shade val="50000"/>
+            </a:schemeClr>
+          </a:lnRef>
+          <a:fillRef idx="1">
+            <a:schemeClr val="accent1"/>
+          </a:fillRef>
+          <a:effectRef idx="0">
+            <a:schemeClr val="accent1"/>
+          </a:effectRef>
+          <a:fontRef idx="minor">
+            <a:schemeClr val="lt1"/>
+          </a:fontRef>
+        </p:style>
+        <p:txBody>
+          <a:bodyPr rtlCol="0" anchor="ctr"/>
+          <a:lstStyle/>
+          <a:p>
+            <a:pPr algn="ctr"/>
+            <a:r>
+              <a:rPr lang="en-US" dirty="0"/>
+              <a:t>Process</a:t>
+            </a:r>
+          </a:p>
+        </p:txBody>
+      </p:sp>
+      <p:sp>
+        <p:nvSpPr>
+          <p:cNvPr id="7" name="Rectangle 6">
+            <a:extLst>
+              <a:ext uri="{FF2B5EF4-FFF2-40B4-BE49-F238E27FC236}">
+                <a16:creationId xmlns:a16="http://schemas.microsoft.com/office/drawing/2014/main" id="{ABC7709D-F83F-9B11-49BE-1F144E641CDF}"/>
+              </a:ext>
+            </a:extLst>
+          </p:cNvPr>
+          <p:cNvSpPr/>
+          <p:nvPr/>
+        </p:nvSpPr>
+        <p:spPr>
+          <a:xfrm>
+            <a:off x="43513" y="1995191"/>
+            <a:ext cx="2528792" cy="274320"/>
+          </a:xfrm>
+          <a:prstGeom prst="rect">
+            <a:avLst/>
+          </a:prstGeom>
+        </p:spPr>
+        <p:style>
+          <a:lnRef idx="2">
+            <a:schemeClr val="accent1">
+              <a:shade val="50000"/>
+            </a:schemeClr>
+          </a:lnRef>
+          <a:fillRef idx="1">
+            <a:schemeClr val="accent1"/>
+          </a:fillRef>
+          <a:effectRef idx="0">
+            <a:schemeClr val="accent1"/>
+          </a:effectRef>
+          <a:fontRef idx="minor">
+            <a:schemeClr val="lt1"/>
+          </a:fontRef>
+        </p:style>
+        <p:txBody>
+          <a:bodyPr rtlCol="0" anchor="ctr"/>
+          <a:lstStyle/>
+          <a:p>
+            <a:pPr algn="ctr"/>
+            <a:r>
+              <a:rPr lang="en-US" dirty="0"/>
+              <a:t>Input</a:t>
+            </a:r>
+          </a:p>
+        </p:txBody>
+      </p:sp>
+      <p:sp>
+        <p:nvSpPr>
+          <p:cNvPr id="8" name="Rectangle 7">
+            <a:extLst>
+              <a:ext uri="{FF2B5EF4-FFF2-40B4-BE49-F238E27FC236}">
+                <a16:creationId xmlns:a16="http://schemas.microsoft.com/office/drawing/2014/main" id="{822DBACF-BEAD-6888-4934-3C00BD702CF5}"/>
+              </a:ext>
+            </a:extLst>
+          </p:cNvPr>
+          <p:cNvSpPr/>
+          <p:nvPr/>
+        </p:nvSpPr>
+        <p:spPr>
+          <a:xfrm>
+            <a:off x="9060039" y="1987700"/>
+            <a:ext cx="3104657" cy="274320"/>
+          </a:xfrm>
+          <a:prstGeom prst="rect">
+            <a:avLst/>
+          </a:prstGeom>
+        </p:spPr>
+        <p:style>
+          <a:lnRef idx="2">
+            <a:schemeClr val="accent1">
+              <a:shade val="50000"/>
+            </a:schemeClr>
+          </a:lnRef>
+          <a:fillRef idx="1">
+            <a:schemeClr val="accent1"/>
+          </a:fillRef>
+          <a:effectRef idx="0">
+            <a:schemeClr val="accent1"/>
+          </a:effectRef>
+          <a:fontRef idx="minor">
+            <a:schemeClr val="lt1"/>
+          </a:fontRef>
+        </p:style>
+        <p:txBody>
+          <a:bodyPr rtlCol="0" anchor="ctr"/>
+          <a:lstStyle/>
+          <a:p>
+            <a:pPr algn="ctr"/>
+            <a:r>
+              <a:rPr lang="en-US" dirty="0"/>
+              <a:t>Output</a:t>
+            </a:r>
+          </a:p>
+        </p:txBody>
+      </p:sp>
+      <p:sp>
+        <p:nvSpPr>
+          <p:cNvPr id="3" name="Rectangle 2">
+            <a:extLst>
+              <a:ext uri="{FF2B5EF4-FFF2-40B4-BE49-F238E27FC236}">
+                <a16:creationId xmlns:a16="http://schemas.microsoft.com/office/drawing/2014/main" id="{10D11129-82CA-4E8B-D617-6FB19F24B9FE}"/>
+              </a:ext>
+            </a:extLst>
+          </p:cNvPr>
+          <p:cNvSpPr/>
+          <p:nvPr/>
+        </p:nvSpPr>
+        <p:spPr>
+          <a:xfrm>
+            <a:off x="2907792" y="2345965"/>
+            <a:ext cx="5913649" cy="2245374"/>
+          </a:xfrm>
+          <a:prstGeom prst="rect">
+            <a:avLst/>
+          </a:prstGeom>
+        </p:spPr>
+        <p:style>
+          <a:lnRef idx="1">
+            <a:schemeClr val="dk1"/>
+          </a:lnRef>
+          <a:fillRef idx="2">
+            <a:schemeClr val="dk1"/>
+          </a:fillRef>
+          <a:effectRef idx="1">
+            <a:schemeClr val="dk1"/>
+          </a:effectRef>
+          <a:fontRef idx="minor">
+            <a:schemeClr val="dk1"/>
+          </a:fontRef>
+        </p:style>
+        <p:txBody>
+          <a:bodyPr rtlCol="0" anchor="t" anchorCtr="0"/>
+          <a:lstStyle/>
+          <a:p>
+            <a:r>
+              <a:rPr lang="en-US" dirty="0"/>
+              <a:t>main</a:t>
+            </a:r>
+          </a:p>
+        </p:txBody>
+      </p:sp>
+      <p:sp>
+        <p:nvSpPr>
+          <p:cNvPr id="16" name="Rectangle 15">
+            <a:extLst>
+              <a:ext uri="{FF2B5EF4-FFF2-40B4-BE49-F238E27FC236}">
+                <a16:creationId xmlns:a16="http://schemas.microsoft.com/office/drawing/2014/main" id="{8AD9E4E5-2C1A-1533-C410-62E0EC5394F5}"/>
+              </a:ext>
+            </a:extLst>
+          </p:cNvPr>
+          <p:cNvSpPr/>
+          <p:nvPr/>
+        </p:nvSpPr>
+        <p:spPr>
+          <a:xfrm>
+            <a:off x="43513" y="5187163"/>
+            <a:ext cx="2032655" cy="274320"/>
+          </a:xfrm>
+          <a:prstGeom prst="rect">
+            <a:avLst/>
+          </a:prstGeom>
+        </p:spPr>
+        <p:style>
+          <a:lnRef idx="2">
+            <a:schemeClr val="accent1">
+              <a:shade val="50000"/>
+            </a:schemeClr>
+          </a:lnRef>
+          <a:fillRef idx="1">
+            <a:schemeClr val="accent1"/>
+          </a:fillRef>
+          <a:effectRef idx="0">
+            <a:schemeClr val="accent1"/>
+          </a:effectRef>
+          <a:fontRef idx="minor">
+            <a:schemeClr val="lt1"/>
+          </a:fontRef>
+        </p:style>
+        <p:txBody>
+          <a:bodyPr rtlCol="0" anchor="ctr"/>
+          <a:lstStyle/>
+          <a:p>
+            <a:pPr algn="ctr"/>
+            <a:r>
+              <a:rPr lang="en-US" dirty="0" err="1"/>
+              <a:t>get_determiner</a:t>
+            </a:r>
+            <a:r>
+              <a:rPr lang="en-US" dirty="0"/>
+              <a:t>()</a:t>
+            </a:r>
+          </a:p>
+        </p:txBody>
+      </p:sp>
+      <p:sp>
+        <p:nvSpPr>
+          <p:cNvPr id="17" name="Magnetic Disk 16">
+            <a:extLst>
+              <a:ext uri="{FF2B5EF4-FFF2-40B4-BE49-F238E27FC236}">
+                <a16:creationId xmlns:a16="http://schemas.microsoft.com/office/drawing/2014/main" id="{061A171F-6C21-E011-0270-C54738BDA5C5}"/>
+              </a:ext>
+            </a:extLst>
+          </p:cNvPr>
+          <p:cNvSpPr/>
+          <p:nvPr/>
+        </p:nvSpPr>
+        <p:spPr>
+          <a:xfrm>
+            <a:off x="769343" y="4912843"/>
+            <a:ext cx="255861" cy="274320"/>
+          </a:xfrm>
+          <a:prstGeom prst="flowChartMagneticDisk">
+            <a:avLst/>
+          </a:prstGeom>
+        </p:spPr>
+        <p:style>
+          <a:lnRef idx="2">
+            <a:schemeClr val="accent1">
+              <a:shade val="50000"/>
+            </a:schemeClr>
+          </a:lnRef>
+          <a:fillRef idx="1">
+            <a:schemeClr val="accent1"/>
+          </a:fillRef>
+          <a:effectRef idx="0">
+            <a:schemeClr val="accent1"/>
+          </a:effectRef>
+          <a:fontRef idx="minor">
+            <a:schemeClr val="lt1"/>
+          </a:fontRef>
+        </p:style>
+        <p:txBody>
+          <a:bodyPr rtlCol="0" anchor="ctr"/>
+          <a:lstStyle/>
+          <a:p>
+            <a:pPr algn="ctr"/>
+            <a:endParaRPr lang="en-US"/>
+          </a:p>
+        </p:txBody>
+      </p:sp>
+      <p:sp>
+        <p:nvSpPr>
+          <p:cNvPr id="18" name="Magnetic Disk 17">
+            <a:extLst>
+              <a:ext uri="{FF2B5EF4-FFF2-40B4-BE49-F238E27FC236}">
+                <a16:creationId xmlns:a16="http://schemas.microsoft.com/office/drawing/2014/main" id="{452DE711-E0EE-9D3F-FAB2-35E2CC95A5F6}"/>
+              </a:ext>
+            </a:extLst>
+          </p:cNvPr>
+          <p:cNvSpPr/>
+          <p:nvPr/>
+        </p:nvSpPr>
+        <p:spPr>
+          <a:xfrm rot="5400000">
+            <a:off x="2069510" y="5187624"/>
+            <a:ext cx="255861" cy="274320"/>
+          </a:xfrm>
+          <a:prstGeom prst="flowChartMagneticDisk">
+            <a:avLst/>
+          </a:prstGeom>
+        </p:spPr>
+        <p:style>
+          <a:lnRef idx="2">
+            <a:schemeClr val="accent1">
+              <a:shade val="50000"/>
+            </a:schemeClr>
+          </a:lnRef>
+          <a:fillRef idx="1">
+            <a:schemeClr val="accent1"/>
+          </a:fillRef>
+          <a:effectRef idx="0">
+            <a:schemeClr val="accent1"/>
+          </a:effectRef>
+          <a:fontRef idx="minor">
+            <a:schemeClr val="lt1"/>
+          </a:fontRef>
+        </p:style>
+        <p:txBody>
+          <a:bodyPr rtlCol="0" anchor="ctr"/>
+          <a:lstStyle/>
+          <a:p>
+            <a:pPr algn="ctr"/>
+            <a:endParaRPr lang="en-US"/>
+          </a:p>
+        </p:txBody>
+      </p:sp>
+      <p:sp>
+        <p:nvSpPr>
+          <p:cNvPr id="19" name="TextBox 18">
+            <a:extLst>
+              <a:ext uri="{FF2B5EF4-FFF2-40B4-BE49-F238E27FC236}">
+                <a16:creationId xmlns:a16="http://schemas.microsoft.com/office/drawing/2014/main" id="{334811D9-072F-F852-5672-7CA5BD08D03F}"/>
+              </a:ext>
+            </a:extLst>
+          </p:cNvPr>
+          <p:cNvSpPr txBox="1"/>
+          <p:nvPr/>
+        </p:nvSpPr>
+        <p:spPr>
+          <a:xfrm>
+            <a:off x="986954" y="4877979"/>
+            <a:ext cx="1159401" cy="369332"/>
+          </a:xfrm>
+          <a:prstGeom prst="rect">
+            <a:avLst/>
+          </a:prstGeom>
+          <a:noFill/>
+        </p:spPr>
+        <p:txBody>
+          <a:bodyPr wrap="square">
+            <a:spAutoFit/>
+          </a:bodyPr>
+          <a:lstStyle/>
+          <a:p>
+            <a:r>
+              <a:rPr lang="en-US" dirty="0"/>
+              <a:t>quantity</a:t>
+            </a:r>
+          </a:p>
+        </p:txBody>
+      </p:sp>
+      <p:sp>
+        <p:nvSpPr>
+          <p:cNvPr id="20" name="Rectangle 19">
+            <a:extLst>
+              <a:ext uri="{FF2B5EF4-FFF2-40B4-BE49-F238E27FC236}">
+                <a16:creationId xmlns:a16="http://schemas.microsoft.com/office/drawing/2014/main" id="{0E965FA7-38A8-132B-C6A4-447C39C52D5D}"/>
+              </a:ext>
+            </a:extLst>
+          </p:cNvPr>
+          <p:cNvSpPr/>
+          <p:nvPr/>
+        </p:nvSpPr>
+        <p:spPr>
+          <a:xfrm>
+            <a:off x="2702807" y="5178395"/>
+            <a:ext cx="2032655" cy="274320"/>
+          </a:xfrm>
+          <a:prstGeom prst="rect">
+            <a:avLst/>
+          </a:prstGeom>
+        </p:spPr>
+        <p:style>
+          <a:lnRef idx="2">
+            <a:schemeClr val="accent1">
+              <a:shade val="50000"/>
+            </a:schemeClr>
+          </a:lnRef>
+          <a:fillRef idx="1">
+            <a:schemeClr val="accent1"/>
+          </a:fillRef>
+          <a:effectRef idx="0">
+            <a:schemeClr val="accent1"/>
+          </a:effectRef>
+          <a:fontRef idx="minor">
+            <a:schemeClr val="lt1"/>
+          </a:fontRef>
+        </p:style>
+        <p:txBody>
+          <a:bodyPr rtlCol="0" anchor="ctr"/>
+          <a:lstStyle/>
+          <a:p>
+            <a:pPr algn="ctr"/>
+            <a:r>
+              <a:rPr lang="en-US" dirty="0" err="1"/>
+              <a:t>get_noun</a:t>
+            </a:r>
+            <a:r>
+              <a:rPr lang="en-US" dirty="0"/>
+              <a:t>()</a:t>
+            </a:r>
+          </a:p>
+        </p:txBody>
+      </p:sp>
+      <p:sp>
+        <p:nvSpPr>
+          <p:cNvPr id="21" name="Magnetic Disk 20">
+            <a:extLst>
+              <a:ext uri="{FF2B5EF4-FFF2-40B4-BE49-F238E27FC236}">
+                <a16:creationId xmlns:a16="http://schemas.microsoft.com/office/drawing/2014/main" id="{272FC67C-8739-407E-8E58-1459E587810A}"/>
+              </a:ext>
+            </a:extLst>
+          </p:cNvPr>
+          <p:cNvSpPr/>
+          <p:nvPr/>
+        </p:nvSpPr>
+        <p:spPr>
+          <a:xfrm>
+            <a:off x="3428637" y="4904075"/>
+            <a:ext cx="255861" cy="274320"/>
+          </a:xfrm>
+          <a:prstGeom prst="flowChartMagneticDisk">
+            <a:avLst/>
+          </a:prstGeom>
+        </p:spPr>
+        <p:style>
+          <a:lnRef idx="2">
+            <a:schemeClr val="accent1">
+              <a:shade val="50000"/>
+            </a:schemeClr>
+          </a:lnRef>
+          <a:fillRef idx="1">
+            <a:schemeClr val="accent1"/>
+          </a:fillRef>
+          <a:effectRef idx="0">
+            <a:schemeClr val="accent1"/>
+          </a:effectRef>
+          <a:fontRef idx="minor">
+            <a:schemeClr val="lt1"/>
+          </a:fontRef>
+        </p:style>
+        <p:txBody>
+          <a:bodyPr rtlCol="0" anchor="ctr"/>
+          <a:lstStyle/>
+          <a:p>
+            <a:pPr algn="ctr"/>
+            <a:endParaRPr lang="en-US"/>
+          </a:p>
+        </p:txBody>
+      </p:sp>
+      <p:sp>
+        <p:nvSpPr>
+          <p:cNvPr id="22" name="Magnetic Disk 21">
+            <a:extLst>
+              <a:ext uri="{FF2B5EF4-FFF2-40B4-BE49-F238E27FC236}">
+                <a16:creationId xmlns:a16="http://schemas.microsoft.com/office/drawing/2014/main" id="{06FF6FEA-26A7-16BD-ABC3-260C62E08414}"/>
+              </a:ext>
+            </a:extLst>
+          </p:cNvPr>
+          <p:cNvSpPr/>
+          <p:nvPr/>
+        </p:nvSpPr>
+        <p:spPr>
+          <a:xfrm rot="5400000">
+            <a:off x="4728804" y="5178856"/>
+            <a:ext cx="255861" cy="274320"/>
+          </a:xfrm>
+          <a:prstGeom prst="flowChartMagneticDisk">
+            <a:avLst/>
+          </a:prstGeom>
+        </p:spPr>
+        <p:style>
+          <a:lnRef idx="2">
+            <a:schemeClr val="accent1">
+              <a:shade val="50000"/>
+            </a:schemeClr>
+          </a:lnRef>
+          <a:fillRef idx="1">
+            <a:schemeClr val="accent1"/>
+          </a:fillRef>
+          <a:effectRef idx="0">
+            <a:schemeClr val="accent1"/>
+          </a:effectRef>
+          <a:fontRef idx="minor">
+            <a:schemeClr val="lt1"/>
+          </a:fontRef>
+        </p:style>
+        <p:txBody>
+          <a:bodyPr rtlCol="0" anchor="ctr"/>
+          <a:lstStyle/>
+          <a:p>
+            <a:pPr algn="ctr"/>
+            <a:endParaRPr lang="en-US"/>
+          </a:p>
+        </p:txBody>
+      </p:sp>
+      <p:sp>
+        <p:nvSpPr>
+          <p:cNvPr id="23" name="TextBox 22">
+            <a:extLst>
+              <a:ext uri="{FF2B5EF4-FFF2-40B4-BE49-F238E27FC236}">
+                <a16:creationId xmlns:a16="http://schemas.microsoft.com/office/drawing/2014/main" id="{368D6142-74F5-976F-8614-D81CE12828B9}"/>
+              </a:ext>
+            </a:extLst>
+          </p:cNvPr>
+          <p:cNvSpPr txBox="1"/>
+          <p:nvPr/>
+        </p:nvSpPr>
+        <p:spPr>
+          <a:xfrm>
+            <a:off x="3646248" y="4869211"/>
+            <a:ext cx="1159401" cy="369332"/>
+          </a:xfrm>
+          <a:prstGeom prst="rect">
+            <a:avLst/>
+          </a:prstGeom>
+          <a:noFill/>
+        </p:spPr>
+        <p:txBody>
+          <a:bodyPr wrap="square">
+            <a:spAutoFit/>
+          </a:bodyPr>
+          <a:lstStyle/>
+          <a:p>
+            <a:r>
+              <a:rPr lang="en-US" dirty="0"/>
+              <a:t>quantity</a:t>
+            </a:r>
+          </a:p>
+        </p:txBody>
+      </p:sp>
+      <p:sp>
+        <p:nvSpPr>
+          <p:cNvPr id="24" name="Rectangle 23">
+            <a:extLst>
+              <a:ext uri="{FF2B5EF4-FFF2-40B4-BE49-F238E27FC236}">
+                <a16:creationId xmlns:a16="http://schemas.microsoft.com/office/drawing/2014/main" id="{B33175E3-D320-DCCF-1BF9-684F1C3272B6}"/>
+              </a:ext>
+            </a:extLst>
+          </p:cNvPr>
+          <p:cNvSpPr/>
+          <p:nvPr/>
+        </p:nvSpPr>
+        <p:spPr>
+          <a:xfrm>
+            <a:off x="5291914" y="5187163"/>
+            <a:ext cx="2032655" cy="274320"/>
+          </a:xfrm>
+          <a:prstGeom prst="rect">
+            <a:avLst/>
+          </a:prstGeom>
+        </p:spPr>
+        <p:style>
+          <a:lnRef idx="2">
+            <a:schemeClr val="accent1">
+              <a:shade val="50000"/>
+            </a:schemeClr>
+          </a:lnRef>
+          <a:fillRef idx="1">
+            <a:schemeClr val="accent1"/>
+          </a:fillRef>
+          <a:effectRef idx="0">
+            <a:schemeClr val="accent1"/>
+          </a:effectRef>
+          <a:fontRef idx="minor">
+            <a:schemeClr val="lt1"/>
+          </a:fontRef>
+        </p:style>
+        <p:txBody>
+          <a:bodyPr rtlCol="0" anchor="ctr"/>
+          <a:lstStyle/>
+          <a:p>
+            <a:pPr algn="ctr"/>
+            <a:r>
+              <a:rPr lang="en-US" dirty="0" err="1"/>
+              <a:t>get_verb</a:t>
+            </a:r>
+            <a:r>
+              <a:rPr lang="en-US" dirty="0"/>
+              <a:t>()</a:t>
+            </a:r>
+          </a:p>
+        </p:txBody>
+      </p:sp>
+      <p:sp>
+        <p:nvSpPr>
+          <p:cNvPr id="25" name="Magnetic Disk 24">
+            <a:extLst>
+              <a:ext uri="{FF2B5EF4-FFF2-40B4-BE49-F238E27FC236}">
+                <a16:creationId xmlns:a16="http://schemas.microsoft.com/office/drawing/2014/main" id="{86F98C78-918C-F6D7-08C6-B2B13E63D9BD}"/>
+              </a:ext>
+            </a:extLst>
+          </p:cNvPr>
+          <p:cNvSpPr/>
+          <p:nvPr/>
+        </p:nvSpPr>
+        <p:spPr>
+          <a:xfrm>
+            <a:off x="6017744" y="4912843"/>
+            <a:ext cx="255861" cy="274320"/>
+          </a:xfrm>
+          <a:prstGeom prst="flowChartMagneticDisk">
+            <a:avLst/>
+          </a:prstGeom>
+        </p:spPr>
+        <p:style>
+          <a:lnRef idx="2">
+            <a:schemeClr val="accent1">
+              <a:shade val="50000"/>
+            </a:schemeClr>
+          </a:lnRef>
+          <a:fillRef idx="1">
+            <a:schemeClr val="accent1"/>
+          </a:fillRef>
+          <a:effectRef idx="0">
+            <a:schemeClr val="accent1"/>
+          </a:effectRef>
+          <a:fontRef idx="minor">
+            <a:schemeClr val="lt1"/>
+          </a:fontRef>
+        </p:style>
+        <p:txBody>
+          <a:bodyPr rtlCol="0" anchor="ctr"/>
+          <a:lstStyle/>
+          <a:p>
+            <a:pPr algn="ctr"/>
+            <a:endParaRPr lang="en-US"/>
+          </a:p>
+        </p:txBody>
+      </p:sp>
+      <p:sp>
+        <p:nvSpPr>
+          <p:cNvPr id="26" name="Magnetic Disk 25">
+            <a:extLst>
+              <a:ext uri="{FF2B5EF4-FFF2-40B4-BE49-F238E27FC236}">
+                <a16:creationId xmlns:a16="http://schemas.microsoft.com/office/drawing/2014/main" id="{9D462C81-DA7D-A5AA-D060-394DDE744B39}"/>
+              </a:ext>
+            </a:extLst>
+          </p:cNvPr>
+          <p:cNvSpPr/>
+          <p:nvPr/>
+        </p:nvSpPr>
+        <p:spPr>
+          <a:xfrm rot="5400000">
+            <a:off x="7317911" y="5187624"/>
+            <a:ext cx="255861" cy="274320"/>
+          </a:xfrm>
+          <a:prstGeom prst="flowChartMagneticDisk">
+            <a:avLst/>
+          </a:prstGeom>
+        </p:spPr>
+        <p:style>
+          <a:lnRef idx="2">
+            <a:schemeClr val="accent1">
+              <a:shade val="50000"/>
+            </a:schemeClr>
+          </a:lnRef>
+          <a:fillRef idx="1">
+            <a:schemeClr val="accent1"/>
+          </a:fillRef>
+          <a:effectRef idx="0">
+            <a:schemeClr val="accent1"/>
+          </a:effectRef>
+          <a:fontRef idx="minor">
+            <a:schemeClr val="lt1"/>
+          </a:fontRef>
+        </p:style>
+        <p:txBody>
+          <a:bodyPr rtlCol="0" anchor="ctr"/>
+          <a:lstStyle/>
+          <a:p>
+            <a:pPr algn="ctr"/>
+            <a:endParaRPr lang="en-US"/>
+          </a:p>
+        </p:txBody>
+      </p:sp>
+      <p:sp>
+        <p:nvSpPr>
+          <p:cNvPr id="27" name="TextBox 26">
+            <a:extLst>
+              <a:ext uri="{FF2B5EF4-FFF2-40B4-BE49-F238E27FC236}">
+                <a16:creationId xmlns:a16="http://schemas.microsoft.com/office/drawing/2014/main" id="{6CD77F15-0AE5-9185-7F35-34022675807D}"/>
+              </a:ext>
+            </a:extLst>
+          </p:cNvPr>
+          <p:cNvSpPr txBox="1"/>
+          <p:nvPr/>
+        </p:nvSpPr>
+        <p:spPr>
+          <a:xfrm>
+            <a:off x="6235355" y="4877979"/>
+            <a:ext cx="1159401" cy="369332"/>
+          </a:xfrm>
+          <a:prstGeom prst="rect">
+            <a:avLst/>
+          </a:prstGeom>
+          <a:noFill/>
+        </p:spPr>
+        <p:txBody>
+          <a:bodyPr wrap="square">
+            <a:spAutoFit/>
+          </a:bodyPr>
+          <a:lstStyle/>
+          <a:p>
+            <a:r>
+              <a:rPr lang="en-US" dirty="0"/>
+              <a:t>tense</a:t>
+            </a:r>
+          </a:p>
+        </p:txBody>
+      </p:sp>
+      <p:cxnSp>
+        <p:nvCxnSpPr>
+          <p:cNvPr id="12" name="Curved Connector 11">
+            <a:extLst>
+              <a:ext uri="{FF2B5EF4-FFF2-40B4-BE49-F238E27FC236}">
+                <a16:creationId xmlns:a16="http://schemas.microsoft.com/office/drawing/2014/main" id="{8A64277C-6BD4-E6B0-E1E8-F75366EBE7FE}"/>
+              </a:ext>
+            </a:extLst>
+          </p:cNvPr>
+          <p:cNvCxnSpPr>
+            <a:cxnSpLocks/>
+            <a:stCxn id="18" idx="4"/>
+            <a:endCxn id="71" idx="2"/>
+          </p:cNvCxnSpPr>
+          <p:nvPr/>
+        </p:nvCxnSpPr>
+        <p:spPr>
+          <a:xfrm rot="16200000" flipH="1">
+            <a:off x="4773892" y="2876263"/>
+            <a:ext cx="480276" cy="5633179"/>
+          </a:xfrm>
+          <a:prstGeom prst="curvedConnector2">
+            <a:avLst/>
+          </a:prstGeom>
+          <a:ln>
+            <a:tailEnd type="triangle"/>
+          </a:ln>
+        </p:spPr>
+        <p:style>
+          <a:lnRef idx="3">
+            <a:schemeClr val="accent6"/>
+          </a:lnRef>
+          <a:fillRef idx="0">
+            <a:schemeClr val="accent6"/>
+          </a:fillRef>
+          <a:effectRef idx="2">
+            <a:schemeClr val="accent6"/>
+          </a:effectRef>
+          <a:fontRef idx="minor">
+            <a:schemeClr val="tx1"/>
+          </a:fontRef>
+        </p:style>
+      </p:cxnSp>
+      <p:sp>
+        <p:nvSpPr>
+          <p:cNvPr id="35" name="Magnetic Disk 34">
+            <a:extLst>
+              <a:ext uri="{FF2B5EF4-FFF2-40B4-BE49-F238E27FC236}">
+                <a16:creationId xmlns:a16="http://schemas.microsoft.com/office/drawing/2014/main" id="{FFE35258-5C94-DC09-5AAB-957C968734D9}"/>
+              </a:ext>
+            </a:extLst>
+          </p:cNvPr>
+          <p:cNvSpPr/>
+          <p:nvPr/>
+        </p:nvSpPr>
+        <p:spPr>
+          <a:xfrm>
+            <a:off x="6523024" y="3561235"/>
+            <a:ext cx="255861" cy="274320"/>
+          </a:xfrm>
+          <a:prstGeom prst="flowChartMagneticDisk">
+            <a:avLst/>
+          </a:prstGeom>
+        </p:spPr>
+        <p:style>
+          <a:lnRef idx="2">
+            <a:schemeClr val="accent1">
+              <a:shade val="50000"/>
+            </a:schemeClr>
+          </a:lnRef>
+          <a:fillRef idx="1">
+            <a:schemeClr val="accent1"/>
+          </a:fillRef>
+          <a:effectRef idx="0">
+            <a:schemeClr val="accent1"/>
+          </a:effectRef>
+          <a:fontRef idx="minor">
+            <a:schemeClr val="lt1"/>
+          </a:fontRef>
+        </p:style>
+        <p:txBody>
+          <a:bodyPr rtlCol="0" anchor="ctr"/>
+          <a:lstStyle/>
+          <a:p>
+            <a:pPr algn="ctr"/>
+            <a:endParaRPr lang="en-US"/>
+          </a:p>
+        </p:txBody>
+      </p:sp>
+      <p:sp>
+        <p:nvSpPr>
+          <p:cNvPr id="36" name="TextBox 35">
+            <a:extLst>
+              <a:ext uri="{FF2B5EF4-FFF2-40B4-BE49-F238E27FC236}">
+                <a16:creationId xmlns:a16="http://schemas.microsoft.com/office/drawing/2014/main" id="{2C9FB1F5-AA74-0687-0274-8930BACC9D80}"/>
+              </a:ext>
+            </a:extLst>
+          </p:cNvPr>
+          <p:cNvSpPr txBox="1"/>
+          <p:nvPr/>
+        </p:nvSpPr>
+        <p:spPr>
+          <a:xfrm>
+            <a:off x="6740635" y="3526371"/>
+            <a:ext cx="1159401" cy="369332"/>
+          </a:xfrm>
+          <a:prstGeom prst="rect">
+            <a:avLst/>
+          </a:prstGeom>
+          <a:noFill/>
+        </p:spPr>
+        <p:txBody>
+          <a:bodyPr wrap="square">
+            <a:spAutoFit/>
+          </a:bodyPr>
+          <a:lstStyle/>
+          <a:p>
+            <a:r>
+              <a:rPr lang="en-US" dirty="0"/>
+              <a:t>quantity</a:t>
+            </a:r>
+          </a:p>
+        </p:txBody>
+      </p:sp>
+      <p:sp>
+        <p:nvSpPr>
+          <p:cNvPr id="44" name="Rectangle 43">
+            <a:extLst>
+              <a:ext uri="{FF2B5EF4-FFF2-40B4-BE49-F238E27FC236}">
+                <a16:creationId xmlns:a16="http://schemas.microsoft.com/office/drawing/2014/main" id="{ECF0070C-43B9-3374-E0D9-E02F6FFD9AD7}"/>
+              </a:ext>
+            </a:extLst>
+          </p:cNvPr>
+          <p:cNvSpPr/>
+          <p:nvPr/>
+        </p:nvSpPr>
+        <p:spPr>
+          <a:xfrm>
+            <a:off x="7737947" y="5196853"/>
+            <a:ext cx="2032655" cy="274320"/>
+          </a:xfrm>
+          <a:prstGeom prst="rect">
+            <a:avLst/>
+          </a:prstGeom>
+        </p:spPr>
+        <p:style>
+          <a:lnRef idx="2">
+            <a:schemeClr val="accent1">
+              <a:shade val="50000"/>
+            </a:schemeClr>
+          </a:lnRef>
+          <a:fillRef idx="1">
+            <a:schemeClr val="accent1"/>
+          </a:fillRef>
+          <a:effectRef idx="0">
+            <a:schemeClr val="accent1"/>
+          </a:effectRef>
+          <a:fontRef idx="minor">
+            <a:schemeClr val="lt1"/>
+          </a:fontRef>
+        </p:style>
+        <p:txBody>
+          <a:bodyPr rtlCol="0" anchor="ctr"/>
+          <a:lstStyle/>
+          <a:p>
+            <a:pPr algn="ctr"/>
+            <a:r>
+              <a:rPr lang="en-US" dirty="0" err="1"/>
+              <a:t>get_sentence</a:t>
+            </a:r>
+            <a:r>
+              <a:rPr lang="en-US" dirty="0"/>
+              <a:t>()</a:t>
+            </a:r>
+          </a:p>
+        </p:txBody>
+      </p:sp>
+      <p:sp>
+        <p:nvSpPr>
+          <p:cNvPr id="46" name="Magnetic Disk 45">
+            <a:extLst>
+              <a:ext uri="{FF2B5EF4-FFF2-40B4-BE49-F238E27FC236}">
+                <a16:creationId xmlns:a16="http://schemas.microsoft.com/office/drawing/2014/main" id="{FF2CBC97-08CD-8386-AEFB-D4873778F5C7}"/>
+              </a:ext>
+            </a:extLst>
+          </p:cNvPr>
+          <p:cNvSpPr/>
+          <p:nvPr/>
+        </p:nvSpPr>
+        <p:spPr>
+          <a:xfrm rot="5400000">
+            <a:off x="9763944" y="5197314"/>
+            <a:ext cx="255861" cy="274320"/>
+          </a:xfrm>
+          <a:prstGeom prst="flowChartMagneticDisk">
+            <a:avLst/>
+          </a:prstGeom>
+        </p:spPr>
+        <p:style>
+          <a:lnRef idx="2">
+            <a:schemeClr val="accent1">
+              <a:shade val="50000"/>
+            </a:schemeClr>
+          </a:lnRef>
+          <a:fillRef idx="1">
+            <a:schemeClr val="accent1"/>
+          </a:fillRef>
+          <a:effectRef idx="0">
+            <a:schemeClr val="accent1"/>
+          </a:effectRef>
+          <a:fontRef idx="minor">
+            <a:schemeClr val="lt1"/>
+          </a:fontRef>
+        </p:style>
+        <p:txBody>
+          <a:bodyPr rtlCol="0" anchor="ctr"/>
+          <a:lstStyle/>
+          <a:p>
+            <a:pPr algn="ctr"/>
+            <a:endParaRPr lang="en-US"/>
+          </a:p>
+        </p:txBody>
+      </p:sp>
+      <p:cxnSp>
+        <p:nvCxnSpPr>
+          <p:cNvPr id="48" name="Curved Connector 47">
+            <a:extLst>
+              <a:ext uri="{FF2B5EF4-FFF2-40B4-BE49-F238E27FC236}">
+                <a16:creationId xmlns:a16="http://schemas.microsoft.com/office/drawing/2014/main" id="{C75A6E3D-2901-3E29-CF75-B9F72341F800}"/>
+              </a:ext>
+            </a:extLst>
+          </p:cNvPr>
+          <p:cNvCxnSpPr>
+            <a:cxnSpLocks/>
+            <a:stCxn id="22" idx="4"/>
+            <a:endCxn id="74" idx="2"/>
+          </p:cNvCxnSpPr>
+          <p:nvPr/>
+        </p:nvCxnSpPr>
+        <p:spPr>
+          <a:xfrm rot="16200000" flipH="1">
+            <a:off x="5973287" y="4327394"/>
+            <a:ext cx="740781" cy="2973885"/>
+          </a:xfrm>
+          <a:prstGeom prst="curvedConnector2">
+            <a:avLst/>
+          </a:prstGeom>
+          <a:ln>
+            <a:tailEnd type="triangle"/>
+          </a:ln>
+        </p:spPr>
+        <p:style>
+          <a:lnRef idx="3">
+            <a:schemeClr val="accent6"/>
+          </a:lnRef>
+          <a:fillRef idx="0">
+            <a:schemeClr val="accent6"/>
+          </a:fillRef>
+          <a:effectRef idx="2">
+            <a:schemeClr val="accent6"/>
+          </a:effectRef>
+          <a:fontRef idx="minor">
+            <a:schemeClr val="tx1"/>
+          </a:fontRef>
+        </p:style>
+      </p:cxnSp>
+      <p:sp>
+        <p:nvSpPr>
+          <p:cNvPr id="56" name="Magnetic Disk 55">
+            <a:extLst>
+              <a:ext uri="{FF2B5EF4-FFF2-40B4-BE49-F238E27FC236}">
+                <a16:creationId xmlns:a16="http://schemas.microsoft.com/office/drawing/2014/main" id="{AF67248F-7BE6-6CC4-D8A7-3F94B64F9BDE}"/>
+              </a:ext>
+            </a:extLst>
+          </p:cNvPr>
+          <p:cNvSpPr/>
+          <p:nvPr/>
+        </p:nvSpPr>
+        <p:spPr>
+          <a:xfrm>
+            <a:off x="6028295" y="4541593"/>
+            <a:ext cx="255861" cy="274320"/>
+          </a:xfrm>
+          <a:prstGeom prst="flowChartMagneticDisk">
+            <a:avLst/>
+          </a:prstGeom>
+        </p:spPr>
+        <p:style>
+          <a:lnRef idx="2">
+            <a:schemeClr val="accent1">
+              <a:shade val="50000"/>
+            </a:schemeClr>
+          </a:lnRef>
+          <a:fillRef idx="1">
+            <a:schemeClr val="accent1"/>
+          </a:fillRef>
+          <a:effectRef idx="0">
+            <a:schemeClr val="accent1"/>
+          </a:effectRef>
+          <a:fontRef idx="minor">
+            <a:schemeClr val="lt1"/>
+          </a:fontRef>
+        </p:style>
+        <p:txBody>
+          <a:bodyPr rtlCol="0" anchor="ctr"/>
+          <a:lstStyle/>
+          <a:p>
+            <a:pPr algn="ctr"/>
+            <a:endParaRPr lang="en-US"/>
+          </a:p>
+        </p:txBody>
+      </p:sp>
+      <p:sp>
+        <p:nvSpPr>
+          <p:cNvPr id="57" name="TextBox 56">
+            <a:extLst>
+              <a:ext uri="{FF2B5EF4-FFF2-40B4-BE49-F238E27FC236}">
+                <a16:creationId xmlns:a16="http://schemas.microsoft.com/office/drawing/2014/main" id="{ED2F9ABF-41D9-02B9-C105-254935BFC72A}"/>
+              </a:ext>
+            </a:extLst>
+          </p:cNvPr>
+          <p:cNvSpPr txBox="1"/>
+          <p:nvPr/>
+        </p:nvSpPr>
+        <p:spPr>
+          <a:xfrm>
+            <a:off x="6245906" y="4506729"/>
+            <a:ext cx="1159401" cy="369332"/>
+          </a:xfrm>
+          <a:prstGeom prst="rect">
+            <a:avLst/>
+          </a:prstGeom>
+          <a:noFill/>
+        </p:spPr>
+        <p:txBody>
+          <a:bodyPr wrap="square">
+            <a:spAutoFit/>
+          </a:bodyPr>
+          <a:lstStyle/>
+          <a:p>
+            <a:r>
+              <a:rPr lang="en-US" dirty="0"/>
+              <a:t>quantity</a:t>
+            </a:r>
+          </a:p>
+        </p:txBody>
+      </p:sp>
+      <p:sp>
+        <p:nvSpPr>
+          <p:cNvPr id="58" name="Magnetic Disk 57">
+            <a:extLst>
+              <a:ext uri="{FF2B5EF4-FFF2-40B4-BE49-F238E27FC236}">
+                <a16:creationId xmlns:a16="http://schemas.microsoft.com/office/drawing/2014/main" id="{02CB348D-2A16-F9B3-0542-144B6FAB42D9}"/>
+              </a:ext>
+            </a:extLst>
+          </p:cNvPr>
+          <p:cNvSpPr/>
+          <p:nvPr/>
+        </p:nvSpPr>
+        <p:spPr>
+          <a:xfrm>
+            <a:off x="8235423" y="4899592"/>
+            <a:ext cx="255861" cy="274320"/>
+          </a:xfrm>
+          <a:prstGeom prst="flowChartMagneticDisk">
+            <a:avLst/>
+          </a:prstGeom>
+        </p:spPr>
+        <p:style>
+          <a:lnRef idx="2">
+            <a:schemeClr val="accent1">
+              <a:shade val="50000"/>
+            </a:schemeClr>
+          </a:lnRef>
+          <a:fillRef idx="1">
+            <a:schemeClr val="accent1"/>
+          </a:fillRef>
+          <a:effectRef idx="0">
+            <a:schemeClr val="accent1"/>
+          </a:effectRef>
+          <a:fontRef idx="minor">
+            <a:schemeClr val="lt1"/>
+          </a:fontRef>
+        </p:style>
+        <p:txBody>
+          <a:bodyPr rtlCol="0" anchor="ctr"/>
+          <a:lstStyle/>
+          <a:p>
+            <a:pPr algn="ctr"/>
+            <a:endParaRPr lang="en-US"/>
+          </a:p>
+        </p:txBody>
+      </p:sp>
+      <p:sp>
+        <p:nvSpPr>
+          <p:cNvPr id="59" name="TextBox 58">
+            <a:extLst>
+              <a:ext uri="{FF2B5EF4-FFF2-40B4-BE49-F238E27FC236}">
+                <a16:creationId xmlns:a16="http://schemas.microsoft.com/office/drawing/2014/main" id="{B57DDD6C-1656-B0BC-7C35-18E961838970}"/>
+              </a:ext>
+            </a:extLst>
+          </p:cNvPr>
+          <p:cNvSpPr txBox="1"/>
+          <p:nvPr/>
+        </p:nvSpPr>
+        <p:spPr>
+          <a:xfrm>
+            <a:off x="8453034" y="4864728"/>
+            <a:ext cx="1159401" cy="369332"/>
+          </a:xfrm>
+          <a:prstGeom prst="rect">
+            <a:avLst/>
+          </a:prstGeom>
+          <a:noFill/>
+        </p:spPr>
+        <p:txBody>
+          <a:bodyPr wrap="square">
+            <a:spAutoFit/>
+          </a:bodyPr>
+          <a:lstStyle/>
+          <a:p>
+            <a:r>
+              <a:rPr lang="en-US" dirty="0"/>
+              <a:t>tense</a:t>
+            </a:r>
+          </a:p>
+        </p:txBody>
+      </p:sp>
+      <p:sp>
+        <p:nvSpPr>
+          <p:cNvPr id="60" name="Magnetic Disk 59">
+            <a:extLst>
+              <a:ext uri="{FF2B5EF4-FFF2-40B4-BE49-F238E27FC236}">
+                <a16:creationId xmlns:a16="http://schemas.microsoft.com/office/drawing/2014/main" id="{97DE8772-BD1A-7E0D-FEA6-84FB7E45158A}"/>
+              </a:ext>
+            </a:extLst>
+          </p:cNvPr>
+          <p:cNvSpPr/>
+          <p:nvPr/>
+        </p:nvSpPr>
+        <p:spPr>
+          <a:xfrm>
+            <a:off x="8245974" y="4528342"/>
+            <a:ext cx="255861" cy="274320"/>
+          </a:xfrm>
+          <a:prstGeom prst="flowChartMagneticDisk">
+            <a:avLst/>
+          </a:prstGeom>
+        </p:spPr>
+        <p:style>
+          <a:lnRef idx="2">
+            <a:schemeClr val="accent1">
+              <a:shade val="50000"/>
+            </a:schemeClr>
+          </a:lnRef>
+          <a:fillRef idx="1">
+            <a:schemeClr val="accent1"/>
+          </a:fillRef>
+          <a:effectRef idx="0">
+            <a:schemeClr val="accent1"/>
+          </a:effectRef>
+          <a:fontRef idx="minor">
+            <a:schemeClr val="lt1"/>
+          </a:fontRef>
+        </p:style>
+        <p:txBody>
+          <a:bodyPr rtlCol="0" anchor="ctr"/>
+          <a:lstStyle/>
+          <a:p>
+            <a:pPr algn="ctr"/>
+            <a:endParaRPr lang="en-US"/>
+          </a:p>
+        </p:txBody>
+      </p:sp>
+      <p:sp>
+        <p:nvSpPr>
+          <p:cNvPr id="61" name="TextBox 60">
+            <a:extLst>
+              <a:ext uri="{FF2B5EF4-FFF2-40B4-BE49-F238E27FC236}">
+                <a16:creationId xmlns:a16="http://schemas.microsoft.com/office/drawing/2014/main" id="{B90E1C66-8C6F-6567-8885-D94B05035ED0}"/>
+              </a:ext>
+            </a:extLst>
+          </p:cNvPr>
+          <p:cNvSpPr txBox="1"/>
+          <p:nvPr/>
+        </p:nvSpPr>
+        <p:spPr>
+          <a:xfrm>
+            <a:off x="8463585" y="4493478"/>
+            <a:ext cx="1159401" cy="369332"/>
+          </a:xfrm>
+          <a:prstGeom prst="rect">
+            <a:avLst/>
+          </a:prstGeom>
+          <a:noFill/>
+        </p:spPr>
+        <p:txBody>
+          <a:bodyPr wrap="square">
+            <a:spAutoFit/>
+          </a:bodyPr>
+          <a:lstStyle/>
+          <a:p>
+            <a:r>
+              <a:rPr lang="en-US" dirty="0"/>
+              <a:t>quantity</a:t>
+            </a:r>
+          </a:p>
+        </p:txBody>
+      </p:sp>
+      <p:sp>
+        <p:nvSpPr>
+          <p:cNvPr id="66" name="Magnetic Disk 65">
+            <a:extLst>
+              <a:ext uri="{FF2B5EF4-FFF2-40B4-BE49-F238E27FC236}">
+                <a16:creationId xmlns:a16="http://schemas.microsoft.com/office/drawing/2014/main" id="{30CF6954-9819-412C-BE54-0E3CF1F6DBB9}"/>
+              </a:ext>
+            </a:extLst>
+          </p:cNvPr>
+          <p:cNvSpPr/>
+          <p:nvPr/>
+        </p:nvSpPr>
+        <p:spPr>
+          <a:xfrm>
+            <a:off x="6527257" y="3940188"/>
+            <a:ext cx="255861" cy="274320"/>
+          </a:xfrm>
+          <a:prstGeom prst="flowChartMagneticDisk">
+            <a:avLst/>
+          </a:prstGeom>
+        </p:spPr>
+        <p:style>
+          <a:lnRef idx="2">
+            <a:schemeClr val="accent1">
+              <a:shade val="50000"/>
+            </a:schemeClr>
+          </a:lnRef>
+          <a:fillRef idx="1">
+            <a:schemeClr val="accent1"/>
+          </a:fillRef>
+          <a:effectRef idx="0">
+            <a:schemeClr val="accent1"/>
+          </a:effectRef>
+          <a:fontRef idx="minor">
+            <a:schemeClr val="lt1"/>
+          </a:fontRef>
+        </p:style>
+        <p:txBody>
+          <a:bodyPr rtlCol="0" anchor="ctr"/>
+          <a:lstStyle/>
+          <a:p>
+            <a:pPr algn="ctr"/>
+            <a:endParaRPr lang="en-US"/>
+          </a:p>
+        </p:txBody>
+      </p:sp>
+      <p:sp>
+        <p:nvSpPr>
+          <p:cNvPr id="67" name="TextBox 66">
+            <a:extLst>
+              <a:ext uri="{FF2B5EF4-FFF2-40B4-BE49-F238E27FC236}">
+                <a16:creationId xmlns:a16="http://schemas.microsoft.com/office/drawing/2014/main" id="{9A567295-8011-E2ED-DD12-C4BECEF075F8}"/>
+              </a:ext>
+            </a:extLst>
+          </p:cNvPr>
+          <p:cNvSpPr txBox="1"/>
+          <p:nvPr/>
+        </p:nvSpPr>
+        <p:spPr>
+          <a:xfrm>
+            <a:off x="6744868" y="3905324"/>
+            <a:ext cx="1159401" cy="369332"/>
+          </a:xfrm>
+          <a:prstGeom prst="rect">
+            <a:avLst/>
+          </a:prstGeom>
+          <a:noFill/>
+        </p:spPr>
+        <p:txBody>
+          <a:bodyPr wrap="square">
+            <a:spAutoFit/>
+          </a:bodyPr>
+          <a:lstStyle/>
+          <a:p>
+            <a:r>
+              <a:rPr lang="en-US" dirty="0"/>
+              <a:t>tense</a:t>
+            </a:r>
+          </a:p>
+        </p:txBody>
+      </p:sp>
+      <p:cxnSp>
+        <p:nvCxnSpPr>
+          <p:cNvPr id="80" name="Curved Connector 79">
+            <a:extLst>
+              <a:ext uri="{FF2B5EF4-FFF2-40B4-BE49-F238E27FC236}">
+                <a16:creationId xmlns:a16="http://schemas.microsoft.com/office/drawing/2014/main" id="{9C2F43CE-3931-9069-810D-BA710458A714}"/>
+              </a:ext>
+            </a:extLst>
+          </p:cNvPr>
+          <p:cNvCxnSpPr>
+            <a:cxnSpLocks/>
+            <a:stCxn id="26" idx="4"/>
+            <a:endCxn id="77" idx="2"/>
+          </p:cNvCxnSpPr>
+          <p:nvPr/>
+        </p:nvCxnSpPr>
+        <p:spPr>
+          <a:xfrm rot="16200000" flipH="1">
+            <a:off x="7143219" y="5755338"/>
+            <a:ext cx="990025" cy="384778"/>
+          </a:xfrm>
+          <a:prstGeom prst="curvedConnector2">
+            <a:avLst/>
+          </a:prstGeom>
+          <a:ln>
+            <a:tailEnd type="triangle"/>
+          </a:ln>
+        </p:spPr>
+        <p:style>
+          <a:lnRef idx="3">
+            <a:schemeClr val="accent6"/>
+          </a:lnRef>
+          <a:fillRef idx="0">
+            <a:schemeClr val="accent6"/>
+          </a:fillRef>
+          <a:effectRef idx="2">
+            <a:schemeClr val="accent6"/>
+          </a:effectRef>
+          <a:fontRef idx="minor">
+            <a:schemeClr val="tx1"/>
+          </a:fontRef>
+        </p:style>
+      </p:cxnSp>
+      <p:sp>
+        <p:nvSpPr>
+          <p:cNvPr id="83" name="Magnetic Disk 82">
+            <a:extLst>
+              <a:ext uri="{FF2B5EF4-FFF2-40B4-BE49-F238E27FC236}">
+                <a16:creationId xmlns:a16="http://schemas.microsoft.com/office/drawing/2014/main" id="{EE20599A-6B43-926B-6148-60B81FE09F8A}"/>
+              </a:ext>
+            </a:extLst>
+          </p:cNvPr>
+          <p:cNvSpPr/>
+          <p:nvPr/>
+        </p:nvSpPr>
+        <p:spPr>
+          <a:xfrm>
+            <a:off x="7576857" y="2374221"/>
+            <a:ext cx="255861" cy="274320"/>
+          </a:xfrm>
+          <a:prstGeom prst="flowChartMagneticDisk">
+            <a:avLst/>
+          </a:prstGeom>
+        </p:spPr>
+        <p:style>
+          <a:lnRef idx="2">
+            <a:schemeClr val="accent1">
+              <a:shade val="50000"/>
+            </a:schemeClr>
+          </a:lnRef>
+          <a:fillRef idx="1">
+            <a:schemeClr val="accent1"/>
+          </a:fillRef>
+          <a:effectRef idx="0">
+            <a:schemeClr val="accent1"/>
+          </a:effectRef>
+          <a:fontRef idx="minor">
+            <a:schemeClr val="lt1"/>
+          </a:fontRef>
+        </p:style>
+        <p:txBody>
+          <a:bodyPr rtlCol="0" anchor="ctr"/>
+          <a:lstStyle/>
+          <a:p>
+            <a:pPr algn="ctr"/>
+            <a:endParaRPr lang="en-US"/>
+          </a:p>
+        </p:txBody>
+      </p:sp>
+      <p:sp>
+        <p:nvSpPr>
+          <p:cNvPr id="84" name="TextBox 83">
+            <a:extLst>
+              <a:ext uri="{FF2B5EF4-FFF2-40B4-BE49-F238E27FC236}">
+                <a16:creationId xmlns:a16="http://schemas.microsoft.com/office/drawing/2014/main" id="{B6707F4B-5FB4-CE02-0D1D-F7C9C8CB1B19}"/>
+              </a:ext>
+            </a:extLst>
+          </p:cNvPr>
+          <p:cNvSpPr txBox="1"/>
+          <p:nvPr/>
+        </p:nvSpPr>
+        <p:spPr>
+          <a:xfrm>
+            <a:off x="7794468" y="2339357"/>
+            <a:ext cx="1159401" cy="369332"/>
+          </a:xfrm>
+          <a:prstGeom prst="rect">
+            <a:avLst/>
+          </a:prstGeom>
+          <a:noFill/>
+        </p:spPr>
+        <p:txBody>
+          <a:bodyPr wrap="square">
+            <a:spAutoFit/>
+          </a:bodyPr>
+          <a:lstStyle/>
+          <a:p>
+            <a:r>
+              <a:rPr lang="en-US" dirty="0"/>
+              <a:t>sentence</a:t>
+            </a:r>
+          </a:p>
+        </p:txBody>
+      </p:sp>
+      <p:cxnSp>
+        <p:nvCxnSpPr>
+          <p:cNvPr id="87" name="Curved Connector 86">
+            <a:extLst>
+              <a:ext uri="{FF2B5EF4-FFF2-40B4-BE49-F238E27FC236}">
+                <a16:creationId xmlns:a16="http://schemas.microsoft.com/office/drawing/2014/main" id="{E8505B8F-CFF7-AA4D-6059-B2A19B4D9882}"/>
+              </a:ext>
+            </a:extLst>
+          </p:cNvPr>
+          <p:cNvCxnSpPr>
+            <a:cxnSpLocks/>
+            <a:stCxn id="46" idx="2"/>
+          </p:cNvCxnSpPr>
+          <p:nvPr/>
+        </p:nvCxnSpPr>
+        <p:spPr>
+          <a:xfrm rot="16200000" flipV="1">
+            <a:off x="7627636" y="2942305"/>
+            <a:ext cx="2371508" cy="2156970"/>
+          </a:xfrm>
+          <a:prstGeom prst="curvedConnector3">
+            <a:avLst>
+              <a:gd name="adj1" fmla="val 50000"/>
+            </a:avLst>
+          </a:prstGeom>
+          <a:ln>
+            <a:tailEnd type="triangle"/>
+          </a:ln>
+        </p:spPr>
+        <p:style>
+          <a:lnRef idx="3">
+            <a:schemeClr val="accent6"/>
+          </a:lnRef>
+          <a:fillRef idx="0">
+            <a:schemeClr val="accent6"/>
+          </a:fillRef>
+          <a:effectRef idx="2">
+            <a:schemeClr val="accent6"/>
+          </a:effectRef>
+          <a:fontRef idx="minor">
+            <a:schemeClr val="tx1"/>
+          </a:fontRef>
+        </p:style>
+      </p:cxnSp>
+      <p:pic>
+        <p:nvPicPr>
+          <p:cNvPr id="31" name="Picture 30">
+            <a:extLst>
+              <a:ext uri="{FF2B5EF4-FFF2-40B4-BE49-F238E27FC236}">
+                <a16:creationId xmlns:a16="http://schemas.microsoft.com/office/drawing/2014/main" id="{039D03CC-E891-189E-4C03-D4391060B177}"/>
+              </a:ext>
+            </a:extLst>
+          </p:cNvPr>
+          <p:cNvPicPr>
+            <a:picLocks noChangeAspect="1"/>
+          </p:cNvPicPr>
+          <p:nvPr/>
+        </p:nvPicPr>
+        <p:blipFill>
+          <a:blip r:embed="rId3"/>
+          <a:stretch>
+            <a:fillRect/>
+          </a:stretch>
+        </p:blipFill>
+        <p:spPr>
+          <a:xfrm>
+            <a:off x="4464589" y="58067"/>
+            <a:ext cx="2009406" cy="1816194"/>
+          </a:xfrm>
+          <a:prstGeom prst="rect">
+            <a:avLst/>
+          </a:prstGeom>
+        </p:spPr>
+      </p:pic>
+      <p:pic>
+        <p:nvPicPr>
+          <p:cNvPr id="32" name="Picture 31">
+            <a:extLst>
+              <a:ext uri="{FF2B5EF4-FFF2-40B4-BE49-F238E27FC236}">
+                <a16:creationId xmlns:a16="http://schemas.microsoft.com/office/drawing/2014/main" id="{E4D3F85F-0872-3CE7-BA7A-57C41105638F}"/>
+              </a:ext>
+            </a:extLst>
+          </p:cNvPr>
+          <p:cNvPicPr>
+            <a:picLocks noChangeAspect="1"/>
+          </p:cNvPicPr>
+          <p:nvPr/>
+        </p:nvPicPr>
+        <p:blipFill>
+          <a:blip r:embed="rId4"/>
+          <a:stretch>
+            <a:fillRect/>
+          </a:stretch>
+        </p:blipFill>
+        <p:spPr>
+          <a:xfrm>
+            <a:off x="6877300" y="297238"/>
+            <a:ext cx="5319828" cy="1300604"/>
+          </a:xfrm>
+          <a:prstGeom prst="rect">
+            <a:avLst/>
+          </a:prstGeom>
+        </p:spPr>
+      </p:pic>
+      <p:sp>
+        <p:nvSpPr>
+          <p:cNvPr id="33" name="Striped Right Arrow 32">
+            <a:extLst>
+              <a:ext uri="{FF2B5EF4-FFF2-40B4-BE49-F238E27FC236}">
+                <a16:creationId xmlns:a16="http://schemas.microsoft.com/office/drawing/2014/main" id="{548C6C11-7009-44D1-22A6-5DAE336AC373}"/>
+              </a:ext>
+            </a:extLst>
+          </p:cNvPr>
+          <p:cNvSpPr/>
+          <p:nvPr/>
+        </p:nvSpPr>
+        <p:spPr>
+          <a:xfrm>
+            <a:off x="6096000" y="785872"/>
+            <a:ext cx="922638" cy="353623"/>
+          </a:xfrm>
+          <a:prstGeom prst="stripedRightArrow">
+            <a:avLst/>
+          </a:prstGeom>
+        </p:spPr>
+        <p:style>
+          <a:lnRef idx="2">
+            <a:schemeClr val="accent1">
+              <a:shade val="50000"/>
+            </a:schemeClr>
+          </a:lnRef>
+          <a:fillRef idx="1">
+            <a:schemeClr val="accent1"/>
+          </a:fillRef>
+          <a:effectRef idx="0">
+            <a:schemeClr val="accent1"/>
+          </a:effectRef>
+          <a:fontRef idx="minor">
+            <a:schemeClr val="lt1"/>
+          </a:fontRef>
+        </p:style>
+        <p:txBody>
+          <a:bodyPr rtlCol="0" anchor="ctr"/>
+          <a:lstStyle/>
+          <a:p>
+            <a:pPr algn="ctr"/>
+            <a:endParaRPr lang="en-US"/>
+          </a:p>
+        </p:txBody>
+      </p:sp>
+      <p:sp>
+        <p:nvSpPr>
+          <p:cNvPr id="38" name="Striped Right Arrow 37">
+            <a:extLst>
+              <a:ext uri="{FF2B5EF4-FFF2-40B4-BE49-F238E27FC236}">
+                <a16:creationId xmlns:a16="http://schemas.microsoft.com/office/drawing/2014/main" id="{665BCD83-B3E7-F877-B07E-37318B6EF680}"/>
+              </a:ext>
+            </a:extLst>
+          </p:cNvPr>
+          <p:cNvSpPr/>
+          <p:nvPr/>
+        </p:nvSpPr>
+        <p:spPr>
+          <a:xfrm>
+            <a:off x="3187565" y="788577"/>
+            <a:ext cx="922638" cy="353623"/>
+          </a:xfrm>
+          <a:prstGeom prst="stripedRightArrow">
+            <a:avLst/>
+          </a:prstGeom>
+        </p:spPr>
+        <p:style>
+          <a:lnRef idx="2">
+            <a:schemeClr val="accent1">
+              <a:shade val="50000"/>
+            </a:schemeClr>
+          </a:lnRef>
+          <a:fillRef idx="1">
+            <a:schemeClr val="accent1"/>
+          </a:fillRef>
+          <a:effectRef idx="0">
+            <a:schemeClr val="accent1"/>
+          </a:effectRef>
+          <a:fontRef idx="minor">
+            <a:schemeClr val="lt1"/>
+          </a:fontRef>
+        </p:style>
+        <p:txBody>
+          <a:bodyPr rtlCol="0" anchor="ctr"/>
+          <a:lstStyle/>
+          <a:p>
+            <a:pPr algn="ctr"/>
+            <a:endParaRPr lang="en-US"/>
+          </a:p>
+        </p:txBody>
+      </p:sp>
+      <p:sp>
+        <p:nvSpPr>
+          <p:cNvPr id="2" name="Magnetic Disk 1">
+            <a:extLst>
+              <a:ext uri="{FF2B5EF4-FFF2-40B4-BE49-F238E27FC236}">
+                <a16:creationId xmlns:a16="http://schemas.microsoft.com/office/drawing/2014/main" id="{196C0127-1F4F-3A97-40F5-0274492095DC}"/>
+              </a:ext>
+            </a:extLst>
+          </p:cNvPr>
+          <p:cNvSpPr/>
+          <p:nvPr/>
+        </p:nvSpPr>
+        <p:spPr>
+          <a:xfrm>
+            <a:off x="-4242330" y="2597269"/>
+            <a:ext cx="255861" cy="274320"/>
+          </a:xfrm>
+          <a:prstGeom prst="flowChartMagneticDisk">
+            <a:avLst/>
+          </a:prstGeom>
+        </p:spPr>
+        <p:style>
+          <a:lnRef idx="2">
+            <a:schemeClr val="accent1">
+              <a:shade val="50000"/>
+            </a:schemeClr>
+          </a:lnRef>
+          <a:fillRef idx="1">
+            <a:schemeClr val="accent1"/>
+          </a:fillRef>
+          <a:effectRef idx="0">
+            <a:schemeClr val="accent1"/>
+          </a:effectRef>
+          <a:fontRef idx="minor">
+            <a:schemeClr val="lt1"/>
+          </a:fontRef>
+        </p:style>
+        <p:txBody>
+          <a:bodyPr rtlCol="0" anchor="ctr"/>
+          <a:lstStyle/>
+          <a:p>
+            <a:pPr algn="ctr"/>
+            <a:endParaRPr lang="en-US"/>
+          </a:p>
+        </p:txBody>
+      </p:sp>
+      <p:sp>
+        <p:nvSpPr>
+          <p:cNvPr id="4" name="TextBox 3">
+            <a:extLst>
+              <a:ext uri="{FF2B5EF4-FFF2-40B4-BE49-F238E27FC236}">
+                <a16:creationId xmlns:a16="http://schemas.microsoft.com/office/drawing/2014/main" id="{A018AA7D-94B7-FEAE-A0EA-F70EEC17E84F}"/>
+              </a:ext>
+            </a:extLst>
+          </p:cNvPr>
+          <p:cNvSpPr txBox="1"/>
+          <p:nvPr/>
+        </p:nvSpPr>
+        <p:spPr>
+          <a:xfrm>
+            <a:off x="-4024719" y="2562405"/>
+            <a:ext cx="3596959" cy="646331"/>
+          </a:xfrm>
+          <a:prstGeom prst="rect">
+            <a:avLst/>
+          </a:prstGeom>
+          <a:noFill/>
+        </p:spPr>
+        <p:txBody>
+          <a:bodyPr wrap="square">
+            <a:spAutoFit/>
+          </a:bodyPr>
+          <a:lstStyle/>
+          <a:p>
+            <a:r>
+              <a:rPr lang="en-US" dirty="0" err="1"/>
+              <a:t>QuantityList</a:t>
+            </a:r>
+            <a:r>
+              <a:rPr lang="en-US" dirty="0"/>
+              <a:t> = [“single”, “plural”]</a:t>
+            </a:r>
+          </a:p>
+          <a:p>
+            <a:r>
+              <a:rPr lang="en-US" dirty="0"/>
+              <a:t>Or Quantity = [1,2]</a:t>
+            </a:r>
+          </a:p>
+        </p:txBody>
+      </p:sp>
+      <p:sp>
+        <p:nvSpPr>
+          <p:cNvPr id="5" name="Magnetic Disk 4">
+            <a:extLst>
+              <a:ext uri="{FF2B5EF4-FFF2-40B4-BE49-F238E27FC236}">
+                <a16:creationId xmlns:a16="http://schemas.microsoft.com/office/drawing/2014/main" id="{2DA49CE2-782E-DDE5-3E5F-E2E3056B5B57}"/>
+              </a:ext>
+            </a:extLst>
+          </p:cNvPr>
+          <p:cNvSpPr/>
+          <p:nvPr/>
+        </p:nvSpPr>
+        <p:spPr>
+          <a:xfrm>
+            <a:off x="3774073" y="2566977"/>
+            <a:ext cx="255861" cy="274320"/>
+          </a:xfrm>
+          <a:prstGeom prst="flowChartMagneticDisk">
+            <a:avLst/>
+          </a:prstGeom>
+        </p:spPr>
+        <p:style>
+          <a:lnRef idx="2">
+            <a:schemeClr val="accent1">
+              <a:shade val="50000"/>
+            </a:schemeClr>
+          </a:lnRef>
+          <a:fillRef idx="1">
+            <a:schemeClr val="accent1"/>
+          </a:fillRef>
+          <a:effectRef idx="0">
+            <a:schemeClr val="accent1"/>
+          </a:effectRef>
+          <a:fontRef idx="minor">
+            <a:schemeClr val="lt1"/>
+          </a:fontRef>
+        </p:style>
+        <p:txBody>
+          <a:bodyPr rtlCol="0" anchor="ctr"/>
+          <a:lstStyle/>
+          <a:p>
+            <a:pPr algn="ctr"/>
+            <a:endParaRPr lang="en-US"/>
+          </a:p>
+        </p:txBody>
+      </p:sp>
+      <p:sp>
+        <p:nvSpPr>
+          <p:cNvPr id="13" name="TextBox 12">
+            <a:extLst>
+              <a:ext uri="{FF2B5EF4-FFF2-40B4-BE49-F238E27FC236}">
+                <a16:creationId xmlns:a16="http://schemas.microsoft.com/office/drawing/2014/main" id="{8C9C6A32-2584-CCE5-2D79-97D7D3173E88}"/>
+              </a:ext>
+            </a:extLst>
+          </p:cNvPr>
+          <p:cNvSpPr txBox="1"/>
+          <p:nvPr/>
+        </p:nvSpPr>
+        <p:spPr>
+          <a:xfrm>
+            <a:off x="3991684" y="2532113"/>
+            <a:ext cx="1819760" cy="369332"/>
+          </a:xfrm>
+          <a:prstGeom prst="rect">
+            <a:avLst/>
+          </a:prstGeom>
+          <a:noFill/>
+        </p:spPr>
+        <p:txBody>
+          <a:bodyPr wrap="square">
+            <a:spAutoFit/>
+          </a:bodyPr>
+          <a:lstStyle/>
+          <a:p>
+            <a:r>
+              <a:rPr lang="en-US" dirty="0"/>
+              <a:t>test _data</a:t>
+            </a:r>
+          </a:p>
+        </p:txBody>
+      </p:sp>
+      <p:cxnSp>
+        <p:nvCxnSpPr>
+          <p:cNvPr id="39" name="Curved Connector 38">
+            <a:extLst>
+              <a:ext uri="{FF2B5EF4-FFF2-40B4-BE49-F238E27FC236}">
+                <a16:creationId xmlns:a16="http://schemas.microsoft.com/office/drawing/2014/main" id="{B996B74B-9F69-B2D8-65B2-64330CB73C02}"/>
+              </a:ext>
+            </a:extLst>
+          </p:cNvPr>
+          <p:cNvCxnSpPr>
+            <a:cxnSpLocks/>
+            <a:stCxn id="44" idx="2"/>
+            <a:endCxn id="16" idx="2"/>
+          </p:cNvCxnSpPr>
+          <p:nvPr/>
+        </p:nvCxnSpPr>
+        <p:spPr>
+          <a:xfrm rot="5400000" flipH="1">
+            <a:off x="4902213" y="1619111"/>
+            <a:ext cx="9690" cy="7694434"/>
+          </a:xfrm>
+          <a:prstGeom prst="curvedConnector3">
+            <a:avLst>
+              <a:gd name="adj1" fmla="val -2359133"/>
+            </a:avLst>
+          </a:prstGeom>
+          <a:ln>
+            <a:tailEnd type="triangle"/>
+          </a:ln>
+        </p:spPr>
+        <p:style>
+          <a:lnRef idx="3">
+            <a:schemeClr val="accent4"/>
+          </a:lnRef>
+          <a:fillRef idx="0">
+            <a:schemeClr val="accent4"/>
+          </a:fillRef>
+          <a:effectRef idx="2">
+            <a:schemeClr val="accent4"/>
+          </a:effectRef>
+          <a:fontRef idx="minor">
+            <a:schemeClr val="tx1"/>
+          </a:fontRef>
+        </p:style>
+      </p:cxnSp>
+      <p:cxnSp>
+        <p:nvCxnSpPr>
+          <p:cNvPr id="50" name="Curved Connector 49">
+            <a:extLst>
+              <a:ext uri="{FF2B5EF4-FFF2-40B4-BE49-F238E27FC236}">
+                <a16:creationId xmlns:a16="http://schemas.microsoft.com/office/drawing/2014/main" id="{C113DFC2-9BF6-0D31-848D-05EA29B75BF1}"/>
+              </a:ext>
+            </a:extLst>
+          </p:cNvPr>
+          <p:cNvCxnSpPr>
+            <a:cxnSpLocks/>
+            <a:stCxn id="44" idx="2"/>
+            <a:endCxn id="20" idx="2"/>
+          </p:cNvCxnSpPr>
+          <p:nvPr/>
+        </p:nvCxnSpPr>
+        <p:spPr>
+          <a:xfrm rot="5400000" flipH="1">
+            <a:off x="6227476" y="2944374"/>
+            <a:ext cx="18458" cy="5035140"/>
+          </a:xfrm>
+          <a:prstGeom prst="curvedConnector3">
+            <a:avLst>
+              <a:gd name="adj1" fmla="val -1238487"/>
+            </a:avLst>
+          </a:prstGeom>
+          <a:ln>
+            <a:tailEnd type="triangle"/>
+          </a:ln>
+        </p:spPr>
+        <p:style>
+          <a:lnRef idx="3">
+            <a:schemeClr val="accent4"/>
+          </a:lnRef>
+          <a:fillRef idx="0">
+            <a:schemeClr val="accent4"/>
+          </a:fillRef>
+          <a:effectRef idx="2">
+            <a:schemeClr val="accent4"/>
+          </a:effectRef>
+          <a:fontRef idx="minor">
+            <a:schemeClr val="tx1"/>
+          </a:fontRef>
+        </p:style>
+      </p:cxnSp>
+      <p:cxnSp>
+        <p:nvCxnSpPr>
+          <p:cNvPr id="54" name="Curved Connector 53">
+            <a:extLst>
+              <a:ext uri="{FF2B5EF4-FFF2-40B4-BE49-F238E27FC236}">
+                <a16:creationId xmlns:a16="http://schemas.microsoft.com/office/drawing/2014/main" id="{C490ABD1-5097-FF75-86F2-51BE05D4DF61}"/>
+              </a:ext>
+            </a:extLst>
+          </p:cNvPr>
+          <p:cNvCxnSpPr>
+            <a:cxnSpLocks/>
+            <a:stCxn id="44" idx="2"/>
+            <a:endCxn id="24" idx="2"/>
+          </p:cNvCxnSpPr>
+          <p:nvPr/>
+        </p:nvCxnSpPr>
+        <p:spPr>
+          <a:xfrm rot="5400000" flipH="1">
+            <a:off x="7526414" y="4243312"/>
+            <a:ext cx="9690" cy="2446033"/>
+          </a:xfrm>
+          <a:prstGeom prst="curvedConnector3">
+            <a:avLst>
+              <a:gd name="adj1" fmla="val -2359133"/>
+            </a:avLst>
+          </a:prstGeom>
+          <a:ln>
+            <a:tailEnd type="triangle"/>
+          </a:ln>
+        </p:spPr>
+        <p:style>
+          <a:lnRef idx="3">
+            <a:schemeClr val="accent4"/>
+          </a:lnRef>
+          <a:fillRef idx="0">
+            <a:schemeClr val="accent4"/>
+          </a:fillRef>
+          <a:effectRef idx="2">
+            <a:schemeClr val="accent4"/>
+          </a:effectRef>
+          <a:fontRef idx="minor">
+            <a:schemeClr val="tx1"/>
+          </a:fontRef>
+        </p:style>
+      </p:cxnSp>
+      <p:sp>
+        <p:nvSpPr>
+          <p:cNvPr id="70" name="TextBox 69">
+            <a:extLst>
+              <a:ext uri="{FF2B5EF4-FFF2-40B4-BE49-F238E27FC236}">
+                <a16:creationId xmlns:a16="http://schemas.microsoft.com/office/drawing/2014/main" id="{CB6142A4-D3EF-0723-E3EF-D328F9319618}"/>
+              </a:ext>
+            </a:extLst>
+          </p:cNvPr>
+          <p:cNvSpPr txBox="1"/>
+          <p:nvPr/>
+        </p:nvSpPr>
+        <p:spPr>
+          <a:xfrm>
+            <a:off x="8014132" y="5741977"/>
+            <a:ext cx="1420704" cy="369332"/>
+          </a:xfrm>
+          <a:prstGeom prst="rect">
+            <a:avLst/>
+          </a:prstGeom>
+          <a:noFill/>
+        </p:spPr>
+        <p:txBody>
+          <a:bodyPr wrap="square">
+            <a:spAutoFit/>
+          </a:bodyPr>
+          <a:lstStyle/>
+          <a:p>
+            <a:r>
+              <a:rPr lang="en-US" dirty="0"/>
+              <a:t>determiner</a:t>
+            </a:r>
+          </a:p>
+        </p:txBody>
+      </p:sp>
+      <p:sp>
+        <p:nvSpPr>
+          <p:cNvPr id="71" name="Magnetic Disk 70">
+            <a:extLst>
+              <a:ext uri="{FF2B5EF4-FFF2-40B4-BE49-F238E27FC236}">
+                <a16:creationId xmlns:a16="http://schemas.microsoft.com/office/drawing/2014/main" id="{CB25B817-186A-6E65-89DD-D12C6A20F0F7}"/>
+              </a:ext>
+            </a:extLst>
+          </p:cNvPr>
+          <p:cNvSpPr/>
+          <p:nvPr/>
+        </p:nvSpPr>
+        <p:spPr>
+          <a:xfrm>
+            <a:off x="7830620" y="5795831"/>
+            <a:ext cx="255861" cy="274320"/>
+          </a:xfrm>
+          <a:prstGeom prst="flowChartMagneticDisk">
+            <a:avLst/>
+          </a:prstGeom>
+        </p:spPr>
+        <p:style>
+          <a:lnRef idx="2">
+            <a:schemeClr val="accent1">
+              <a:shade val="50000"/>
+            </a:schemeClr>
+          </a:lnRef>
+          <a:fillRef idx="1">
+            <a:schemeClr val="accent1"/>
+          </a:fillRef>
+          <a:effectRef idx="0">
+            <a:schemeClr val="accent1"/>
+          </a:effectRef>
+          <a:fontRef idx="minor">
+            <a:schemeClr val="lt1"/>
+          </a:fontRef>
+        </p:style>
+        <p:txBody>
+          <a:bodyPr rtlCol="0" anchor="ctr"/>
+          <a:lstStyle/>
+          <a:p>
+            <a:pPr algn="ctr"/>
+            <a:endParaRPr lang="en-US"/>
+          </a:p>
+        </p:txBody>
+      </p:sp>
+      <p:sp>
+        <p:nvSpPr>
+          <p:cNvPr id="72" name="TextBox 71">
+            <a:extLst>
+              <a:ext uri="{FF2B5EF4-FFF2-40B4-BE49-F238E27FC236}">
+                <a16:creationId xmlns:a16="http://schemas.microsoft.com/office/drawing/2014/main" id="{BE3EFF74-8ABE-A0F9-8929-3DCED63D4A04}"/>
+              </a:ext>
+            </a:extLst>
+          </p:cNvPr>
+          <p:cNvSpPr txBox="1"/>
+          <p:nvPr/>
+        </p:nvSpPr>
+        <p:spPr>
+          <a:xfrm>
+            <a:off x="8014132" y="5993714"/>
+            <a:ext cx="1420704" cy="369332"/>
+          </a:xfrm>
+          <a:prstGeom prst="rect">
+            <a:avLst/>
+          </a:prstGeom>
+          <a:noFill/>
+        </p:spPr>
+        <p:txBody>
+          <a:bodyPr wrap="square">
+            <a:spAutoFit/>
+          </a:bodyPr>
+          <a:lstStyle/>
+          <a:p>
+            <a:r>
+              <a:rPr lang="en-US" dirty="0"/>
+              <a:t>noun</a:t>
+            </a:r>
+          </a:p>
+        </p:txBody>
+      </p:sp>
+      <p:sp>
+        <p:nvSpPr>
+          <p:cNvPr id="74" name="Magnetic Disk 73">
+            <a:extLst>
+              <a:ext uri="{FF2B5EF4-FFF2-40B4-BE49-F238E27FC236}">
+                <a16:creationId xmlns:a16="http://schemas.microsoft.com/office/drawing/2014/main" id="{C6C9B745-77E9-E5FD-05DD-653392F98EDE}"/>
+              </a:ext>
+            </a:extLst>
+          </p:cNvPr>
+          <p:cNvSpPr/>
+          <p:nvPr/>
+        </p:nvSpPr>
+        <p:spPr>
+          <a:xfrm>
+            <a:off x="7830620" y="6047568"/>
+            <a:ext cx="255861" cy="274320"/>
+          </a:xfrm>
+          <a:prstGeom prst="flowChartMagneticDisk">
+            <a:avLst/>
+          </a:prstGeom>
+        </p:spPr>
+        <p:style>
+          <a:lnRef idx="2">
+            <a:schemeClr val="accent1">
+              <a:shade val="50000"/>
+            </a:schemeClr>
+          </a:lnRef>
+          <a:fillRef idx="1">
+            <a:schemeClr val="accent1"/>
+          </a:fillRef>
+          <a:effectRef idx="0">
+            <a:schemeClr val="accent1"/>
+          </a:effectRef>
+          <a:fontRef idx="minor">
+            <a:schemeClr val="lt1"/>
+          </a:fontRef>
+        </p:style>
+        <p:txBody>
+          <a:bodyPr rtlCol="0" anchor="ctr"/>
+          <a:lstStyle/>
+          <a:p>
+            <a:pPr algn="ctr"/>
+            <a:endParaRPr lang="en-US"/>
+          </a:p>
+        </p:txBody>
+      </p:sp>
+      <p:sp>
+        <p:nvSpPr>
+          <p:cNvPr id="75" name="TextBox 74">
+            <a:extLst>
+              <a:ext uri="{FF2B5EF4-FFF2-40B4-BE49-F238E27FC236}">
+                <a16:creationId xmlns:a16="http://schemas.microsoft.com/office/drawing/2014/main" id="{3F5F1023-AF7A-958D-5EC6-F02EE19E0B4D}"/>
+              </a:ext>
+            </a:extLst>
+          </p:cNvPr>
+          <p:cNvSpPr txBox="1"/>
+          <p:nvPr/>
+        </p:nvSpPr>
+        <p:spPr>
+          <a:xfrm>
+            <a:off x="8014132" y="6251726"/>
+            <a:ext cx="1420704" cy="369332"/>
+          </a:xfrm>
+          <a:prstGeom prst="rect">
+            <a:avLst/>
+          </a:prstGeom>
+          <a:noFill/>
+        </p:spPr>
+        <p:txBody>
+          <a:bodyPr wrap="square">
+            <a:spAutoFit/>
+          </a:bodyPr>
+          <a:lstStyle/>
+          <a:p>
+            <a:r>
+              <a:rPr lang="en-US" dirty="0"/>
+              <a:t>verb</a:t>
+            </a:r>
+          </a:p>
+        </p:txBody>
+      </p:sp>
+      <p:sp>
+        <p:nvSpPr>
+          <p:cNvPr id="77" name="Magnetic Disk 76">
+            <a:extLst>
+              <a:ext uri="{FF2B5EF4-FFF2-40B4-BE49-F238E27FC236}">
+                <a16:creationId xmlns:a16="http://schemas.microsoft.com/office/drawing/2014/main" id="{D8095133-777E-32CA-8D99-2C91D6246921}"/>
+              </a:ext>
+            </a:extLst>
+          </p:cNvPr>
+          <p:cNvSpPr/>
+          <p:nvPr/>
+        </p:nvSpPr>
+        <p:spPr>
+          <a:xfrm>
+            <a:off x="7830620" y="6305580"/>
+            <a:ext cx="255861" cy="274320"/>
+          </a:xfrm>
+          <a:prstGeom prst="flowChartMagneticDisk">
+            <a:avLst/>
+          </a:prstGeom>
+        </p:spPr>
+        <p:style>
+          <a:lnRef idx="2">
+            <a:schemeClr val="accent1">
+              <a:shade val="50000"/>
+            </a:schemeClr>
+          </a:lnRef>
+          <a:fillRef idx="1">
+            <a:schemeClr val="accent1"/>
+          </a:fillRef>
+          <a:effectRef idx="0">
+            <a:schemeClr val="accent1"/>
+          </a:effectRef>
+          <a:fontRef idx="minor">
+            <a:schemeClr val="lt1"/>
+          </a:fontRef>
+        </p:style>
+        <p:txBody>
+          <a:bodyPr rtlCol="0" anchor="ctr"/>
+          <a:lstStyle/>
+          <a:p>
+            <a:pPr algn="ctr"/>
+            <a:endParaRPr lang="en-US"/>
+          </a:p>
+        </p:txBody>
+      </p:sp>
+      <p:sp>
+        <p:nvSpPr>
+          <p:cNvPr id="78" name="Magnetic Disk 77">
+            <a:extLst>
+              <a:ext uri="{FF2B5EF4-FFF2-40B4-BE49-F238E27FC236}">
+                <a16:creationId xmlns:a16="http://schemas.microsoft.com/office/drawing/2014/main" id="{EEBE4DA8-C5D2-EA8B-06BB-902EED2EDC7C}"/>
+              </a:ext>
+            </a:extLst>
+          </p:cNvPr>
+          <p:cNvSpPr/>
+          <p:nvPr/>
+        </p:nvSpPr>
+        <p:spPr>
+          <a:xfrm>
+            <a:off x="10438514" y="5776841"/>
+            <a:ext cx="255861" cy="274320"/>
+          </a:xfrm>
+          <a:prstGeom prst="flowChartMagneticDisk">
+            <a:avLst/>
+          </a:prstGeom>
+        </p:spPr>
+        <p:style>
+          <a:lnRef idx="2">
+            <a:schemeClr val="accent1">
+              <a:shade val="50000"/>
+            </a:schemeClr>
+          </a:lnRef>
+          <a:fillRef idx="1">
+            <a:schemeClr val="accent1"/>
+          </a:fillRef>
+          <a:effectRef idx="0">
+            <a:schemeClr val="accent1"/>
+          </a:effectRef>
+          <a:fontRef idx="minor">
+            <a:schemeClr val="lt1"/>
+          </a:fontRef>
+        </p:style>
+        <p:txBody>
+          <a:bodyPr rtlCol="0" anchor="ctr"/>
+          <a:lstStyle/>
+          <a:p>
+            <a:pPr algn="ctr"/>
+            <a:endParaRPr lang="en-US"/>
+          </a:p>
+        </p:txBody>
+      </p:sp>
+      <p:sp>
+        <p:nvSpPr>
+          <p:cNvPr id="79" name="TextBox 78">
+            <a:extLst>
+              <a:ext uri="{FF2B5EF4-FFF2-40B4-BE49-F238E27FC236}">
+                <a16:creationId xmlns:a16="http://schemas.microsoft.com/office/drawing/2014/main" id="{45FBC303-BA4E-A49C-6F82-6AA97FDDE958}"/>
+              </a:ext>
+            </a:extLst>
+          </p:cNvPr>
+          <p:cNvSpPr txBox="1"/>
+          <p:nvPr/>
+        </p:nvSpPr>
+        <p:spPr>
+          <a:xfrm>
+            <a:off x="10656125" y="5741977"/>
+            <a:ext cx="1159401" cy="369332"/>
+          </a:xfrm>
+          <a:prstGeom prst="rect">
+            <a:avLst/>
+          </a:prstGeom>
+          <a:noFill/>
+        </p:spPr>
+        <p:txBody>
+          <a:bodyPr wrap="square">
+            <a:spAutoFit/>
+          </a:bodyPr>
+          <a:lstStyle/>
+          <a:p>
+            <a:r>
+              <a:rPr lang="en-US" dirty="0"/>
+              <a:t>sentence</a:t>
+            </a:r>
+          </a:p>
+        </p:txBody>
+      </p:sp>
+      <p:sp>
+        <p:nvSpPr>
+          <p:cNvPr id="81" name="TextBox 80">
+            <a:extLst>
+              <a:ext uri="{FF2B5EF4-FFF2-40B4-BE49-F238E27FC236}">
+                <a16:creationId xmlns:a16="http://schemas.microsoft.com/office/drawing/2014/main" id="{E60A71B8-B95F-03D0-454D-E6EA18A25597}"/>
+              </a:ext>
+            </a:extLst>
+          </p:cNvPr>
+          <p:cNvSpPr txBox="1"/>
+          <p:nvPr/>
+        </p:nvSpPr>
+        <p:spPr>
+          <a:xfrm>
+            <a:off x="9698709" y="5974204"/>
+            <a:ext cx="300082" cy="369332"/>
+          </a:xfrm>
+          <a:prstGeom prst="rect">
+            <a:avLst/>
+          </a:prstGeom>
+          <a:noFill/>
+        </p:spPr>
+        <p:txBody>
+          <a:bodyPr wrap="none" rtlCol="0">
+            <a:spAutoFit/>
+          </a:bodyPr>
+          <a:lstStyle/>
+          <a:p>
+            <a:r>
+              <a:rPr lang="en-US" dirty="0"/>
+              <a:t>+</a:t>
+            </a:r>
+          </a:p>
+        </p:txBody>
+      </p:sp>
+      <p:cxnSp>
+        <p:nvCxnSpPr>
+          <p:cNvPr id="82" name="Curved Connector 81">
+            <a:extLst>
+              <a:ext uri="{FF2B5EF4-FFF2-40B4-BE49-F238E27FC236}">
+                <a16:creationId xmlns:a16="http://schemas.microsoft.com/office/drawing/2014/main" id="{7F49E76E-C421-5B66-66CE-76376362435B}"/>
+              </a:ext>
+            </a:extLst>
+          </p:cNvPr>
+          <p:cNvCxnSpPr>
+            <a:cxnSpLocks/>
+            <a:stCxn id="70" idx="3"/>
+          </p:cNvCxnSpPr>
+          <p:nvPr/>
+        </p:nvCxnSpPr>
+        <p:spPr>
+          <a:xfrm>
+            <a:off x="9434836" y="5926643"/>
+            <a:ext cx="253296" cy="320321"/>
+          </a:xfrm>
+          <a:prstGeom prst="curvedConnector3">
+            <a:avLst>
+              <a:gd name="adj1" fmla="val 50000"/>
+            </a:avLst>
+          </a:prstGeom>
+          <a:ln>
+            <a:tailEnd type="triangle"/>
+          </a:ln>
+        </p:spPr>
+        <p:style>
+          <a:lnRef idx="3">
+            <a:schemeClr val="accent6"/>
+          </a:lnRef>
+          <a:fillRef idx="0">
+            <a:schemeClr val="accent6"/>
+          </a:fillRef>
+          <a:effectRef idx="2">
+            <a:schemeClr val="accent6"/>
+          </a:effectRef>
+          <a:fontRef idx="minor">
+            <a:schemeClr val="tx1"/>
+          </a:fontRef>
+        </p:style>
+      </p:cxnSp>
+      <p:cxnSp>
+        <p:nvCxnSpPr>
+          <p:cNvPr id="85" name="Curved Connector 84">
+            <a:extLst>
+              <a:ext uri="{FF2B5EF4-FFF2-40B4-BE49-F238E27FC236}">
+                <a16:creationId xmlns:a16="http://schemas.microsoft.com/office/drawing/2014/main" id="{E7A7219D-4F98-B930-D83D-2ECBB3D6996A}"/>
+              </a:ext>
+            </a:extLst>
+          </p:cNvPr>
+          <p:cNvCxnSpPr>
+            <a:cxnSpLocks/>
+            <a:stCxn id="72" idx="3"/>
+          </p:cNvCxnSpPr>
+          <p:nvPr/>
+        </p:nvCxnSpPr>
+        <p:spPr>
+          <a:xfrm flipV="1">
+            <a:off x="9434836" y="6169845"/>
+            <a:ext cx="253296" cy="8535"/>
+          </a:xfrm>
+          <a:prstGeom prst="curvedConnector3">
+            <a:avLst>
+              <a:gd name="adj1" fmla="val 50000"/>
+            </a:avLst>
+          </a:prstGeom>
+          <a:ln>
+            <a:tailEnd type="triangle"/>
+          </a:ln>
+        </p:spPr>
+        <p:style>
+          <a:lnRef idx="3">
+            <a:schemeClr val="accent6"/>
+          </a:lnRef>
+          <a:fillRef idx="0">
+            <a:schemeClr val="accent6"/>
+          </a:fillRef>
+          <a:effectRef idx="2">
+            <a:schemeClr val="accent6"/>
+          </a:effectRef>
+          <a:fontRef idx="minor">
+            <a:schemeClr val="tx1"/>
+          </a:fontRef>
+        </p:style>
+      </p:cxnSp>
+      <p:cxnSp>
+        <p:nvCxnSpPr>
+          <p:cNvPr id="86" name="Curved Connector 85">
+            <a:extLst>
+              <a:ext uri="{FF2B5EF4-FFF2-40B4-BE49-F238E27FC236}">
+                <a16:creationId xmlns:a16="http://schemas.microsoft.com/office/drawing/2014/main" id="{5A66450B-405B-938F-1C50-75D666D3732D}"/>
+              </a:ext>
+            </a:extLst>
+          </p:cNvPr>
+          <p:cNvCxnSpPr>
+            <a:cxnSpLocks/>
+          </p:cNvCxnSpPr>
+          <p:nvPr/>
+        </p:nvCxnSpPr>
+        <p:spPr>
+          <a:xfrm flipV="1">
+            <a:off x="9434836" y="6169845"/>
+            <a:ext cx="253296" cy="365700"/>
+          </a:xfrm>
+          <a:prstGeom prst="curvedConnector3">
+            <a:avLst>
+              <a:gd name="adj1" fmla="val 50000"/>
+            </a:avLst>
+          </a:prstGeom>
+          <a:ln>
+            <a:tailEnd type="triangle"/>
+          </a:ln>
+        </p:spPr>
+        <p:style>
+          <a:lnRef idx="3">
+            <a:schemeClr val="accent6"/>
+          </a:lnRef>
+          <a:fillRef idx="0">
+            <a:schemeClr val="accent6"/>
+          </a:fillRef>
+          <a:effectRef idx="2">
+            <a:schemeClr val="accent6"/>
+          </a:effectRef>
+          <a:fontRef idx="minor">
+            <a:schemeClr val="tx1"/>
+          </a:fontRef>
+        </p:style>
+      </p:cxnSp>
+      <p:cxnSp>
+        <p:nvCxnSpPr>
+          <p:cNvPr id="88" name="Curved Connector 87">
+            <a:extLst>
+              <a:ext uri="{FF2B5EF4-FFF2-40B4-BE49-F238E27FC236}">
+                <a16:creationId xmlns:a16="http://schemas.microsoft.com/office/drawing/2014/main" id="{6FE79698-D3DD-B543-436F-3DBFB78DD325}"/>
+              </a:ext>
+            </a:extLst>
+          </p:cNvPr>
+          <p:cNvCxnSpPr>
+            <a:cxnSpLocks/>
+            <a:stCxn id="81" idx="3"/>
+            <a:endCxn id="78" idx="2"/>
+          </p:cNvCxnSpPr>
+          <p:nvPr/>
+        </p:nvCxnSpPr>
+        <p:spPr>
+          <a:xfrm flipV="1">
+            <a:off x="9998791" y="5914001"/>
+            <a:ext cx="439723" cy="244869"/>
+          </a:xfrm>
+          <a:prstGeom prst="curvedConnector3">
+            <a:avLst>
+              <a:gd name="adj1" fmla="val 50000"/>
+            </a:avLst>
+          </a:prstGeom>
+          <a:ln>
+            <a:tailEnd type="triangle"/>
+          </a:ln>
+        </p:spPr>
+        <p:style>
+          <a:lnRef idx="3">
+            <a:schemeClr val="accent6"/>
+          </a:lnRef>
+          <a:fillRef idx="0">
+            <a:schemeClr val="accent6"/>
+          </a:fillRef>
+          <a:effectRef idx="2">
+            <a:schemeClr val="accent6"/>
+          </a:effectRef>
+          <a:fontRef idx="minor">
+            <a:schemeClr val="tx1"/>
+          </a:fontRef>
+        </p:style>
+      </p:cxnSp>
+      <p:cxnSp>
+        <p:nvCxnSpPr>
+          <p:cNvPr id="110" name="Curved Connector 109">
+            <a:extLst>
+              <a:ext uri="{FF2B5EF4-FFF2-40B4-BE49-F238E27FC236}">
+                <a16:creationId xmlns:a16="http://schemas.microsoft.com/office/drawing/2014/main" id="{BDDEDA6B-66FE-9EB3-54F7-212D38614415}"/>
+              </a:ext>
+            </a:extLst>
+          </p:cNvPr>
+          <p:cNvCxnSpPr>
+            <a:cxnSpLocks/>
+            <a:stCxn id="78" idx="1"/>
+            <a:endCxn id="46" idx="0"/>
+          </p:cNvCxnSpPr>
+          <p:nvPr/>
+        </p:nvCxnSpPr>
+        <p:spPr>
+          <a:xfrm rot="16200000" flipV="1">
+            <a:off x="10030837" y="5241233"/>
+            <a:ext cx="442366" cy="628850"/>
+          </a:xfrm>
+          <a:prstGeom prst="curvedConnector2">
+            <a:avLst/>
+          </a:prstGeom>
+          <a:ln>
+            <a:tailEnd type="triangle"/>
+          </a:ln>
+        </p:spPr>
+        <p:style>
+          <a:lnRef idx="3">
+            <a:schemeClr val="accent6"/>
+          </a:lnRef>
+          <a:fillRef idx="0">
+            <a:schemeClr val="accent6"/>
+          </a:fillRef>
+          <a:effectRef idx="2">
+            <a:schemeClr val="accent6"/>
+          </a:effectRef>
+          <a:fontRef idx="minor">
+            <a:schemeClr val="tx1"/>
+          </a:fontRef>
+        </p:style>
+      </p:cxnSp>
+      <p:cxnSp>
+        <p:nvCxnSpPr>
+          <p:cNvPr id="115" name="Curved Connector 114">
+            <a:extLst>
+              <a:ext uri="{FF2B5EF4-FFF2-40B4-BE49-F238E27FC236}">
+                <a16:creationId xmlns:a16="http://schemas.microsoft.com/office/drawing/2014/main" id="{5B0A0F96-B553-EAA8-DB69-3675168FD034}"/>
+              </a:ext>
+            </a:extLst>
+          </p:cNvPr>
+          <p:cNvCxnSpPr>
+            <a:cxnSpLocks/>
+            <a:stCxn id="36" idx="3"/>
+            <a:endCxn id="60" idx="2"/>
+          </p:cNvCxnSpPr>
+          <p:nvPr/>
+        </p:nvCxnSpPr>
+        <p:spPr>
+          <a:xfrm>
+            <a:off x="7900036" y="3711037"/>
+            <a:ext cx="345938" cy="954465"/>
+          </a:xfrm>
+          <a:prstGeom prst="curvedConnector3">
+            <a:avLst>
+              <a:gd name="adj1" fmla="val 50000"/>
+            </a:avLst>
+          </a:prstGeom>
+          <a:ln>
+            <a:tailEnd type="triangle"/>
+          </a:ln>
+        </p:spPr>
+        <p:style>
+          <a:lnRef idx="3">
+            <a:schemeClr val="accent4"/>
+          </a:lnRef>
+          <a:fillRef idx="0">
+            <a:schemeClr val="accent4"/>
+          </a:fillRef>
+          <a:effectRef idx="2">
+            <a:schemeClr val="accent4"/>
+          </a:effectRef>
+          <a:fontRef idx="minor">
+            <a:schemeClr val="tx1"/>
+          </a:fontRef>
+        </p:style>
+      </p:cxnSp>
+      <p:cxnSp>
+        <p:nvCxnSpPr>
+          <p:cNvPr id="118" name="Curved Connector 117">
+            <a:extLst>
+              <a:ext uri="{FF2B5EF4-FFF2-40B4-BE49-F238E27FC236}">
+                <a16:creationId xmlns:a16="http://schemas.microsoft.com/office/drawing/2014/main" id="{8596FE49-1D41-E662-B781-6784C2006D9C}"/>
+              </a:ext>
+            </a:extLst>
+          </p:cNvPr>
+          <p:cNvCxnSpPr>
+            <a:cxnSpLocks/>
+            <a:stCxn id="67" idx="3"/>
+            <a:endCxn id="58" idx="2"/>
+          </p:cNvCxnSpPr>
+          <p:nvPr/>
+        </p:nvCxnSpPr>
+        <p:spPr>
+          <a:xfrm>
+            <a:off x="7904269" y="4089990"/>
+            <a:ext cx="331154" cy="946762"/>
+          </a:xfrm>
+          <a:prstGeom prst="curvedConnector3">
+            <a:avLst>
+              <a:gd name="adj1" fmla="val 50000"/>
+            </a:avLst>
+          </a:prstGeom>
+          <a:ln>
+            <a:tailEnd type="triangle"/>
+          </a:ln>
+        </p:spPr>
+        <p:style>
+          <a:lnRef idx="3">
+            <a:schemeClr val="accent4"/>
+          </a:lnRef>
+          <a:fillRef idx="0">
+            <a:schemeClr val="accent4"/>
+          </a:fillRef>
+          <a:effectRef idx="2">
+            <a:schemeClr val="accent4"/>
+          </a:effectRef>
+          <a:fontRef idx="minor">
+            <a:schemeClr val="tx1"/>
+          </a:fontRef>
+        </p:style>
+      </p:cxnSp>
+      <p:pic>
+        <p:nvPicPr>
+          <p:cNvPr id="121" name="Picture 120">
+            <a:extLst>
+              <a:ext uri="{FF2B5EF4-FFF2-40B4-BE49-F238E27FC236}">
+                <a16:creationId xmlns:a16="http://schemas.microsoft.com/office/drawing/2014/main" id="{0CA542D0-F6DA-40A1-EC32-57AFCF1DE731}"/>
+              </a:ext>
+            </a:extLst>
+          </p:cNvPr>
+          <p:cNvPicPr>
+            <a:picLocks noChangeAspect="1"/>
+          </p:cNvPicPr>
+          <p:nvPr/>
+        </p:nvPicPr>
+        <p:blipFill>
+          <a:blip r:embed="rId5"/>
+          <a:stretch>
+            <a:fillRect/>
+          </a:stretch>
+        </p:blipFill>
+        <p:spPr>
+          <a:xfrm>
+            <a:off x="43513" y="386455"/>
+            <a:ext cx="3027738" cy="1239544"/>
+          </a:xfrm>
+          <a:prstGeom prst="rect">
+            <a:avLst/>
+          </a:prstGeom>
+        </p:spPr>
+      </p:pic>
+      <p:sp>
+        <p:nvSpPr>
+          <p:cNvPr id="9" name="Rectangle 8">
+            <a:extLst>
+              <a:ext uri="{FF2B5EF4-FFF2-40B4-BE49-F238E27FC236}">
+                <a16:creationId xmlns:a16="http://schemas.microsoft.com/office/drawing/2014/main" id="{C58472CA-0FDA-E068-AEF2-D97A235C6B53}"/>
+              </a:ext>
+            </a:extLst>
+          </p:cNvPr>
+          <p:cNvSpPr/>
+          <p:nvPr/>
+        </p:nvSpPr>
+        <p:spPr>
+          <a:xfrm>
+            <a:off x="1588530" y="6367857"/>
+            <a:ext cx="2032655" cy="274320"/>
+          </a:xfrm>
+          <a:prstGeom prst="rect">
+            <a:avLst/>
+          </a:prstGeom>
+        </p:spPr>
+        <p:style>
+          <a:lnRef idx="2">
+            <a:schemeClr val="accent1">
+              <a:shade val="50000"/>
+            </a:schemeClr>
+          </a:lnRef>
+          <a:fillRef idx="1">
+            <a:schemeClr val="accent1"/>
+          </a:fillRef>
+          <a:effectRef idx="0">
+            <a:schemeClr val="accent1"/>
+          </a:effectRef>
+          <a:fontRef idx="minor">
+            <a:schemeClr val="lt1"/>
+          </a:fontRef>
+        </p:style>
+        <p:txBody>
+          <a:bodyPr rtlCol="0" anchor="ctr"/>
+          <a:lstStyle/>
+          <a:p>
+            <a:pPr algn="ctr"/>
+            <a:r>
+              <a:rPr lang="en-US" dirty="0" err="1"/>
+              <a:t>get_preposition</a:t>
+            </a:r>
+            <a:r>
+              <a:rPr lang="en-US" dirty="0"/>
+              <a:t>()</a:t>
+            </a:r>
+          </a:p>
+        </p:txBody>
+      </p:sp>
+      <p:sp>
+        <p:nvSpPr>
+          <p:cNvPr id="10" name="Magnetic Disk 9">
+            <a:extLst>
+              <a:ext uri="{FF2B5EF4-FFF2-40B4-BE49-F238E27FC236}">
+                <a16:creationId xmlns:a16="http://schemas.microsoft.com/office/drawing/2014/main" id="{9376BF99-A0A1-BC80-58B6-29355CD118D8}"/>
+              </a:ext>
+            </a:extLst>
+          </p:cNvPr>
+          <p:cNvSpPr/>
+          <p:nvPr/>
+        </p:nvSpPr>
+        <p:spPr>
+          <a:xfrm rot="5400000">
+            <a:off x="3614527" y="6368318"/>
+            <a:ext cx="255861" cy="274320"/>
+          </a:xfrm>
+          <a:prstGeom prst="flowChartMagneticDisk">
+            <a:avLst/>
+          </a:prstGeom>
+        </p:spPr>
+        <p:style>
+          <a:lnRef idx="2">
+            <a:schemeClr val="accent1">
+              <a:shade val="50000"/>
+            </a:schemeClr>
+          </a:lnRef>
+          <a:fillRef idx="1">
+            <a:schemeClr val="accent1"/>
+          </a:fillRef>
+          <a:effectRef idx="0">
+            <a:schemeClr val="accent1"/>
+          </a:effectRef>
+          <a:fontRef idx="minor">
+            <a:schemeClr val="lt1"/>
+          </a:fontRef>
+        </p:style>
+        <p:txBody>
+          <a:bodyPr rtlCol="0" anchor="ctr"/>
+          <a:lstStyle/>
+          <a:p>
+            <a:pPr algn="ctr"/>
+            <a:endParaRPr lang="en-US"/>
+          </a:p>
+        </p:txBody>
+      </p:sp>
+      <p:sp>
+        <p:nvSpPr>
+          <p:cNvPr id="11" name="Rectangle 10">
+            <a:extLst>
+              <a:ext uri="{FF2B5EF4-FFF2-40B4-BE49-F238E27FC236}">
+                <a16:creationId xmlns:a16="http://schemas.microsoft.com/office/drawing/2014/main" id="{BE053F4B-DC80-AF28-BF0E-A3C6D33E6B4F}"/>
+              </a:ext>
+            </a:extLst>
+          </p:cNvPr>
+          <p:cNvSpPr/>
+          <p:nvPr/>
+        </p:nvSpPr>
+        <p:spPr>
+          <a:xfrm>
+            <a:off x="4536421" y="6292819"/>
+            <a:ext cx="2554341" cy="412674"/>
+          </a:xfrm>
+          <a:prstGeom prst="rect">
+            <a:avLst/>
+          </a:prstGeom>
+        </p:spPr>
+        <p:style>
+          <a:lnRef idx="2">
+            <a:schemeClr val="accent1">
+              <a:shade val="50000"/>
+            </a:schemeClr>
+          </a:lnRef>
+          <a:fillRef idx="1">
+            <a:schemeClr val="accent1"/>
+          </a:fillRef>
+          <a:effectRef idx="0">
+            <a:schemeClr val="accent1"/>
+          </a:effectRef>
+          <a:fontRef idx="minor">
+            <a:schemeClr val="lt1"/>
+          </a:fontRef>
+        </p:style>
+        <p:txBody>
+          <a:bodyPr rtlCol="0" anchor="ctr"/>
+          <a:lstStyle/>
+          <a:p>
+            <a:pPr algn="ctr"/>
+            <a:r>
+              <a:rPr lang="en-US" dirty="0" err="1"/>
+              <a:t>get_preposition_phrase</a:t>
+            </a:r>
+            <a:r>
+              <a:rPr lang="en-US" dirty="0"/>
+              <a:t>()</a:t>
+            </a:r>
+          </a:p>
+        </p:txBody>
+      </p:sp>
+      <p:sp>
+        <p:nvSpPr>
+          <p:cNvPr id="37" name="Magnetic Disk 36">
+            <a:extLst>
+              <a:ext uri="{FF2B5EF4-FFF2-40B4-BE49-F238E27FC236}">
+                <a16:creationId xmlns:a16="http://schemas.microsoft.com/office/drawing/2014/main" id="{D24DE722-610F-8086-3996-EC841BE6C972}"/>
+              </a:ext>
+            </a:extLst>
+          </p:cNvPr>
+          <p:cNvSpPr/>
+          <p:nvPr/>
+        </p:nvSpPr>
+        <p:spPr>
+          <a:xfrm rot="5400000">
+            <a:off x="7084104" y="6293280"/>
+            <a:ext cx="255861" cy="274320"/>
+          </a:xfrm>
+          <a:prstGeom prst="flowChartMagneticDisk">
+            <a:avLst/>
+          </a:prstGeom>
+        </p:spPr>
+        <p:style>
+          <a:lnRef idx="2">
+            <a:schemeClr val="accent1">
+              <a:shade val="50000"/>
+            </a:schemeClr>
+          </a:lnRef>
+          <a:fillRef idx="1">
+            <a:schemeClr val="accent1"/>
+          </a:fillRef>
+          <a:effectRef idx="0">
+            <a:schemeClr val="accent1"/>
+          </a:effectRef>
+          <a:fontRef idx="minor">
+            <a:schemeClr val="lt1"/>
+          </a:fontRef>
+        </p:style>
+        <p:txBody>
+          <a:bodyPr rtlCol="0" anchor="ctr"/>
+          <a:lstStyle/>
+          <a:p>
+            <a:pPr algn="ctr"/>
+            <a:endParaRPr lang="en-US"/>
+          </a:p>
+        </p:txBody>
+      </p:sp>
+      <p:sp>
+        <p:nvSpPr>
+          <p:cNvPr id="40" name="Magnetic Disk 39">
+            <a:extLst>
+              <a:ext uri="{FF2B5EF4-FFF2-40B4-BE49-F238E27FC236}">
+                <a16:creationId xmlns:a16="http://schemas.microsoft.com/office/drawing/2014/main" id="{3DD54B4A-F48F-C457-FFB4-339D3B9FCC45}"/>
+              </a:ext>
+            </a:extLst>
+          </p:cNvPr>
+          <p:cNvSpPr/>
+          <p:nvPr/>
+        </p:nvSpPr>
+        <p:spPr>
+          <a:xfrm>
+            <a:off x="5555583" y="5995558"/>
+            <a:ext cx="255861" cy="274320"/>
+          </a:xfrm>
+          <a:prstGeom prst="flowChartMagneticDisk">
+            <a:avLst/>
+          </a:prstGeom>
+        </p:spPr>
+        <p:style>
+          <a:lnRef idx="2">
+            <a:schemeClr val="accent1">
+              <a:shade val="50000"/>
+            </a:schemeClr>
+          </a:lnRef>
+          <a:fillRef idx="1">
+            <a:schemeClr val="accent1"/>
+          </a:fillRef>
+          <a:effectRef idx="0">
+            <a:schemeClr val="accent1"/>
+          </a:effectRef>
+          <a:fontRef idx="minor">
+            <a:schemeClr val="lt1"/>
+          </a:fontRef>
+        </p:style>
+        <p:txBody>
+          <a:bodyPr rtlCol="0" anchor="ctr"/>
+          <a:lstStyle/>
+          <a:p>
+            <a:pPr algn="ctr"/>
+            <a:endParaRPr lang="en-US"/>
+          </a:p>
+        </p:txBody>
+      </p:sp>
+      <p:sp>
+        <p:nvSpPr>
+          <p:cNvPr id="41" name="TextBox 40">
+            <a:extLst>
+              <a:ext uri="{FF2B5EF4-FFF2-40B4-BE49-F238E27FC236}">
+                <a16:creationId xmlns:a16="http://schemas.microsoft.com/office/drawing/2014/main" id="{F3CB1A66-F9FB-607C-AA5E-9488EC7B075D}"/>
+              </a:ext>
+            </a:extLst>
+          </p:cNvPr>
+          <p:cNvSpPr txBox="1"/>
+          <p:nvPr/>
+        </p:nvSpPr>
+        <p:spPr>
+          <a:xfrm>
+            <a:off x="5773194" y="5960694"/>
+            <a:ext cx="1159401" cy="369332"/>
+          </a:xfrm>
+          <a:prstGeom prst="rect">
+            <a:avLst/>
+          </a:prstGeom>
+          <a:noFill/>
+        </p:spPr>
+        <p:txBody>
+          <a:bodyPr wrap="square">
+            <a:spAutoFit/>
+          </a:bodyPr>
+          <a:lstStyle/>
+          <a:p>
+            <a:r>
+              <a:rPr lang="en-US" dirty="0"/>
+              <a:t>quantity</a:t>
+            </a:r>
+          </a:p>
+        </p:txBody>
+      </p:sp>
+      <p:cxnSp>
+        <p:nvCxnSpPr>
+          <p:cNvPr id="42" name="Curved Connector 41">
+            <a:extLst>
+              <a:ext uri="{FF2B5EF4-FFF2-40B4-BE49-F238E27FC236}">
+                <a16:creationId xmlns:a16="http://schemas.microsoft.com/office/drawing/2014/main" id="{8E1D7777-A3EE-507E-65B6-1B112DE13D4D}"/>
+              </a:ext>
+            </a:extLst>
+          </p:cNvPr>
+          <p:cNvCxnSpPr>
+            <a:cxnSpLocks/>
+            <a:stCxn id="11" idx="1"/>
+            <a:endCxn id="9" idx="0"/>
+          </p:cNvCxnSpPr>
+          <p:nvPr/>
+        </p:nvCxnSpPr>
+        <p:spPr>
+          <a:xfrm rot="10800000">
+            <a:off x="2604859" y="6367858"/>
+            <a:ext cx="1931563" cy="131299"/>
+          </a:xfrm>
+          <a:prstGeom prst="curvedConnector4">
+            <a:avLst>
+              <a:gd name="adj1" fmla="val 23692"/>
+              <a:gd name="adj2" fmla="val 274106"/>
+            </a:avLst>
+          </a:prstGeom>
+          <a:ln>
+            <a:tailEnd type="triangle"/>
+          </a:ln>
+        </p:spPr>
+        <p:style>
+          <a:lnRef idx="3">
+            <a:schemeClr val="accent4"/>
+          </a:lnRef>
+          <a:fillRef idx="0">
+            <a:schemeClr val="accent4"/>
+          </a:fillRef>
+          <a:effectRef idx="2">
+            <a:schemeClr val="accent4"/>
+          </a:effectRef>
+          <a:fontRef idx="minor">
+            <a:schemeClr val="tx1"/>
+          </a:fontRef>
+        </p:style>
+      </p:cxnSp>
+      <p:sp>
+        <p:nvSpPr>
+          <p:cNvPr id="43" name="TextBox 42">
+            <a:extLst>
+              <a:ext uri="{FF2B5EF4-FFF2-40B4-BE49-F238E27FC236}">
+                <a16:creationId xmlns:a16="http://schemas.microsoft.com/office/drawing/2014/main" id="{C2F382B9-A2C8-0A52-FFD4-4D1D146EBAF3}"/>
+              </a:ext>
+            </a:extLst>
+          </p:cNvPr>
+          <p:cNvSpPr txBox="1"/>
+          <p:nvPr/>
+        </p:nvSpPr>
+        <p:spPr>
+          <a:xfrm>
+            <a:off x="8010945" y="6505889"/>
+            <a:ext cx="1420704" cy="369332"/>
+          </a:xfrm>
+          <a:prstGeom prst="rect">
+            <a:avLst/>
+          </a:prstGeom>
+          <a:noFill/>
+        </p:spPr>
+        <p:txBody>
+          <a:bodyPr wrap="square">
+            <a:spAutoFit/>
+          </a:bodyPr>
+          <a:lstStyle/>
+          <a:p>
+            <a:r>
+              <a:rPr lang="en-US" dirty="0"/>
+              <a:t>phase</a:t>
+            </a:r>
+          </a:p>
+        </p:txBody>
+      </p:sp>
+      <p:sp>
+        <p:nvSpPr>
+          <p:cNvPr id="45" name="Magnetic Disk 44">
+            <a:extLst>
+              <a:ext uri="{FF2B5EF4-FFF2-40B4-BE49-F238E27FC236}">
+                <a16:creationId xmlns:a16="http://schemas.microsoft.com/office/drawing/2014/main" id="{ECF7B98A-4711-CD8C-287A-258289B1EFC8}"/>
+              </a:ext>
+            </a:extLst>
+          </p:cNvPr>
+          <p:cNvSpPr/>
+          <p:nvPr/>
+        </p:nvSpPr>
+        <p:spPr>
+          <a:xfrm>
+            <a:off x="7827433" y="6559743"/>
+            <a:ext cx="255861" cy="274320"/>
+          </a:xfrm>
+          <a:prstGeom prst="flowChartMagneticDisk">
+            <a:avLst/>
+          </a:prstGeom>
+        </p:spPr>
+        <p:style>
+          <a:lnRef idx="2">
+            <a:schemeClr val="accent1">
+              <a:shade val="50000"/>
+            </a:schemeClr>
+          </a:lnRef>
+          <a:fillRef idx="1">
+            <a:schemeClr val="accent1"/>
+          </a:fillRef>
+          <a:effectRef idx="0">
+            <a:schemeClr val="accent1"/>
+          </a:effectRef>
+          <a:fontRef idx="minor">
+            <a:schemeClr val="lt1"/>
+          </a:fontRef>
+        </p:style>
+        <p:txBody>
+          <a:bodyPr rtlCol="0" anchor="ctr"/>
+          <a:lstStyle/>
+          <a:p>
+            <a:pPr algn="ctr"/>
+            <a:endParaRPr lang="en-US"/>
+          </a:p>
+        </p:txBody>
+      </p:sp>
+      <p:cxnSp>
+        <p:nvCxnSpPr>
+          <p:cNvPr id="47" name="Curved Connector 46">
+            <a:extLst>
+              <a:ext uri="{FF2B5EF4-FFF2-40B4-BE49-F238E27FC236}">
+                <a16:creationId xmlns:a16="http://schemas.microsoft.com/office/drawing/2014/main" id="{2BC96C5E-E386-B8E0-8509-74E6C20F0043}"/>
+              </a:ext>
+            </a:extLst>
+          </p:cNvPr>
+          <p:cNvCxnSpPr>
+            <a:cxnSpLocks/>
+            <a:stCxn id="11" idx="1"/>
+            <a:endCxn id="16" idx="2"/>
+          </p:cNvCxnSpPr>
+          <p:nvPr/>
+        </p:nvCxnSpPr>
+        <p:spPr>
+          <a:xfrm rot="10800000">
+            <a:off x="1059841" y="5461484"/>
+            <a:ext cx="3476580" cy="1037673"/>
+          </a:xfrm>
+          <a:prstGeom prst="curvedConnector2">
+            <a:avLst/>
+          </a:prstGeom>
+          <a:ln>
+            <a:tailEnd type="triangle"/>
+          </a:ln>
+        </p:spPr>
+        <p:style>
+          <a:lnRef idx="3">
+            <a:schemeClr val="accent4"/>
+          </a:lnRef>
+          <a:fillRef idx="0">
+            <a:schemeClr val="accent4"/>
+          </a:fillRef>
+          <a:effectRef idx="2">
+            <a:schemeClr val="accent4"/>
+          </a:effectRef>
+          <a:fontRef idx="minor">
+            <a:schemeClr val="tx1"/>
+          </a:fontRef>
+        </p:style>
+      </p:cxnSp>
+      <p:cxnSp>
+        <p:nvCxnSpPr>
+          <p:cNvPr id="53" name="Curved Connector 52">
+            <a:extLst>
+              <a:ext uri="{FF2B5EF4-FFF2-40B4-BE49-F238E27FC236}">
+                <a16:creationId xmlns:a16="http://schemas.microsoft.com/office/drawing/2014/main" id="{1255F48A-C3BF-95FE-0F0B-5B1AE5BF97C7}"/>
+              </a:ext>
+            </a:extLst>
+          </p:cNvPr>
+          <p:cNvCxnSpPr>
+            <a:cxnSpLocks/>
+            <a:stCxn id="11" idx="1"/>
+            <a:endCxn id="20" idx="2"/>
+          </p:cNvCxnSpPr>
+          <p:nvPr/>
+        </p:nvCxnSpPr>
+        <p:spPr>
+          <a:xfrm rot="10800000">
+            <a:off x="3719135" y="5452716"/>
+            <a:ext cx="817286" cy="1046441"/>
+          </a:xfrm>
+          <a:prstGeom prst="curvedConnector2">
+            <a:avLst/>
+          </a:prstGeom>
+          <a:ln>
+            <a:tailEnd type="triangle"/>
+          </a:ln>
+        </p:spPr>
+        <p:style>
+          <a:lnRef idx="3">
+            <a:schemeClr val="accent4"/>
+          </a:lnRef>
+          <a:fillRef idx="0">
+            <a:schemeClr val="accent4"/>
+          </a:fillRef>
+          <a:effectRef idx="2">
+            <a:schemeClr val="accent4"/>
+          </a:effectRef>
+          <a:fontRef idx="minor">
+            <a:schemeClr val="tx1"/>
+          </a:fontRef>
+        </p:style>
+      </p:cxnSp>
+      <p:cxnSp>
+        <p:nvCxnSpPr>
+          <p:cNvPr id="63" name="Curved Connector 62">
+            <a:extLst>
+              <a:ext uri="{FF2B5EF4-FFF2-40B4-BE49-F238E27FC236}">
+                <a16:creationId xmlns:a16="http://schemas.microsoft.com/office/drawing/2014/main" id="{730A7BAA-3FF9-2813-135E-1B0E57EA5E61}"/>
+              </a:ext>
+            </a:extLst>
+          </p:cNvPr>
+          <p:cNvCxnSpPr>
+            <a:cxnSpLocks/>
+            <a:stCxn id="37" idx="1"/>
+            <a:endCxn id="45" idx="2"/>
+          </p:cNvCxnSpPr>
+          <p:nvPr/>
+        </p:nvCxnSpPr>
+        <p:spPr>
+          <a:xfrm>
+            <a:off x="7349195" y="6430441"/>
+            <a:ext cx="478238" cy="266462"/>
+          </a:xfrm>
+          <a:prstGeom prst="curvedConnector3">
+            <a:avLst>
+              <a:gd name="adj1" fmla="val 50000"/>
+            </a:avLst>
+          </a:prstGeom>
+          <a:ln>
+            <a:tailEnd type="triangle"/>
+          </a:ln>
+        </p:spPr>
+        <p:style>
+          <a:lnRef idx="3">
+            <a:schemeClr val="accent6"/>
+          </a:lnRef>
+          <a:fillRef idx="0">
+            <a:schemeClr val="accent6"/>
+          </a:fillRef>
+          <a:effectRef idx="2">
+            <a:schemeClr val="accent6"/>
+          </a:effectRef>
+          <a:fontRef idx="minor">
+            <a:schemeClr val="tx1"/>
+          </a:fontRef>
+        </p:style>
+      </p:cxnSp>
+      <p:cxnSp>
+        <p:nvCxnSpPr>
+          <p:cNvPr id="68" name="Curved Connector 67">
+            <a:extLst>
+              <a:ext uri="{FF2B5EF4-FFF2-40B4-BE49-F238E27FC236}">
+                <a16:creationId xmlns:a16="http://schemas.microsoft.com/office/drawing/2014/main" id="{8795C667-202C-1C0D-1447-FE217ECA7089}"/>
+              </a:ext>
+            </a:extLst>
+          </p:cNvPr>
+          <p:cNvCxnSpPr>
+            <a:cxnSpLocks/>
+            <a:stCxn id="43" idx="3"/>
+            <a:endCxn id="81" idx="1"/>
+          </p:cNvCxnSpPr>
+          <p:nvPr/>
+        </p:nvCxnSpPr>
+        <p:spPr>
+          <a:xfrm flipV="1">
+            <a:off x="9431649" y="6158870"/>
+            <a:ext cx="267060" cy="531685"/>
+          </a:xfrm>
+          <a:prstGeom prst="curvedConnector3">
+            <a:avLst>
+              <a:gd name="adj1" fmla="val 50000"/>
+            </a:avLst>
+          </a:prstGeom>
+          <a:ln>
+            <a:tailEnd type="triangle"/>
+          </a:ln>
+        </p:spPr>
+        <p:style>
+          <a:lnRef idx="3">
+            <a:schemeClr val="accent6"/>
+          </a:lnRef>
+          <a:fillRef idx="0">
+            <a:schemeClr val="accent6"/>
+          </a:fillRef>
+          <a:effectRef idx="2">
+            <a:schemeClr val="accent6"/>
+          </a:effectRef>
+          <a:fontRef idx="minor">
+            <a:schemeClr val="tx1"/>
+          </a:fontRef>
+        </p:style>
+      </p:cxnSp>
+      <p:sp>
+        <p:nvSpPr>
+          <p:cNvPr id="76" name="TextBox 75">
+            <a:extLst>
+              <a:ext uri="{FF2B5EF4-FFF2-40B4-BE49-F238E27FC236}">
+                <a16:creationId xmlns:a16="http://schemas.microsoft.com/office/drawing/2014/main" id="{8E8ECCF0-DE7E-0F81-A934-394F4D4D3731}"/>
+              </a:ext>
+            </a:extLst>
+          </p:cNvPr>
+          <p:cNvSpPr txBox="1"/>
+          <p:nvPr/>
+        </p:nvSpPr>
+        <p:spPr>
+          <a:xfrm>
+            <a:off x="2382" y="6488668"/>
+            <a:ext cx="6093618" cy="369332"/>
+          </a:xfrm>
+          <a:prstGeom prst="rect">
+            <a:avLst/>
+          </a:prstGeom>
+          <a:noFill/>
+        </p:spPr>
+        <p:txBody>
+          <a:bodyPr wrap="square">
+            <a:spAutoFit/>
+          </a:bodyPr>
+          <a:lstStyle/>
+          <a:p>
+            <a:r>
+              <a:rPr lang="en-US" dirty="0">
+                <a:hlinkClick r:id="rId6"/>
+              </a:rPr>
+              <a:t>https://byui-cse.github.io/cse111-course/lesson06/prove.html</a:t>
+            </a:r>
+            <a:r>
+              <a:rPr lang="en-US" dirty="0"/>
+              <a:t> </a:t>
+            </a:r>
+          </a:p>
+        </p:txBody>
+      </p:sp>
+      <p:cxnSp>
+        <p:nvCxnSpPr>
+          <p:cNvPr id="89" name="Curved Connector 88">
+            <a:extLst>
+              <a:ext uri="{FF2B5EF4-FFF2-40B4-BE49-F238E27FC236}">
+                <a16:creationId xmlns:a16="http://schemas.microsoft.com/office/drawing/2014/main" id="{130803E6-0AE3-9F71-5EFC-D02071F91209}"/>
+              </a:ext>
+            </a:extLst>
+          </p:cNvPr>
+          <p:cNvCxnSpPr>
+            <a:cxnSpLocks/>
+            <a:stCxn id="44" idx="2"/>
+            <a:endCxn id="40" idx="0"/>
+          </p:cNvCxnSpPr>
+          <p:nvPr/>
+        </p:nvCxnSpPr>
+        <p:spPr>
+          <a:xfrm rot="5400000">
+            <a:off x="6910983" y="4243705"/>
+            <a:ext cx="615825" cy="3070761"/>
+          </a:xfrm>
+          <a:prstGeom prst="curvedConnector3">
+            <a:avLst>
+              <a:gd name="adj1" fmla="val 50000"/>
+            </a:avLst>
+          </a:prstGeom>
+          <a:ln>
+            <a:tailEnd type="triangle"/>
+          </a:ln>
+        </p:spPr>
+        <p:style>
+          <a:lnRef idx="3">
+            <a:schemeClr val="accent4"/>
+          </a:lnRef>
+          <a:fillRef idx="0">
+            <a:schemeClr val="accent4"/>
+          </a:fillRef>
+          <a:effectRef idx="2">
+            <a:schemeClr val="accent4"/>
+          </a:effectRef>
+          <a:fontRef idx="minor">
+            <a:schemeClr val="tx1"/>
+          </a:fontRef>
+        </p:style>
+      </p:cxnSp>
+      <p:sp>
+        <p:nvSpPr>
+          <p:cNvPr id="49" name="Rectangle 48">
+            <a:extLst>
+              <a:ext uri="{FF2B5EF4-FFF2-40B4-BE49-F238E27FC236}">
+                <a16:creationId xmlns:a16="http://schemas.microsoft.com/office/drawing/2014/main" id="{A0ABCA44-FA47-98C8-D458-9B955241539E}"/>
+              </a:ext>
+            </a:extLst>
+          </p:cNvPr>
+          <p:cNvSpPr/>
+          <p:nvPr/>
+        </p:nvSpPr>
+        <p:spPr>
+          <a:xfrm>
+            <a:off x="10106730" y="2492135"/>
+            <a:ext cx="2032655" cy="274320"/>
+          </a:xfrm>
+          <a:prstGeom prst="rect">
+            <a:avLst/>
+          </a:prstGeom>
+        </p:spPr>
+        <p:style>
+          <a:lnRef idx="2">
+            <a:schemeClr val="accent1">
+              <a:shade val="50000"/>
+            </a:schemeClr>
+          </a:lnRef>
+          <a:fillRef idx="1">
+            <a:schemeClr val="accent1"/>
+          </a:fillRef>
+          <a:effectRef idx="0">
+            <a:schemeClr val="accent1"/>
+          </a:effectRef>
+          <a:fontRef idx="minor">
+            <a:schemeClr val="lt1"/>
+          </a:fontRef>
+        </p:style>
+        <p:txBody>
+          <a:bodyPr rtlCol="0" anchor="ctr"/>
+          <a:lstStyle/>
+          <a:p>
+            <a:pPr algn="ctr"/>
+            <a:r>
+              <a:rPr lang="en-US" dirty="0" err="1"/>
+              <a:t>Print_sentence</a:t>
+            </a:r>
+            <a:r>
+              <a:rPr lang="en-US" dirty="0"/>
+              <a:t>()</a:t>
+            </a:r>
+          </a:p>
+        </p:txBody>
+      </p:sp>
+      <p:sp>
+        <p:nvSpPr>
+          <p:cNvPr id="51" name="Magnetic Disk 50">
+            <a:extLst>
+              <a:ext uri="{FF2B5EF4-FFF2-40B4-BE49-F238E27FC236}">
+                <a16:creationId xmlns:a16="http://schemas.microsoft.com/office/drawing/2014/main" id="{1D6D3D71-2755-AED8-5FC2-3DD4AB299D3E}"/>
+              </a:ext>
+            </a:extLst>
+          </p:cNvPr>
+          <p:cNvSpPr/>
+          <p:nvPr/>
+        </p:nvSpPr>
+        <p:spPr>
+          <a:xfrm rot="5400000">
+            <a:off x="9877103" y="2491991"/>
+            <a:ext cx="255861" cy="274320"/>
+          </a:xfrm>
+          <a:prstGeom prst="flowChartMagneticDisk">
+            <a:avLst/>
+          </a:prstGeom>
+        </p:spPr>
+        <p:style>
+          <a:lnRef idx="2">
+            <a:schemeClr val="accent1">
+              <a:shade val="50000"/>
+            </a:schemeClr>
+          </a:lnRef>
+          <a:fillRef idx="1">
+            <a:schemeClr val="accent1"/>
+          </a:fillRef>
+          <a:effectRef idx="0">
+            <a:schemeClr val="accent1"/>
+          </a:effectRef>
+          <a:fontRef idx="minor">
+            <a:schemeClr val="lt1"/>
+          </a:fontRef>
+        </p:style>
+        <p:txBody>
+          <a:bodyPr rtlCol="0" anchor="ctr"/>
+          <a:lstStyle/>
+          <a:p>
+            <a:pPr algn="ctr"/>
+            <a:endParaRPr lang="en-US"/>
+          </a:p>
+        </p:txBody>
+      </p:sp>
+      <p:cxnSp>
+        <p:nvCxnSpPr>
+          <p:cNvPr id="52" name="Curved Connector 51">
+            <a:extLst>
+              <a:ext uri="{FF2B5EF4-FFF2-40B4-BE49-F238E27FC236}">
+                <a16:creationId xmlns:a16="http://schemas.microsoft.com/office/drawing/2014/main" id="{A1B4358B-6B27-0E51-D964-6859587AE370}"/>
+              </a:ext>
+            </a:extLst>
+          </p:cNvPr>
+          <p:cNvCxnSpPr>
+            <a:cxnSpLocks/>
+            <a:stCxn id="84" idx="3"/>
+            <a:endCxn id="51" idx="3"/>
+          </p:cNvCxnSpPr>
+          <p:nvPr/>
+        </p:nvCxnSpPr>
+        <p:spPr>
+          <a:xfrm>
+            <a:off x="8953869" y="2524023"/>
+            <a:ext cx="914005" cy="105129"/>
+          </a:xfrm>
+          <a:prstGeom prst="curvedConnector3">
+            <a:avLst>
+              <a:gd name="adj1" fmla="val 50000"/>
+            </a:avLst>
+          </a:prstGeom>
+          <a:ln>
+            <a:tailEnd type="triangle"/>
+          </a:ln>
+        </p:spPr>
+        <p:style>
+          <a:lnRef idx="3">
+            <a:schemeClr val="accent6"/>
+          </a:lnRef>
+          <a:fillRef idx="0">
+            <a:schemeClr val="accent6"/>
+          </a:fillRef>
+          <a:effectRef idx="2">
+            <a:schemeClr val="accent6"/>
+          </a:effectRef>
+          <a:fontRef idx="minor">
+            <a:schemeClr val="tx1"/>
+          </a:fontRef>
+        </p:style>
+      </p:cxnSp>
+      <p:sp>
+        <p:nvSpPr>
+          <p:cNvPr id="55" name="Rectangle 54">
+            <a:extLst>
+              <a:ext uri="{FF2B5EF4-FFF2-40B4-BE49-F238E27FC236}">
+                <a16:creationId xmlns:a16="http://schemas.microsoft.com/office/drawing/2014/main" id="{5D1EF1A9-5B23-CDAD-26CC-BF761A269A07}"/>
+              </a:ext>
+            </a:extLst>
+          </p:cNvPr>
+          <p:cNvSpPr/>
+          <p:nvPr/>
+        </p:nvSpPr>
+        <p:spPr>
+          <a:xfrm>
+            <a:off x="24304" y="2253884"/>
+            <a:ext cx="2032655" cy="274320"/>
+          </a:xfrm>
+          <a:prstGeom prst="rect">
+            <a:avLst/>
+          </a:prstGeom>
+        </p:spPr>
+        <p:style>
+          <a:lnRef idx="2">
+            <a:schemeClr val="accent1">
+              <a:shade val="50000"/>
+            </a:schemeClr>
+          </a:lnRef>
+          <a:fillRef idx="1">
+            <a:schemeClr val="accent1"/>
+          </a:fillRef>
+          <a:effectRef idx="0">
+            <a:schemeClr val="accent1"/>
+          </a:effectRef>
+          <a:fontRef idx="minor">
+            <a:schemeClr val="lt1"/>
+          </a:fontRef>
+        </p:style>
+        <p:txBody>
+          <a:bodyPr rtlCol="0" anchor="ctr"/>
+          <a:lstStyle/>
+          <a:p>
+            <a:pPr algn="ctr"/>
+            <a:r>
+              <a:rPr lang="en-US" dirty="0" err="1"/>
+              <a:t>get_test_data</a:t>
+            </a:r>
+            <a:r>
+              <a:rPr lang="en-US" dirty="0"/>
+              <a:t>()</a:t>
+            </a:r>
+          </a:p>
+        </p:txBody>
+      </p:sp>
+      <p:sp>
+        <p:nvSpPr>
+          <p:cNvPr id="65" name="Rectangle 64">
+            <a:extLst>
+              <a:ext uri="{FF2B5EF4-FFF2-40B4-BE49-F238E27FC236}">
+                <a16:creationId xmlns:a16="http://schemas.microsoft.com/office/drawing/2014/main" id="{ABAEE088-23D8-57AC-238E-4B6E1B366899}"/>
+              </a:ext>
+            </a:extLst>
+          </p:cNvPr>
+          <p:cNvSpPr/>
+          <p:nvPr/>
+        </p:nvSpPr>
+        <p:spPr>
+          <a:xfrm>
+            <a:off x="45982" y="2523132"/>
+            <a:ext cx="2851259" cy="1548281"/>
+          </a:xfrm>
+          <a:prstGeom prst="rect">
+            <a:avLst/>
+          </a:prstGeom>
+        </p:spPr>
+        <p:style>
+          <a:lnRef idx="2">
+            <a:schemeClr val="accent1">
+              <a:shade val="15000"/>
+            </a:schemeClr>
+          </a:lnRef>
+          <a:fillRef idx="1">
+            <a:schemeClr val="accent1"/>
+          </a:fillRef>
+          <a:effectRef idx="0">
+            <a:schemeClr val="accent1"/>
+          </a:effectRef>
+          <a:fontRef idx="minor">
+            <a:schemeClr val="lt1"/>
+          </a:fontRef>
+        </p:style>
+        <p:txBody>
+          <a:bodyPr rtlCol="0" anchor="t"/>
+          <a:lstStyle/>
+          <a:p>
+            <a:r>
+              <a:rPr lang="en-US" sz="1200" dirty="0" err="1"/>
+              <a:t>QuantityList</a:t>
+            </a:r>
+            <a:r>
+              <a:rPr lang="en-US" sz="1200" dirty="0"/>
+              <a:t> = [single, plural]</a:t>
+            </a:r>
+          </a:p>
+          <a:p>
+            <a:r>
+              <a:rPr lang="en-US" sz="1200" dirty="0" err="1"/>
+              <a:t>TenseList</a:t>
+            </a:r>
+            <a:r>
+              <a:rPr lang="en-US" sz="1200" dirty="0"/>
+              <a:t> = [“past”, “present”, “future”]</a:t>
+            </a:r>
+          </a:p>
+          <a:p>
+            <a:r>
+              <a:rPr lang="en-US" sz="1200" dirty="0"/>
+              <a:t>for quantity in </a:t>
+            </a:r>
+            <a:r>
+              <a:rPr lang="en-US" sz="1200" dirty="0" err="1"/>
+              <a:t>quantityList</a:t>
+            </a:r>
+            <a:r>
+              <a:rPr lang="en-US" sz="1200" dirty="0"/>
+              <a:t>:</a:t>
+            </a:r>
+          </a:p>
+          <a:p>
+            <a:r>
+              <a:rPr lang="en-US" sz="1200" dirty="0"/>
+              <a:t>    for tense in </a:t>
+            </a:r>
+            <a:r>
+              <a:rPr lang="en-US" sz="1200" dirty="0" err="1"/>
+              <a:t>tenseList</a:t>
+            </a:r>
+            <a:r>
+              <a:rPr lang="en-US" sz="1200" dirty="0"/>
+              <a:t>:</a:t>
+            </a:r>
+          </a:p>
+          <a:p>
+            <a:r>
+              <a:rPr lang="en-US" sz="1200" dirty="0"/>
+              <a:t>        </a:t>
+            </a:r>
+            <a:r>
+              <a:rPr lang="en-US" sz="1200" dirty="0" err="1"/>
+              <a:t>test_data</a:t>
+            </a:r>
+            <a:r>
+              <a:rPr lang="en-US" sz="1200" dirty="0"/>
+              <a:t> = [quantity, tense]</a:t>
+            </a:r>
+          </a:p>
+          <a:p>
+            <a:r>
+              <a:rPr lang="en-US" sz="1200" dirty="0"/>
+              <a:t>return </a:t>
+            </a:r>
+            <a:r>
+              <a:rPr lang="en-US" sz="1200" dirty="0" err="1"/>
+              <a:t>test_data</a:t>
+            </a:r>
+            <a:endParaRPr lang="en-US" sz="1200" dirty="0"/>
+          </a:p>
+        </p:txBody>
+      </p:sp>
+      <p:sp>
+        <p:nvSpPr>
+          <p:cNvPr id="73" name="Rectangle 72">
+            <a:extLst>
+              <a:ext uri="{FF2B5EF4-FFF2-40B4-BE49-F238E27FC236}">
+                <a16:creationId xmlns:a16="http://schemas.microsoft.com/office/drawing/2014/main" id="{1D23AFDF-3CBF-560E-215C-7E3292DC7963}"/>
+              </a:ext>
+            </a:extLst>
+          </p:cNvPr>
+          <p:cNvSpPr/>
+          <p:nvPr/>
+        </p:nvSpPr>
+        <p:spPr>
+          <a:xfrm>
+            <a:off x="3012451" y="2861134"/>
+            <a:ext cx="3104657" cy="1662437"/>
+          </a:xfrm>
+          <a:prstGeom prst="rect">
+            <a:avLst/>
+          </a:prstGeom>
+        </p:spPr>
+        <p:style>
+          <a:lnRef idx="1">
+            <a:schemeClr val="dk1"/>
+          </a:lnRef>
+          <a:fillRef idx="2">
+            <a:schemeClr val="dk1"/>
+          </a:fillRef>
+          <a:effectRef idx="1">
+            <a:schemeClr val="dk1"/>
+          </a:effectRef>
+          <a:fontRef idx="minor">
+            <a:schemeClr val="dk1"/>
+          </a:fontRef>
+        </p:style>
+        <p:txBody>
+          <a:bodyPr rtlCol="0" anchor="t" anchorCtr="0"/>
+          <a:lstStyle/>
+          <a:p>
+            <a:r>
+              <a:rPr lang="en-US" sz="1200" dirty="0">
+                <a:solidFill>
+                  <a:schemeClr val="tx1"/>
+                </a:solidFill>
+              </a:rPr>
+              <a:t>QUANTITY = 0</a:t>
+            </a:r>
+          </a:p>
+          <a:p>
+            <a:r>
+              <a:rPr lang="en-US" sz="1200" dirty="0">
+                <a:solidFill>
+                  <a:schemeClr val="tx1"/>
+                </a:solidFill>
+              </a:rPr>
+              <a:t>TENSE = 1</a:t>
+            </a:r>
+          </a:p>
+          <a:p>
+            <a:r>
+              <a:rPr lang="en-US" sz="1200" dirty="0" err="1">
+                <a:solidFill>
+                  <a:schemeClr val="tx1"/>
+                </a:solidFill>
+              </a:rPr>
+              <a:t>Test_data</a:t>
+            </a:r>
+            <a:r>
+              <a:rPr lang="en-US" sz="1200" dirty="0">
+                <a:solidFill>
+                  <a:schemeClr val="tx1"/>
+                </a:solidFill>
+              </a:rPr>
+              <a:t> = </a:t>
+            </a:r>
+            <a:r>
+              <a:rPr lang="en-US" sz="1200" dirty="0" err="1">
+                <a:solidFill>
+                  <a:schemeClr val="tx1"/>
+                </a:solidFill>
+              </a:rPr>
+              <a:t>get_test_data</a:t>
+            </a:r>
+            <a:r>
+              <a:rPr lang="en-US" sz="1200" dirty="0">
+                <a:solidFill>
+                  <a:schemeClr val="tx1"/>
+                </a:solidFill>
+              </a:rPr>
+              <a:t>()</a:t>
+            </a:r>
+          </a:p>
+          <a:p>
+            <a:r>
+              <a:rPr lang="en-US" sz="1200" dirty="0">
+                <a:solidFill>
+                  <a:schemeClr val="tx1"/>
+                </a:solidFill>
+              </a:rPr>
+              <a:t>For data in </a:t>
+            </a:r>
+            <a:r>
+              <a:rPr lang="en-US" sz="1200" dirty="0" err="1">
+                <a:solidFill>
+                  <a:schemeClr val="tx1"/>
+                </a:solidFill>
+              </a:rPr>
+              <a:t>test_data</a:t>
+            </a:r>
+            <a:r>
+              <a:rPr lang="en-US" sz="1200" dirty="0">
+                <a:solidFill>
+                  <a:schemeClr val="tx1"/>
+                </a:solidFill>
+              </a:rPr>
+              <a:t>:</a:t>
+            </a:r>
+          </a:p>
+          <a:p>
+            <a:r>
+              <a:rPr lang="en-US" sz="1200" dirty="0">
+                <a:solidFill>
+                  <a:schemeClr val="tx1"/>
+                </a:solidFill>
+              </a:rPr>
+              <a:t>     quantity = data[QUANTITY]</a:t>
+            </a:r>
+          </a:p>
+          <a:p>
+            <a:r>
+              <a:rPr lang="en-US" sz="1200" dirty="0">
+                <a:solidFill>
+                  <a:schemeClr val="tx1"/>
+                </a:solidFill>
+              </a:rPr>
+              <a:t>     tense  = data [TENSE]</a:t>
+            </a:r>
+          </a:p>
+          <a:p>
+            <a:r>
+              <a:rPr lang="en-US" sz="1200" dirty="0">
+                <a:solidFill>
+                  <a:schemeClr val="tx1"/>
+                </a:solidFill>
+              </a:rPr>
+              <a:t>     sentence = </a:t>
+            </a:r>
+            <a:r>
+              <a:rPr lang="en-US" sz="1200" dirty="0" err="1">
+                <a:solidFill>
+                  <a:schemeClr val="tx1"/>
+                </a:solidFill>
+              </a:rPr>
+              <a:t>get_sentence</a:t>
+            </a:r>
+            <a:r>
+              <a:rPr lang="en-US" sz="1200" dirty="0">
+                <a:solidFill>
+                  <a:schemeClr val="tx1"/>
+                </a:solidFill>
+              </a:rPr>
+              <a:t>(quantity, tense)</a:t>
+            </a:r>
+          </a:p>
+          <a:p>
+            <a:r>
+              <a:rPr lang="en-US" sz="1200" dirty="0">
+                <a:solidFill>
+                  <a:schemeClr val="tx1"/>
+                </a:solidFill>
+              </a:rPr>
+              <a:t>     </a:t>
+            </a:r>
+            <a:r>
+              <a:rPr lang="en-US" sz="1200" dirty="0" err="1">
+                <a:solidFill>
+                  <a:schemeClr val="tx1"/>
+                </a:solidFill>
+              </a:rPr>
+              <a:t>display_sentence</a:t>
+            </a:r>
+            <a:r>
+              <a:rPr lang="en-US" sz="1200" dirty="0">
+                <a:solidFill>
+                  <a:schemeClr val="tx1"/>
+                </a:solidFill>
+              </a:rPr>
+              <a:t>(</a:t>
+            </a:r>
+            <a:r>
+              <a:rPr lang="en-US" sz="1200" dirty="0" err="1">
+                <a:solidFill>
+                  <a:schemeClr val="tx1"/>
+                </a:solidFill>
+              </a:rPr>
+              <a:t>sentenece</a:t>
+            </a:r>
+            <a:r>
+              <a:rPr lang="en-US" sz="1200" dirty="0">
+                <a:solidFill>
+                  <a:schemeClr val="tx1"/>
+                </a:solidFill>
+              </a:rPr>
+              <a:t>)</a:t>
+            </a:r>
+          </a:p>
+        </p:txBody>
+      </p:sp>
+      <p:cxnSp>
+        <p:nvCxnSpPr>
+          <p:cNvPr id="90" name="Curved Connector 114">
+            <a:extLst>
+              <a:ext uri="{FF2B5EF4-FFF2-40B4-BE49-F238E27FC236}">
+                <a16:creationId xmlns:a16="http://schemas.microsoft.com/office/drawing/2014/main" id="{53539E38-900F-2185-3FE8-171836E32597}"/>
+              </a:ext>
+            </a:extLst>
+          </p:cNvPr>
+          <p:cNvCxnSpPr>
+            <a:cxnSpLocks/>
+            <a:stCxn id="55" idx="3"/>
+            <a:endCxn id="5" idx="2"/>
+          </p:cNvCxnSpPr>
+          <p:nvPr/>
+        </p:nvCxnSpPr>
+        <p:spPr>
+          <a:xfrm>
+            <a:off x="2056959" y="2391044"/>
+            <a:ext cx="1717114" cy="313093"/>
+          </a:xfrm>
+          <a:prstGeom prst="curvedConnector3">
+            <a:avLst>
+              <a:gd name="adj1" fmla="val 50000"/>
+            </a:avLst>
+          </a:prstGeom>
+          <a:ln>
+            <a:tailEnd type="triangle"/>
+          </a:ln>
+        </p:spPr>
+        <p:style>
+          <a:lnRef idx="3">
+            <a:schemeClr val="accent4"/>
+          </a:lnRef>
+          <a:fillRef idx="0">
+            <a:schemeClr val="accent4"/>
+          </a:fillRef>
+          <a:effectRef idx="2">
+            <a:schemeClr val="accent4"/>
+          </a:effectRef>
+          <a:fontRef idx="minor">
+            <a:schemeClr val="tx1"/>
+          </a:fontRef>
+        </p:style>
+      </p:cxnSp>
+      <p:cxnSp>
+        <p:nvCxnSpPr>
+          <p:cNvPr id="96" name="Curved Connector 114">
+            <a:extLst>
+              <a:ext uri="{FF2B5EF4-FFF2-40B4-BE49-F238E27FC236}">
+                <a16:creationId xmlns:a16="http://schemas.microsoft.com/office/drawing/2014/main" id="{8EFD0292-EEC2-0739-BF06-3F60422D0BCE}"/>
+              </a:ext>
+            </a:extLst>
+          </p:cNvPr>
+          <p:cNvCxnSpPr>
+            <a:cxnSpLocks/>
+            <a:stCxn id="5" idx="3"/>
+            <a:endCxn id="35" idx="2"/>
+          </p:cNvCxnSpPr>
+          <p:nvPr/>
+        </p:nvCxnSpPr>
+        <p:spPr>
+          <a:xfrm rot="16200000" flipH="1">
+            <a:off x="4783965" y="1959336"/>
+            <a:ext cx="857098" cy="2621020"/>
+          </a:xfrm>
+          <a:prstGeom prst="curvedConnector2">
+            <a:avLst/>
+          </a:prstGeom>
+          <a:ln>
+            <a:tailEnd type="triangle"/>
+          </a:ln>
+        </p:spPr>
+        <p:style>
+          <a:lnRef idx="3">
+            <a:schemeClr val="accent4"/>
+          </a:lnRef>
+          <a:fillRef idx="0">
+            <a:schemeClr val="accent4"/>
+          </a:fillRef>
+          <a:effectRef idx="2">
+            <a:schemeClr val="accent4"/>
+          </a:effectRef>
+          <a:fontRef idx="minor">
+            <a:schemeClr val="tx1"/>
+          </a:fontRef>
+        </p:style>
+      </p:cxnSp>
+      <p:cxnSp>
+        <p:nvCxnSpPr>
+          <p:cNvPr id="99" name="Curved Connector 114">
+            <a:extLst>
+              <a:ext uri="{FF2B5EF4-FFF2-40B4-BE49-F238E27FC236}">
+                <a16:creationId xmlns:a16="http://schemas.microsoft.com/office/drawing/2014/main" id="{0E1F774C-5948-FD22-91FF-B6F99590B9B6}"/>
+              </a:ext>
+            </a:extLst>
+          </p:cNvPr>
+          <p:cNvCxnSpPr>
+            <a:cxnSpLocks/>
+            <a:stCxn id="5" idx="3"/>
+            <a:endCxn id="66" idx="2"/>
+          </p:cNvCxnSpPr>
+          <p:nvPr/>
+        </p:nvCxnSpPr>
+        <p:spPr>
+          <a:xfrm rot="16200000" flipH="1">
+            <a:off x="4596605" y="2146695"/>
+            <a:ext cx="1236051" cy="2625253"/>
+          </a:xfrm>
+          <a:prstGeom prst="curvedConnector2">
+            <a:avLst/>
+          </a:prstGeom>
+          <a:ln>
+            <a:tailEnd type="triangle"/>
+          </a:ln>
+        </p:spPr>
+        <p:style>
+          <a:lnRef idx="3">
+            <a:schemeClr val="accent4"/>
+          </a:lnRef>
+          <a:fillRef idx="0">
+            <a:schemeClr val="accent4"/>
+          </a:fillRef>
+          <a:effectRef idx="2">
+            <a:schemeClr val="accent4"/>
+          </a:effectRef>
+          <a:fontRef idx="minor">
+            <a:schemeClr val="tx1"/>
+          </a:fontRef>
+        </p:style>
+      </p:cxnSp>
+    </p:spTree>
+    <p:extLst>
+      <p:ext uri="{BB962C8B-B14F-4D97-AF65-F5344CB8AC3E}">
+        <p14:creationId xmlns:p14="http://schemas.microsoft.com/office/powerpoint/2010/main" val="1594325153"/>
+      </p:ext>
+    </p:extLst>
+  </p:cSld>
+  <p:clrMapOvr>
+    <a:masterClrMapping/>
+  </p:clrMapOvr>
+</p:sld>
+</file>
+
 <file path=ppt/slides/slide5.xml><?xml version="1.0" encoding="utf-8"?>
 <p:sld xmlns:a="http://schemas.openxmlformats.org/drawingml/2006/main" xmlns:r="http://schemas.openxmlformats.org/officeDocument/2006/relationships" xmlns:p="http://schemas.openxmlformats.org/presentationml/2006/main">
   <p:cSld>
@@ -43238,14 +48285,14 @@
             <a:pPr lvl="1"/>
             <a:r>
               <a:rPr lang="en-US" dirty="0"/>
-              <a:t>R: When is it updated?</a:t>
+              <a:t>R: When is it read?</a:t>
             </a:r>
           </a:p>
           <a:p>
             <a:pPr lvl="1"/>
             <a:r>
               <a:rPr lang="en-US" dirty="0"/>
-              <a:t>U: When is it read?</a:t>
+              <a:t>U: When is it updated?</a:t>
             </a:r>
           </a:p>
           <a:p>
@@ -43254,6 +48301,42 @@
               <a:rPr lang="en-US" dirty="0"/>
               <a:t>D: When is it deleted?</a:t>
             </a:r>
+          </a:p>
+          <a:p>
+            <a:pPr lvl="1"/>
+            <a:endParaRPr lang="en-US" dirty="0"/>
+          </a:p>
+          <a:p>
+            <a:pPr lvl="1"/>
+            <a:r>
+              <a:rPr lang="en-US" dirty="0"/>
+              <a:t>C: Where is it created?</a:t>
+            </a:r>
+          </a:p>
+          <a:p>
+            <a:pPr lvl="1"/>
+            <a:r>
+              <a:rPr lang="en-US" dirty="0"/>
+              <a:t>U: When is it updated?</a:t>
+            </a:r>
+          </a:p>
+          <a:p>
+            <a:pPr lvl="1"/>
+            <a:r>
+              <a:rPr lang="en-US" dirty="0"/>
+              <a:t>R: When is it read?</a:t>
+            </a:r>
+          </a:p>
+          <a:p>
+            <a:pPr lvl="1"/>
+            <a:r>
+              <a:rPr lang="en-US" dirty="0"/>
+              <a:t>D: When is it deleted?</a:t>
+            </a:r>
+          </a:p>
+          <a:p>
+            <a:pPr lvl="1"/>
+            <a:endParaRPr lang="en-US" dirty="0"/>
           </a:p>
         </p:txBody>
       </p:sp>
@@ -43707,7 +48790,7 @@
           <a:p>
             <a:r>
               <a:rPr lang="en-US" dirty="0"/>
-              <a:t>Input (parameters)</a:t>
+              <a:t>Input (return)</a:t>
             </a:r>
           </a:p>
           <a:p>
@@ -43719,7 +48802,7 @@
           <a:p>
             <a:r>
               <a:rPr lang="en-US" dirty="0"/>
-              <a:t>Output (return)</a:t>
+              <a:t>Output (parameters)</a:t>
             </a:r>
           </a:p>
         </p:txBody>
